--- a/EADAS - 12-7.pptx
+++ b/EADAS - 12-7.pptx
@@ -10,14 +10,15 @@
     <p:sldId id="258" r:id="rId4"/>
     <p:sldId id="259" r:id="rId5"/>
     <p:sldId id="260" r:id="rId6"/>
-    <p:sldId id="264" r:id="rId7"/>
-    <p:sldId id="261" r:id="rId8"/>
-    <p:sldId id="262" r:id="rId9"/>
-    <p:sldId id="265" r:id="rId10"/>
-    <p:sldId id="263" r:id="rId11"/>
-    <p:sldId id="266" r:id="rId12"/>
-    <p:sldId id="267" r:id="rId13"/>
-    <p:sldId id="268" r:id="rId14"/>
+    <p:sldId id="269" r:id="rId7"/>
+    <p:sldId id="264" r:id="rId8"/>
+    <p:sldId id="261" r:id="rId9"/>
+    <p:sldId id="262" r:id="rId10"/>
+    <p:sldId id="265" r:id="rId11"/>
+    <p:sldId id="263" r:id="rId12"/>
+    <p:sldId id="266" r:id="rId13"/>
+    <p:sldId id="267" r:id="rId14"/>
+    <p:sldId id="268" r:id="rId15"/>
   </p:sldIdLst>
   <p:sldSz cx="12192000" cy="6858000"/>
   <p:notesSz cx="6858000" cy="9144000"/>
@@ -2362,45 +2363,45 @@
     </dgm:pt>
   </dgm:ptLst>
   <dgm:cxnLst>
+    <dgm:cxn modelId="{78E13E71-B725-4855-80F9-1418DFEBCB22}" type="presOf" srcId="{B573ADB8-4670-49BB-8FA7-AA94CD2AC0BB}" destId="{70B5A6B8-6481-4237-AAE5-1BC885BF910D}" srcOrd="1" destOrd="0" presId="urn:microsoft.com/office/officeart/2005/8/layout/bProcess3"/>
+    <dgm:cxn modelId="{0FF30198-A56E-4EF1-962B-1E56CA501DCC}" type="presOf" srcId="{4C3CFDD8-4C2A-401B-8B8C-1C4CB05530F5}" destId="{BE84B352-6350-49CA-A0E0-E680EAC5A2F7}" srcOrd="0" destOrd="0" presId="urn:microsoft.com/office/officeart/2005/8/layout/bProcess3"/>
+    <dgm:cxn modelId="{63A68D4C-D763-4084-85F7-375886C8CF7E}" type="presOf" srcId="{691C1182-2621-4D94-8064-4FB004350FA1}" destId="{902DF144-89EF-445D-9693-14DE3C070FF7}" srcOrd="1" destOrd="0" presId="urn:microsoft.com/office/officeart/2005/8/layout/bProcess3"/>
+    <dgm:cxn modelId="{403E4E40-5228-445F-9D10-72A79782A6D6}" type="presOf" srcId="{6D9C4255-C055-4A14-9F65-72FF33284BAA}" destId="{99A74944-719B-4540-8A30-08AFA98871D7}" srcOrd="1" destOrd="0" presId="urn:microsoft.com/office/officeart/2005/8/layout/bProcess3"/>
     <dgm:cxn modelId="{68A2EE0D-3397-439F-B1DF-D32455C4649E}" srcId="{2FB12820-BFC5-454C-9787-61A53B0E9994}" destId="{32590F4F-516D-4DC7-88C9-4D316DE1ACD0}" srcOrd="4" destOrd="0" parTransId="{827D1EF0-F38B-4CE2-A294-0331E4C5FD81}" sibTransId="{6D9C4255-C055-4A14-9F65-72FF33284BAA}"/>
-    <dgm:cxn modelId="{0FF30198-A56E-4EF1-962B-1E56CA501DCC}" type="presOf" srcId="{4C3CFDD8-4C2A-401B-8B8C-1C4CB05530F5}" destId="{BE84B352-6350-49CA-A0E0-E680EAC5A2F7}" srcOrd="0" destOrd="0" presId="urn:microsoft.com/office/officeart/2005/8/layout/bProcess3"/>
-    <dgm:cxn modelId="{78E13E71-B725-4855-80F9-1418DFEBCB22}" type="presOf" srcId="{B573ADB8-4670-49BB-8FA7-AA94CD2AC0BB}" destId="{70B5A6B8-6481-4237-AAE5-1BC885BF910D}" srcOrd="1" destOrd="0" presId="urn:microsoft.com/office/officeart/2005/8/layout/bProcess3"/>
+    <dgm:cxn modelId="{EF1E5D24-EBBB-4C7B-9984-2FE6567071FF}" type="presOf" srcId="{3B8F518A-AC58-4143-AFD3-6CBBB94494C3}" destId="{A49AA734-21B1-4A5E-96B7-90C67AB1B57F}" srcOrd="1" destOrd="0" presId="urn:microsoft.com/office/officeart/2005/8/layout/bProcess3"/>
+    <dgm:cxn modelId="{BDA3CE6A-2521-4E08-A417-50FCE8A83E92}" srcId="{2FB12820-BFC5-454C-9787-61A53B0E9994}" destId="{BF9FA62E-7579-43B9-8FAF-374FF9D57A00}" srcOrd="6" destOrd="0" parTransId="{04A48F6B-D45A-40C6-AA8C-4DAEB95F065C}" sibTransId="{A19AE1EF-2A88-4A61-9C2A-3CE023B6E391}"/>
+    <dgm:cxn modelId="{0F27CEC9-3D02-421D-BF46-C7FCCBCF41F2}" type="presOf" srcId="{AD2FC0CE-6613-4938-AE62-10406A58E601}" destId="{295B4255-4A93-4F08-8314-5EC60AABD937}" srcOrd="1" destOrd="0" presId="urn:microsoft.com/office/officeart/2005/8/layout/bProcess3"/>
+    <dgm:cxn modelId="{18BAEAEE-B172-4E88-A352-F79EC34A48B2}" type="presOf" srcId="{A19AE1EF-2A88-4A61-9C2A-3CE023B6E391}" destId="{A1015FA7-56BE-4BF1-972E-1B3C95ACCDAF}" srcOrd="1" destOrd="0" presId="urn:microsoft.com/office/officeart/2005/8/layout/bProcess3"/>
+    <dgm:cxn modelId="{E2D70454-5015-459F-9405-93AAFF9E30BC}" srcId="{2FB12820-BFC5-454C-9787-61A53B0E9994}" destId="{07C291EB-1EBD-4E1D-A644-7A862E26DE25}" srcOrd="5" destOrd="0" parTransId="{96B3BB26-F26B-4A6C-9303-9A25EB2E3095}" sibTransId="{E5AD4D4A-DB5E-479A-9465-8998121777F0}"/>
+    <dgm:cxn modelId="{92F08059-C54E-4F3B-AE9B-1967C99EF439}" type="presOf" srcId="{136C1526-7866-406B-A77E-9EA111240E3C}" destId="{64DFBD11-014E-4D29-A139-AC988834F9C0}" srcOrd="1" destOrd="0" presId="urn:microsoft.com/office/officeart/2005/8/layout/bProcess3"/>
     <dgm:cxn modelId="{4268F731-5DDC-455D-9D68-8034D7C73576}" srcId="{2FB12820-BFC5-454C-9787-61A53B0E9994}" destId="{E15660AC-4016-462A-832E-322349063B80}" srcOrd="1" destOrd="0" parTransId="{E86BA27C-D530-47BE-9057-02D7712EEE73}" sibTransId="{AD2FC0CE-6613-4938-AE62-10406A58E601}"/>
+    <dgm:cxn modelId="{F5CB99E2-60C0-4E87-91FF-EA38F6C3100A}" type="presOf" srcId="{3B8F518A-AC58-4143-AFD3-6CBBB94494C3}" destId="{34FB6637-BD61-4226-B789-D2E8D9DB4DFF}" srcOrd="0" destOrd="0" presId="urn:microsoft.com/office/officeart/2005/8/layout/bProcess3"/>
+    <dgm:cxn modelId="{0A4CCD14-A1F8-483A-9C50-CDA0D6624FBB}" srcId="{2FB12820-BFC5-454C-9787-61A53B0E9994}" destId="{23A73FB3-7635-4F3F-A406-51BC12947BE1}" srcOrd="8" destOrd="0" parTransId="{130664AA-F273-4CBF-85A1-C9CF690E4124}" sibTransId="{6B59BAF7-2038-440C-80F0-FD549C881FC6}"/>
+    <dgm:cxn modelId="{3B43BE66-7F3E-44E0-8268-3FD672FF87D0}" type="presOf" srcId="{AD2FC0CE-6613-4938-AE62-10406A58E601}" destId="{145FE141-A9C8-42EC-BF09-1386421C1807}" srcOrd="0" destOrd="0" presId="urn:microsoft.com/office/officeart/2005/8/layout/bProcess3"/>
+    <dgm:cxn modelId="{D0E8FFC8-0D31-478F-BE2E-6A74EF0BB180}" type="presOf" srcId="{6B59BAF7-2038-440C-80F0-FD549C881FC6}" destId="{6FFAA269-3B12-4F15-88DB-B3C5BD70FAA7}" srcOrd="0" destOrd="0" presId="urn:microsoft.com/office/officeart/2005/8/layout/bProcess3"/>
+    <dgm:cxn modelId="{D8802A15-84EF-40A1-A298-CB7E0FC48DAF}" type="presOf" srcId="{6B59BAF7-2038-440C-80F0-FD549C881FC6}" destId="{C5F4E97A-D741-4898-B236-454A7829C49D}" srcOrd="1" destOrd="0" presId="urn:microsoft.com/office/officeart/2005/8/layout/bProcess3"/>
+    <dgm:cxn modelId="{68A91129-AF19-41DC-8AAE-52C9593DE6BE}" type="presOf" srcId="{2FB12820-BFC5-454C-9787-61A53B0E9994}" destId="{401A3A20-1A54-408F-BCD7-1998E08BBCD3}" srcOrd="0" destOrd="0" presId="urn:microsoft.com/office/officeart/2005/8/layout/bProcess3"/>
+    <dgm:cxn modelId="{0E573E6B-5054-4870-BFCE-63C0A87F74CB}" type="presOf" srcId="{A19AE1EF-2A88-4A61-9C2A-3CE023B6E391}" destId="{2E4734A0-54BF-44DD-942C-27E70798EE10}" srcOrd="0" destOrd="0" presId="urn:microsoft.com/office/officeart/2005/8/layout/bProcess3"/>
+    <dgm:cxn modelId="{BB71C789-D007-4E05-9331-F835BFAC3C4F}" type="presOf" srcId="{B573ADB8-4670-49BB-8FA7-AA94CD2AC0BB}" destId="{3E7C6428-6DA4-4D25-858A-0DFEEDFF2E71}" srcOrd="0" destOrd="0" presId="urn:microsoft.com/office/officeart/2005/8/layout/bProcess3"/>
+    <dgm:cxn modelId="{1CD2D3B9-AD6B-4445-B8B4-59AE1031362F}" type="presOf" srcId="{BF9FA62E-7579-43B9-8FAF-374FF9D57A00}" destId="{94A59AA3-1B19-4363-97B0-4D19638B2975}" srcOrd="0" destOrd="0" presId="urn:microsoft.com/office/officeart/2005/8/layout/bProcess3"/>
     <dgm:cxn modelId="{2DAB578F-1BBD-44E9-B64D-6727013375D8}" type="presOf" srcId="{B6F934CF-290B-4FA0-AAC7-3818C7555E65}" destId="{F0C0444C-63CE-47EC-AAC3-5852866E01FC}" srcOrd="0" destOrd="0" presId="urn:microsoft.com/office/officeart/2005/8/layout/bProcess3"/>
-    <dgm:cxn modelId="{1CD2D3B9-AD6B-4445-B8B4-59AE1031362F}" type="presOf" srcId="{BF9FA62E-7579-43B9-8FAF-374FF9D57A00}" destId="{94A59AA3-1B19-4363-97B0-4D19638B2975}" srcOrd="0" destOrd="0" presId="urn:microsoft.com/office/officeart/2005/8/layout/bProcess3"/>
+    <dgm:cxn modelId="{DAEC4893-B38A-4363-8130-0727006D2EFD}" srcId="{2FB12820-BFC5-454C-9787-61A53B0E9994}" destId="{4C3CFDD8-4C2A-401B-8B8C-1C4CB05530F5}" srcOrd="2" destOrd="0" parTransId="{1C62A071-3D45-469B-8EDE-A371453AAD63}" sibTransId="{136C1526-7866-406B-A77E-9EA111240E3C}"/>
+    <dgm:cxn modelId="{1D73EDAD-973F-4086-9434-093A02AA8161}" type="presOf" srcId="{23A73FB3-7635-4F3F-A406-51BC12947BE1}" destId="{BFD6E834-940B-4D42-9CEB-0110FE058861}" srcOrd="0" destOrd="0" presId="urn:microsoft.com/office/officeart/2005/8/layout/bProcess3"/>
+    <dgm:cxn modelId="{F07E89B4-1E6A-4FFF-83E1-8A2CED8E2F70}" type="presOf" srcId="{136C1526-7866-406B-A77E-9EA111240E3C}" destId="{CBA5EEDD-9529-4AF3-A40E-AB230ED9F5E8}" srcOrd="0" destOrd="0" presId="urn:microsoft.com/office/officeart/2005/8/layout/bProcess3"/>
+    <dgm:cxn modelId="{1024E824-313C-4061-9E24-DEB830F17B63}" srcId="{2FB12820-BFC5-454C-9787-61A53B0E9994}" destId="{32ABA6DA-6961-4EF2-A8C0-9789FACDECBF}" srcOrd="0" destOrd="0" parTransId="{CF88BD51-1163-4BE3-960D-ADE79FC7AA0F}" sibTransId="{691C1182-2621-4D94-8064-4FB004350FA1}"/>
+    <dgm:cxn modelId="{5DC2A8C3-306D-44BE-9904-EC3397C9DBF7}" type="presOf" srcId="{E15660AC-4016-462A-832E-322349063B80}" destId="{4A890EBE-B780-45D5-8A51-B1CB265B8AAE}" srcOrd="0" destOrd="0" presId="urn:microsoft.com/office/officeart/2005/8/layout/bProcess3"/>
+    <dgm:cxn modelId="{E97F82F2-8A4D-40EE-A825-E03878A3746F}" srcId="{2FB12820-BFC5-454C-9787-61A53B0E9994}" destId="{FE2D6D24-C6A5-4AAC-AC52-D1221A0191A8}" srcOrd="7" destOrd="0" parTransId="{E0555D3C-051E-49F4-8193-687BB499A555}" sibTransId="{B573ADB8-4670-49BB-8FA7-AA94CD2AC0BB}"/>
+    <dgm:cxn modelId="{75A130DD-E4E7-43C5-8DC0-3A5E7A0693E1}" type="presOf" srcId="{07C291EB-1EBD-4E1D-A644-7A862E26DE25}" destId="{EEB5D5FB-5978-41F9-8B10-F0FEDB1B938D}" srcOrd="0" destOrd="0" presId="urn:microsoft.com/office/officeart/2005/8/layout/bProcess3"/>
+    <dgm:cxn modelId="{6BBB4402-B105-4A98-B04B-EF41BDD6A04A}" srcId="{2FB12820-BFC5-454C-9787-61A53B0E9994}" destId="{88DBF64F-6FBF-4E14-A940-71DEC4A5925A}" srcOrd="9" destOrd="0" parTransId="{714930FA-E25B-4AD7-A44B-CCE517F48560}" sibTransId="{DC976F80-B5BA-430A-BB6C-549FC489A185}"/>
+    <dgm:cxn modelId="{16702609-4CB6-4F72-AAE8-F8F4B0AA2293}" type="presOf" srcId="{88DBF64F-6FBF-4E14-A940-71DEC4A5925A}" destId="{53DF9181-241A-4A7C-9BEE-5009FCF2D5B5}" srcOrd="0" destOrd="0" presId="urn:microsoft.com/office/officeart/2005/8/layout/bProcess3"/>
+    <dgm:cxn modelId="{9C096A4D-43B9-40A6-8BDE-7BD57971572A}" type="presOf" srcId="{FE2D6D24-C6A5-4AAC-AC52-D1221A0191A8}" destId="{B30CA09E-0E35-4B9F-BC72-4F0581B1C912}" srcOrd="0" destOrd="0" presId="urn:microsoft.com/office/officeart/2005/8/layout/bProcess3"/>
+    <dgm:cxn modelId="{4C7031AB-8255-4AC8-9D1A-2961A004DD92}" type="presOf" srcId="{32590F4F-516D-4DC7-88C9-4D316DE1ACD0}" destId="{F3C8BFCA-9CC9-4C25-A54B-1525D2627BD3}" srcOrd="0" destOrd="0" presId="urn:microsoft.com/office/officeart/2005/8/layout/bProcess3"/>
+    <dgm:cxn modelId="{FABB4D3B-C682-403B-9173-D38452F85767}" type="presOf" srcId="{32ABA6DA-6961-4EF2-A8C0-9789FACDECBF}" destId="{9EDB04EB-847E-4BCF-A3F1-995CAEE8E58A}" srcOrd="0" destOrd="0" presId="urn:microsoft.com/office/officeart/2005/8/layout/bProcess3"/>
+    <dgm:cxn modelId="{018F8B0A-A821-448E-9027-CA9FB297449B}" type="presOf" srcId="{691C1182-2621-4D94-8064-4FB004350FA1}" destId="{B3DF7052-FDAE-4F83-9F23-3EC25FBDFCBD}" srcOrd="0" destOrd="0" presId="urn:microsoft.com/office/officeart/2005/8/layout/bProcess3"/>
+    <dgm:cxn modelId="{5D6FE326-C8CC-4FD6-97E1-2D822936C3AA}" type="presOf" srcId="{E5AD4D4A-DB5E-479A-9465-8998121777F0}" destId="{817866E2-1FDE-41EA-9AB1-66EFD00E7850}" srcOrd="0" destOrd="0" presId="urn:microsoft.com/office/officeart/2005/8/layout/bProcess3"/>
     <dgm:cxn modelId="{C1BBA867-FA4E-4A54-8044-C8C413995ACD}" type="presOf" srcId="{E5AD4D4A-DB5E-479A-9465-8998121777F0}" destId="{A489D72E-D714-41EB-A491-8410D3477EDA}" srcOrd="1" destOrd="0" presId="urn:microsoft.com/office/officeart/2005/8/layout/bProcess3"/>
-    <dgm:cxn modelId="{BB71C789-D007-4E05-9331-F835BFAC3C4F}" type="presOf" srcId="{B573ADB8-4670-49BB-8FA7-AA94CD2AC0BB}" destId="{3E7C6428-6DA4-4D25-858A-0DFEEDFF2E71}" srcOrd="0" destOrd="0" presId="urn:microsoft.com/office/officeart/2005/8/layout/bProcess3"/>
-    <dgm:cxn modelId="{D0E8FFC8-0D31-478F-BE2E-6A74EF0BB180}" type="presOf" srcId="{6B59BAF7-2038-440C-80F0-FD549C881FC6}" destId="{6FFAA269-3B12-4F15-88DB-B3C5BD70FAA7}" srcOrd="0" destOrd="0" presId="urn:microsoft.com/office/officeart/2005/8/layout/bProcess3"/>
-    <dgm:cxn modelId="{75A130DD-E4E7-43C5-8DC0-3A5E7A0693E1}" type="presOf" srcId="{07C291EB-1EBD-4E1D-A644-7A862E26DE25}" destId="{EEB5D5FB-5978-41F9-8B10-F0FEDB1B938D}" srcOrd="0" destOrd="0" presId="urn:microsoft.com/office/officeart/2005/8/layout/bProcess3"/>
-    <dgm:cxn modelId="{5DC2A8C3-306D-44BE-9904-EC3397C9DBF7}" type="presOf" srcId="{E15660AC-4016-462A-832E-322349063B80}" destId="{4A890EBE-B780-45D5-8A51-B1CB265B8AAE}" srcOrd="0" destOrd="0" presId="urn:microsoft.com/office/officeart/2005/8/layout/bProcess3"/>
-    <dgm:cxn modelId="{18BAEAEE-B172-4E88-A352-F79EC34A48B2}" type="presOf" srcId="{A19AE1EF-2A88-4A61-9C2A-3CE023B6E391}" destId="{A1015FA7-56BE-4BF1-972E-1B3C95ACCDAF}" srcOrd="1" destOrd="0" presId="urn:microsoft.com/office/officeart/2005/8/layout/bProcess3"/>
-    <dgm:cxn modelId="{3B43BE66-7F3E-44E0-8268-3FD672FF87D0}" type="presOf" srcId="{AD2FC0CE-6613-4938-AE62-10406A58E601}" destId="{145FE141-A9C8-42EC-BF09-1386421C1807}" srcOrd="0" destOrd="0" presId="urn:microsoft.com/office/officeart/2005/8/layout/bProcess3"/>
-    <dgm:cxn modelId="{0E573E6B-5054-4870-BFCE-63C0A87F74CB}" type="presOf" srcId="{A19AE1EF-2A88-4A61-9C2A-3CE023B6E391}" destId="{2E4734A0-54BF-44DD-942C-27E70798EE10}" srcOrd="0" destOrd="0" presId="urn:microsoft.com/office/officeart/2005/8/layout/bProcess3"/>
-    <dgm:cxn modelId="{F07E89B4-1E6A-4FFF-83E1-8A2CED8E2F70}" type="presOf" srcId="{136C1526-7866-406B-A77E-9EA111240E3C}" destId="{CBA5EEDD-9529-4AF3-A40E-AB230ED9F5E8}" srcOrd="0" destOrd="0" presId="urn:microsoft.com/office/officeart/2005/8/layout/bProcess3"/>
-    <dgm:cxn modelId="{63A68D4C-D763-4084-85F7-375886C8CF7E}" type="presOf" srcId="{691C1182-2621-4D94-8064-4FB004350FA1}" destId="{902DF144-89EF-445D-9693-14DE3C070FF7}" srcOrd="1" destOrd="0" presId="urn:microsoft.com/office/officeart/2005/8/layout/bProcess3"/>
-    <dgm:cxn modelId="{1D73EDAD-973F-4086-9434-093A02AA8161}" type="presOf" srcId="{23A73FB3-7635-4F3F-A406-51BC12947BE1}" destId="{BFD6E834-940B-4D42-9CEB-0110FE058861}" srcOrd="0" destOrd="0" presId="urn:microsoft.com/office/officeart/2005/8/layout/bProcess3"/>
-    <dgm:cxn modelId="{FABB4D3B-C682-403B-9173-D38452F85767}" type="presOf" srcId="{32ABA6DA-6961-4EF2-A8C0-9789FACDECBF}" destId="{9EDB04EB-847E-4BCF-A3F1-995CAEE8E58A}" srcOrd="0" destOrd="0" presId="urn:microsoft.com/office/officeart/2005/8/layout/bProcess3"/>
-    <dgm:cxn modelId="{1024E824-313C-4061-9E24-DEB830F17B63}" srcId="{2FB12820-BFC5-454C-9787-61A53B0E9994}" destId="{32ABA6DA-6961-4EF2-A8C0-9789FACDECBF}" srcOrd="0" destOrd="0" parTransId="{CF88BD51-1163-4BE3-960D-ADE79FC7AA0F}" sibTransId="{691C1182-2621-4D94-8064-4FB004350FA1}"/>
-    <dgm:cxn modelId="{16702609-4CB6-4F72-AAE8-F8F4B0AA2293}" type="presOf" srcId="{88DBF64F-6FBF-4E14-A940-71DEC4A5925A}" destId="{53DF9181-241A-4A7C-9BEE-5009FCF2D5B5}" srcOrd="0" destOrd="0" presId="urn:microsoft.com/office/officeart/2005/8/layout/bProcess3"/>
-    <dgm:cxn modelId="{4C7031AB-8255-4AC8-9D1A-2961A004DD92}" type="presOf" srcId="{32590F4F-516D-4DC7-88C9-4D316DE1ACD0}" destId="{F3C8BFCA-9CC9-4C25-A54B-1525D2627BD3}" srcOrd="0" destOrd="0" presId="urn:microsoft.com/office/officeart/2005/8/layout/bProcess3"/>
-    <dgm:cxn modelId="{018F8B0A-A821-448E-9027-CA9FB297449B}" type="presOf" srcId="{691C1182-2621-4D94-8064-4FB004350FA1}" destId="{B3DF7052-FDAE-4F83-9F23-3EC25FBDFCBD}" srcOrd="0" destOrd="0" presId="urn:microsoft.com/office/officeart/2005/8/layout/bProcess3"/>
-    <dgm:cxn modelId="{F5CB99E2-60C0-4E87-91FF-EA38F6C3100A}" type="presOf" srcId="{3B8F518A-AC58-4143-AFD3-6CBBB94494C3}" destId="{34FB6637-BD61-4226-B789-D2E8D9DB4DFF}" srcOrd="0" destOrd="0" presId="urn:microsoft.com/office/officeart/2005/8/layout/bProcess3"/>
-    <dgm:cxn modelId="{6BBB4402-B105-4A98-B04B-EF41BDD6A04A}" srcId="{2FB12820-BFC5-454C-9787-61A53B0E9994}" destId="{88DBF64F-6FBF-4E14-A940-71DEC4A5925A}" srcOrd="9" destOrd="0" parTransId="{714930FA-E25B-4AD7-A44B-CCE517F48560}" sibTransId="{DC976F80-B5BA-430A-BB6C-549FC489A185}"/>
     <dgm:cxn modelId="{52D9D26D-3DF1-48CA-8BF5-98230DBB75B3}" type="presOf" srcId="{6D9C4255-C055-4A14-9F65-72FF33284BAA}" destId="{CA7FC324-F4B5-4432-AAA5-C5AD37DEDD5B}" srcOrd="0" destOrd="0" presId="urn:microsoft.com/office/officeart/2005/8/layout/bProcess3"/>
-    <dgm:cxn modelId="{5D6FE326-C8CC-4FD6-97E1-2D822936C3AA}" type="presOf" srcId="{E5AD4D4A-DB5E-479A-9465-8998121777F0}" destId="{817866E2-1FDE-41EA-9AB1-66EFD00E7850}" srcOrd="0" destOrd="0" presId="urn:microsoft.com/office/officeart/2005/8/layout/bProcess3"/>
-    <dgm:cxn modelId="{403E4E40-5228-445F-9D10-72A79782A6D6}" type="presOf" srcId="{6D9C4255-C055-4A14-9F65-72FF33284BAA}" destId="{99A74944-719B-4540-8A30-08AFA98871D7}" srcOrd="1" destOrd="0" presId="urn:microsoft.com/office/officeart/2005/8/layout/bProcess3"/>
-    <dgm:cxn modelId="{EF1E5D24-EBBB-4C7B-9984-2FE6567071FF}" type="presOf" srcId="{3B8F518A-AC58-4143-AFD3-6CBBB94494C3}" destId="{A49AA734-21B1-4A5E-96B7-90C67AB1B57F}" srcOrd="1" destOrd="0" presId="urn:microsoft.com/office/officeart/2005/8/layout/bProcess3"/>
-    <dgm:cxn modelId="{0A4CCD14-A1F8-483A-9C50-CDA0D6624FBB}" srcId="{2FB12820-BFC5-454C-9787-61A53B0E9994}" destId="{23A73FB3-7635-4F3F-A406-51BC12947BE1}" srcOrd="8" destOrd="0" parTransId="{130664AA-F273-4CBF-85A1-C9CF690E4124}" sibTransId="{6B59BAF7-2038-440C-80F0-FD549C881FC6}"/>
-    <dgm:cxn modelId="{D8802A15-84EF-40A1-A298-CB7E0FC48DAF}" type="presOf" srcId="{6B59BAF7-2038-440C-80F0-FD549C881FC6}" destId="{C5F4E97A-D741-4898-B236-454A7829C49D}" srcOrd="1" destOrd="0" presId="urn:microsoft.com/office/officeart/2005/8/layout/bProcess3"/>
-    <dgm:cxn modelId="{92F08059-C54E-4F3B-AE9B-1967C99EF439}" type="presOf" srcId="{136C1526-7866-406B-A77E-9EA111240E3C}" destId="{64DFBD11-014E-4D29-A139-AC988834F9C0}" srcOrd="1" destOrd="0" presId="urn:microsoft.com/office/officeart/2005/8/layout/bProcess3"/>
-    <dgm:cxn modelId="{E2D70454-5015-459F-9405-93AAFF9E30BC}" srcId="{2FB12820-BFC5-454C-9787-61A53B0E9994}" destId="{07C291EB-1EBD-4E1D-A644-7A862E26DE25}" srcOrd="5" destOrd="0" parTransId="{96B3BB26-F26B-4A6C-9303-9A25EB2E3095}" sibTransId="{E5AD4D4A-DB5E-479A-9465-8998121777F0}"/>
-    <dgm:cxn modelId="{BDA3CE6A-2521-4E08-A417-50FCE8A83E92}" srcId="{2FB12820-BFC5-454C-9787-61A53B0E9994}" destId="{BF9FA62E-7579-43B9-8FAF-374FF9D57A00}" srcOrd="6" destOrd="0" parTransId="{04A48F6B-D45A-40C6-AA8C-4DAEB95F065C}" sibTransId="{A19AE1EF-2A88-4A61-9C2A-3CE023B6E391}"/>
-    <dgm:cxn modelId="{E97F82F2-8A4D-40EE-A825-E03878A3746F}" srcId="{2FB12820-BFC5-454C-9787-61A53B0E9994}" destId="{FE2D6D24-C6A5-4AAC-AC52-D1221A0191A8}" srcOrd="7" destOrd="0" parTransId="{E0555D3C-051E-49F4-8193-687BB499A555}" sibTransId="{B573ADB8-4670-49BB-8FA7-AA94CD2AC0BB}"/>
-    <dgm:cxn modelId="{9C096A4D-43B9-40A6-8BDE-7BD57971572A}" type="presOf" srcId="{FE2D6D24-C6A5-4AAC-AC52-D1221A0191A8}" destId="{B30CA09E-0E35-4B9F-BC72-4F0581B1C912}" srcOrd="0" destOrd="0" presId="urn:microsoft.com/office/officeart/2005/8/layout/bProcess3"/>
-    <dgm:cxn modelId="{0F27CEC9-3D02-421D-BF46-C7FCCBCF41F2}" type="presOf" srcId="{AD2FC0CE-6613-4938-AE62-10406A58E601}" destId="{295B4255-4A93-4F08-8314-5EC60AABD937}" srcOrd="1" destOrd="0" presId="urn:microsoft.com/office/officeart/2005/8/layout/bProcess3"/>
     <dgm:cxn modelId="{012B66A9-C80A-4372-A149-A54020B5257C}" srcId="{2FB12820-BFC5-454C-9787-61A53B0E9994}" destId="{B6F934CF-290B-4FA0-AAC7-3818C7555E65}" srcOrd="3" destOrd="0" parTransId="{B18D2C18-46A8-4732-AFBD-DE9B274BA6EF}" sibTransId="{3B8F518A-AC58-4143-AFD3-6CBBB94494C3}"/>
-    <dgm:cxn modelId="{68A91129-AF19-41DC-8AAE-52C9593DE6BE}" type="presOf" srcId="{2FB12820-BFC5-454C-9787-61A53B0E9994}" destId="{401A3A20-1A54-408F-BCD7-1998E08BBCD3}" srcOrd="0" destOrd="0" presId="urn:microsoft.com/office/officeart/2005/8/layout/bProcess3"/>
-    <dgm:cxn modelId="{DAEC4893-B38A-4363-8130-0727006D2EFD}" srcId="{2FB12820-BFC5-454C-9787-61A53B0E9994}" destId="{4C3CFDD8-4C2A-401B-8B8C-1C4CB05530F5}" srcOrd="2" destOrd="0" parTransId="{1C62A071-3D45-469B-8EDE-A371453AAD63}" sibTransId="{136C1526-7866-406B-A77E-9EA111240E3C}"/>
     <dgm:cxn modelId="{C9DBF248-B83F-4AFD-A68D-D664E4EAF3A3}" type="presParOf" srcId="{401A3A20-1A54-408F-BCD7-1998E08BBCD3}" destId="{9EDB04EB-847E-4BCF-A3F1-995CAEE8E58A}" srcOrd="0" destOrd="0" presId="urn:microsoft.com/office/officeart/2005/8/layout/bProcess3"/>
     <dgm:cxn modelId="{3A52CD72-DB68-4F3D-A3B1-528E1161C2FD}" type="presParOf" srcId="{401A3A20-1A54-408F-BCD7-1998E08BBCD3}" destId="{B3DF7052-FDAE-4F83-9F23-3EC25FBDFCBD}" srcOrd="1" destOrd="0" presId="urn:microsoft.com/office/officeart/2005/8/layout/bProcess3"/>
     <dgm:cxn modelId="{59431055-AE59-4FC5-A0AA-4E668427456D}" type="presParOf" srcId="{B3DF7052-FDAE-4F83-9F23-3EC25FBDFCBD}" destId="{902DF144-89EF-445D-9693-14DE3C070FF7}" srcOrd="0" destOrd="0" presId="urn:microsoft.com/office/officeart/2005/8/layout/bProcess3"/>
@@ -2891,15 +2892,15 @@
     <dgm:cxn modelId="{87982DE5-819C-4FBE-BF83-2E21CFD1F1A8}" srcId="{4FB43480-A894-40DC-9B3D-34DD9599E0F9}" destId="{F3EED4F6-3FA3-4A90-83D5-7C8E941FA9C4}" srcOrd="1" destOrd="0" parTransId="{30A0BA5A-A5CD-481B-A4F7-C135F6259435}" sibTransId="{EE45F0C2-298E-4637-82AE-6EF7CB5AEBEF}"/>
     <dgm:cxn modelId="{0976AE30-16AF-491E-B935-D4D71FB7C291}" type="presOf" srcId="{75C45061-3077-4145-A758-6F95C6944539}" destId="{506BEBB2-1F31-4B00-B185-20C9FCF860CD}" srcOrd="1" destOrd="0" presId="urn:microsoft.com/office/officeart/2005/8/layout/bProcess3"/>
     <dgm:cxn modelId="{2B0350FA-45AE-4BAB-98DD-223448DE46F5}" type="presOf" srcId="{234F6EBB-CFFA-4AF8-B0EF-DDFA154897B2}" destId="{7D17B8F4-634F-4DE1-AB87-76CC601B434F}" srcOrd="0" destOrd="0" presId="urn:microsoft.com/office/officeart/2005/8/layout/bProcess3"/>
+    <dgm:cxn modelId="{ABC47A48-8A48-43E4-99C1-15D11F975E2F}" type="presOf" srcId="{AABE42F4-BA4F-4570-B357-104E89F29D11}" destId="{8FE68259-CB5F-4893-BD50-E3FAA61C6C05}" srcOrd="1" destOrd="0" presId="urn:microsoft.com/office/officeart/2005/8/layout/bProcess3"/>
     <dgm:cxn modelId="{1D156AA3-375A-4906-A117-ED624B06B7AF}" type="presOf" srcId="{AABE42F4-BA4F-4570-B357-104E89F29D11}" destId="{DF3ECD90-C2C1-4542-A939-182BD0B09AF9}" srcOrd="0" destOrd="0" presId="urn:microsoft.com/office/officeart/2005/8/layout/bProcess3"/>
-    <dgm:cxn modelId="{ABC47A48-8A48-43E4-99C1-15D11F975E2F}" type="presOf" srcId="{AABE42F4-BA4F-4570-B357-104E89F29D11}" destId="{8FE68259-CB5F-4893-BD50-E3FAA61C6C05}" srcOrd="1" destOrd="0" presId="urn:microsoft.com/office/officeart/2005/8/layout/bProcess3"/>
     <dgm:cxn modelId="{FE8AF332-54F9-48C3-9631-B3712E113D7F}" type="presOf" srcId="{0F597383-682E-49A5-B939-CB05F1A22CA5}" destId="{7D533D2C-0D0C-47B4-92CE-EB980B90988C}" srcOrd="1" destOrd="0" presId="urn:microsoft.com/office/officeart/2005/8/layout/bProcess3"/>
     <dgm:cxn modelId="{38309A44-6E05-4991-A099-6DC16929DE84}" type="presOf" srcId="{234F6EBB-CFFA-4AF8-B0EF-DDFA154897B2}" destId="{020985FC-27C8-4E70-9766-F8A3827C23C8}" srcOrd="1" destOrd="0" presId="urn:microsoft.com/office/officeart/2005/8/layout/bProcess3"/>
     <dgm:cxn modelId="{ED6F13DF-3068-4A15-8FE7-B4221A807388}" type="presOf" srcId="{22855277-4101-4F07-A2F4-2C1922F6F9F3}" destId="{86B01881-D279-4A82-A46A-995B42E9DF38}" srcOrd="0" destOrd="0" presId="urn:microsoft.com/office/officeart/2005/8/layout/bProcess3"/>
     <dgm:cxn modelId="{DD17B8E1-9374-424D-BADE-ABB735938935}" type="presOf" srcId="{2CFBBEF0-D7D5-455A-B3AF-42BD5B1A5EA5}" destId="{EC77C5BA-85D7-4568-9858-B430E7341925}" srcOrd="0" destOrd="0" presId="urn:microsoft.com/office/officeart/2005/8/layout/bProcess3"/>
     <dgm:cxn modelId="{1DE24E49-B09F-4AF6-BC93-A15921C44297}" srcId="{4FB43480-A894-40DC-9B3D-34DD9599E0F9}" destId="{2CFBBEF0-D7D5-455A-B3AF-42BD5B1A5EA5}" srcOrd="3" destOrd="0" parTransId="{44FA9951-E18A-4A6D-A68D-0F516EAB1A29}" sibTransId="{0F597383-682E-49A5-B939-CB05F1A22CA5}"/>
+    <dgm:cxn modelId="{3D4BC1AF-F6EC-4BC5-BEB6-CEF71C26E4A6}" type="presOf" srcId="{0F597383-682E-49A5-B939-CB05F1A22CA5}" destId="{8BA908DB-9F52-4A77-BBB2-42FD9AC2FC2B}" srcOrd="0" destOrd="0" presId="urn:microsoft.com/office/officeart/2005/8/layout/bProcess3"/>
     <dgm:cxn modelId="{4FEB6C9A-049E-437F-8398-2267FFB3C439}" srcId="{4FB43480-A894-40DC-9B3D-34DD9599E0F9}" destId="{E33241BD-EBDE-4040-AFFC-16E86C699574}" srcOrd="4" destOrd="0" parTransId="{53DD453F-1048-44BB-B840-0A7875DD0D74}" sibTransId="{234F6EBB-CFFA-4AF8-B0EF-DDFA154897B2}"/>
-    <dgm:cxn modelId="{3D4BC1AF-F6EC-4BC5-BEB6-CEF71C26E4A6}" type="presOf" srcId="{0F597383-682E-49A5-B939-CB05F1A22CA5}" destId="{8BA908DB-9F52-4A77-BBB2-42FD9AC2FC2B}" srcOrd="0" destOrd="0" presId="urn:microsoft.com/office/officeart/2005/8/layout/bProcess3"/>
     <dgm:cxn modelId="{71D1810F-AE9F-4DC5-AE24-E7FC88DA64B5}" type="presOf" srcId="{75C45061-3077-4145-A758-6F95C6944539}" destId="{992424CF-B1A3-41AD-92D0-E408EF1BE504}" srcOrd="0" destOrd="0" presId="urn:microsoft.com/office/officeart/2005/8/layout/bProcess3"/>
     <dgm:cxn modelId="{08E2374E-BC90-4DB8-9C50-FC62BCDCD089}" type="presOf" srcId="{EE45F0C2-298E-4637-82AE-6EF7CB5AEBEF}" destId="{B3F856B3-D896-4871-B496-A17C64D68A75}" srcOrd="1" destOrd="0" presId="urn:microsoft.com/office/officeart/2005/8/layout/bProcess3"/>
     <dgm:cxn modelId="{AE8BE5A7-C985-41E8-B8CE-384249F8A340}" type="presOf" srcId="{ECA912AF-3774-4A12-9F9D-9DB51FAD0AC8}" destId="{62A93418-4DB5-4230-86F6-5DB6AC283AE4}" srcOrd="0" destOrd="0" presId="urn:microsoft.com/office/officeart/2005/8/layout/bProcess3"/>
@@ -2942,6 +2943,1493 @@
       <dsp:cNvGrpSpPr/>
     </dsp:nvGrpSpPr>
     <dsp:grpSpPr/>
+    <dsp:sp modelId="{B3DF7052-FDAE-4F83-9F23-3EC25FBDFCBD}">
+      <dsp:nvSpPr>
+        <dsp:cNvPr id="0" name=""/>
+        <dsp:cNvSpPr/>
+      </dsp:nvSpPr>
+      <dsp:spPr>
+        <a:xfrm>
+          <a:off x="1747922" y="1077964"/>
+          <a:ext cx="370304" cy="91440"/>
+        </a:xfrm>
+        <a:custGeom>
+          <a:avLst/>
+          <a:gdLst/>
+          <a:ahLst/>
+          <a:cxnLst/>
+          <a:rect l="0" t="0" r="0" b="0"/>
+          <a:pathLst>
+            <a:path>
+              <a:moveTo>
+                <a:pt x="0" y="45720"/>
+              </a:moveTo>
+              <a:lnTo>
+                <a:pt x="370304" y="45720"/>
+              </a:lnTo>
+            </a:path>
+          </a:pathLst>
+        </a:custGeom>
+        <a:noFill/>
+        <a:ln w="9525" cap="flat" cmpd="sng" algn="ctr">
+          <a:solidFill>
+            <a:schemeClr val="dk2">
+              <a:hueOff val="0"/>
+              <a:satOff val="0"/>
+              <a:lumOff val="0"/>
+              <a:alphaOff val="0"/>
+            </a:schemeClr>
+          </a:solidFill>
+          <a:prstDash val="solid"/>
+          <a:tailEnd type="arrow"/>
+        </a:ln>
+        <a:effectLst/>
+      </dsp:spPr>
+      <dsp:style>
+        <a:lnRef idx="1">
+          <a:scrgbClr r="0" g="0" b="0"/>
+        </a:lnRef>
+        <a:fillRef idx="0">
+          <a:scrgbClr r="0" g="0" b="0"/>
+        </a:fillRef>
+        <a:effectRef idx="0">
+          <a:scrgbClr r="0" g="0" b="0"/>
+        </a:effectRef>
+        <a:fontRef idx="minor"/>
+      </dsp:style>
+      <dsp:txBody>
+        <a:bodyPr spcFirstLastPara="0" vert="horz" wrap="square" lIns="12700" tIns="0" rIns="12700" bIns="0" numCol="1" spcCol="1270" anchor="ctr" anchorCtr="0">
+          <a:noAutofit/>
+        </a:bodyPr>
+        <a:lstStyle/>
+        <a:p>
+          <a:pPr lvl="0" algn="ctr" defTabSz="222250">
+            <a:lnSpc>
+              <a:spcPct val="90000"/>
+            </a:lnSpc>
+            <a:spcBef>
+              <a:spcPct val="0"/>
+            </a:spcBef>
+            <a:spcAft>
+              <a:spcPct val="35000"/>
+            </a:spcAft>
+          </a:pPr>
+          <a:endParaRPr lang="en-IN" sz="500" kern="1200"/>
+        </a:p>
+      </dsp:txBody>
+      <dsp:txXfrm>
+        <a:off x="1923052" y="1121680"/>
+        <a:ext cx="20045" cy="4009"/>
+      </dsp:txXfrm>
+    </dsp:sp>
+    <dsp:sp modelId="{9EDB04EB-847E-4BCF-A3F1-995CAEE8E58A}">
+      <dsp:nvSpPr>
+        <dsp:cNvPr id="0" name=""/>
+        <dsp:cNvSpPr/>
+      </dsp:nvSpPr>
+      <dsp:spPr>
+        <a:xfrm>
+          <a:off x="6659" y="600765"/>
+          <a:ext cx="1743063" cy="1045838"/>
+        </a:xfrm>
+        <a:prstGeom prst="rect">
+          <a:avLst/>
+        </a:prstGeom>
+        <a:solidFill>
+          <a:schemeClr val="dk2">
+            <a:hueOff val="0"/>
+            <a:satOff val="0"/>
+            <a:lumOff val="0"/>
+            <a:alphaOff val="0"/>
+          </a:schemeClr>
+        </a:solidFill>
+        <a:ln w="15875" cap="flat" cmpd="sng" algn="ctr">
+          <a:solidFill>
+            <a:schemeClr val="lt2">
+              <a:hueOff val="0"/>
+              <a:satOff val="0"/>
+              <a:lumOff val="0"/>
+              <a:alphaOff val="0"/>
+            </a:schemeClr>
+          </a:solidFill>
+          <a:prstDash val="solid"/>
+        </a:ln>
+        <a:effectLst/>
+      </dsp:spPr>
+      <dsp:style>
+        <a:lnRef idx="2">
+          <a:scrgbClr r="0" g="0" b="0"/>
+        </a:lnRef>
+        <a:fillRef idx="1">
+          <a:scrgbClr r="0" g="0" b="0"/>
+        </a:fillRef>
+        <a:effectRef idx="0">
+          <a:scrgbClr r="0" g="0" b="0"/>
+        </a:effectRef>
+        <a:fontRef idx="minor">
+          <a:schemeClr val="lt1"/>
+        </a:fontRef>
+      </dsp:style>
+      <dsp:txBody>
+        <a:bodyPr spcFirstLastPara="0" vert="horz" wrap="square" lIns="113792" tIns="113792" rIns="113792" bIns="113792" numCol="1" spcCol="1270" anchor="ctr" anchorCtr="0">
+          <a:noAutofit/>
+        </a:bodyPr>
+        <a:lstStyle/>
+        <a:p>
+          <a:pPr lvl="0" algn="ctr" defTabSz="711200">
+            <a:lnSpc>
+              <a:spcPct val="90000"/>
+            </a:lnSpc>
+            <a:spcBef>
+              <a:spcPct val="0"/>
+            </a:spcBef>
+            <a:spcAft>
+              <a:spcPct val="35000"/>
+            </a:spcAft>
+          </a:pPr>
+          <a:r>
+            <a:rPr lang="en-IN" sz="1600" b="1" kern="1200" dirty="0" smtClean="0"/>
+            <a:t>Start</a:t>
+          </a:r>
+          <a:endParaRPr lang="en-IN" sz="1600" b="1" kern="1200" dirty="0"/>
+        </a:p>
+      </dsp:txBody>
+      <dsp:txXfrm>
+        <a:off x="6659" y="600765"/>
+        <a:ext cx="1743063" cy="1045838"/>
+      </dsp:txXfrm>
+    </dsp:sp>
+    <dsp:sp modelId="{145FE141-A9C8-42EC-BF09-1386421C1807}">
+      <dsp:nvSpPr>
+        <dsp:cNvPr id="0" name=""/>
+        <dsp:cNvSpPr/>
+      </dsp:nvSpPr>
+      <dsp:spPr>
+        <a:xfrm>
+          <a:off x="3891890" y="1077964"/>
+          <a:ext cx="370304" cy="91440"/>
+        </a:xfrm>
+        <a:custGeom>
+          <a:avLst/>
+          <a:gdLst/>
+          <a:ahLst/>
+          <a:cxnLst/>
+          <a:rect l="0" t="0" r="0" b="0"/>
+          <a:pathLst>
+            <a:path>
+              <a:moveTo>
+                <a:pt x="0" y="45720"/>
+              </a:moveTo>
+              <a:lnTo>
+                <a:pt x="370304" y="45720"/>
+              </a:lnTo>
+            </a:path>
+          </a:pathLst>
+        </a:custGeom>
+        <a:noFill/>
+        <a:ln w="9525" cap="flat" cmpd="sng" algn="ctr">
+          <a:solidFill>
+            <a:schemeClr val="dk2">
+              <a:hueOff val="0"/>
+              <a:satOff val="0"/>
+              <a:lumOff val="0"/>
+              <a:alphaOff val="0"/>
+            </a:schemeClr>
+          </a:solidFill>
+          <a:prstDash val="solid"/>
+          <a:tailEnd type="arrow"/>
+        </a:ln>
+        <a:effectLst/>
+      </dsp:spPr>
+      <dsp:style>
+        <a:lnRef idx="1">
+          <a:scrgbClr r="0" g="0" b="0"/>
+        </a:lnRef>
+        <a:fillRef idx="0">
+          <a:scrgbClr r="0" g="0" b="0"/>
+        </a:fillRef>
+        <a:effectRef idx="0">
+          <a:scrgbClr r="0" g="0" b="0"/>
+        </a:effectRef>
+        <a:fontRef idx="minor"/>
+      </dsp:style>
+      <dsp:txBody>
+        <a:bodyPr spcFirstLastPara="0" vert="horz" wrap="square" lIns="12700" tIns="0" rIns="12700" bIns="0" numCol="1" spcCol="1270" anchor="ctr" anchorCtr="0">
+          <a:noAutofit/>
+        </a:bodyPr>
+        <a:lstStyle/>
+        <a:p>
+          <a:pPr lvl="0" algn="ctr" defTabSz="222250">
+            <a:lnSpc>
+              <a:spcPct val="90000"/>
+            </a:lnSpc>
+            <a:spcBef>
+              <a:spcPct val="0"/>
+            </a:spcBef>
+            <a:spcAft>
+              <a:spcPct val="35000"/>
+            </a:spcAft>
+          </a:pPr>
+          <a:endParaRPr lang="en-IN" sz="500" kern="1200"/>
+        </a:p>
+      </dsp:txBody>
+      <dsp:txXfrm>
+        <a:off x="4067020" y="1121680"/>
+        <a:ext cx="20045" cy="4009"/>
+      </dsp:txXfrm>
+    </dsp:sp>
+    <dsp:sp modelId="{4A890EBE-B780-45D5-8A51-B1CB265B8AAE}">
+      <dsp:nvSpPr>
+        <dsp:cNvPr id="0" name=""/>
+        <dsp:cNvSpPr/>
+      </dsp:nvSpPr>
+      <dsp:spPr>
+        <a:xfrm>
+          <a:off x="2150627" y="600765"/>
+          <a:ext cx="1743063" cy="1045838"/>
+        </a:xfrm>
+        <a:prstGeom prst="rect">
+          <a:avLst/>
+        </a:prstGeom>
+        <a:solidFill>
+          <a:schemeClr val="dk2">
+            <a:hueOff val="0"/>
+            <a:satOff val="0"/>
+            <a:lumOff val="0"/>
+            <a:alphaOff val="0"/>
+          </a:schemeClr>
+        </a:solidFill>
+        <a:ln w="15875" cap="flat" cmpd="sng" algn="ctr">
+          <a:solidFill>
+            <a:schemeClr val="lt2">
+              <a:hueOff val="0"/>
+              <a:satOff val="0"/>
+              <a:lumOff val="0"/>
+              <a:alphaOff val="0"/>
+            </a:schemeClr>
+          </a:solidFill>
+          <a:prstDash val="solid"/>
+        </a:ln>
+        <a:effectLst/>
+      </dsp:spPr>
+      <dsp:style>
+        <a:lnRef idx="2">
+          <a:scrgbClr r="0" g="0" b="0"/>
+        </a:lnRef>
+        <a:fillRef idx="1">
+          <a:scrgbClr r="0" g="0" b="0"/>
+        </a:fillRef>
+        <a:effectRef idx="0">
+          <a:scrgbClr r="0" g="0" b="0"/>
+        </a:effectRef>
+        <a:fontRef idx="minor">
+          <a:schemeClr val="lt1"/>
+        </a:fontRef>
+      </dsp:style>
+      <dsp:txBody>
+        <a:bodyPr spcFirstLastPara="0" vert="horz" wrap="square" lIns="113792" tIns="113792" rIns="113792" bIns="113792" numCol="1" spcCol="1270" anchor="ctr" anchorCtr="0">
+          <a:noAutofit/>
+        </a:bodyPr>
+        <a:lstStyle/>
+        <a:p>
+          <a:pPr lvl="0" algn="ctr" defTabSz="711200">
+            <a:lnSpc>
+              <a:spcPct val="90000"/>
+            </a:lnSpc>
+            <a:spcBef>
+              <a:spcPct val="0"/>
+            </a:spcBef>
+            <a:spcAft>
+              <a:spcPct val="35000"/>
+            </a:spcAft>
+          </a:pPr>
+          <a:r>
+            <a:rPr lang="en-IN" sz="1600" b="1" kern="1200" dirty="0" smtClean="0"/>
+            <a:t>Initialize Clock</a:t>
+          </a:r>
+          <a:endParaRPr lang="en-IN" sz="1600" b="1" kern="1200" dirty="0"/>
+        </a:p>
+      </dsp:txBody>
+      <dsp:txXfrm>
+        <a:off x="2150627" y="600765"/>
+        <a:ext cx="1743063" cy="1045838"/>
+      </dsp:txXfrm>
+    </dsp:sp>
+    <dsp:sp modelId="{CBA5EEDD-9529-4AF3-A40E-AB230ED9F5E8}">
+      <dsp:nvSpPr>
+        <dsp:cNvPr id="0" name=""/>
+        <dsp:cNvSpPr/>
+      </dsp:nvSpPr>
+      <dsp:spPr>
+        <a:xfrm>
+          <a:off x="6035858" y="1077964"/>
+          <a:ext cx="370304" cy="91440"/>
+        </a:xfrm>
+        <a:custGeom>
+          <a:avLst/>
+          <a:gdLst/>
+          <a:ahLst/>
+          <a:cxnLst/>
+          <a:rect l="0" t="0" r="0" b="0"/>
+          <a:pathLst>
+            <a:path>
+              <a:moveTo>
+                <a:pt x="0" y="45720"/>
+              </a:moveTo>
+              <a:lnTo>
+                <a:pt x="370304" y="45720"/>
+              </a:lnTo>
+            </a:path>
+          </a:pathLst>
+        </a:custGeom>
+        <a:noFill/>
+        <a:ln w="9525" cap="flat" cmpd="sng" algn="ctr">
+          <a:solidFill>
+            <a:schemeClr val="dk2">
+              <a:hueOff val="0"/>
+              <a:satOff val="0"/>
+              <a:lumOff val="0"/>
+              <a:alphaOff val="0"/>
+            </a:schemeClr>
+          </a:solidFill>
+          <a:prstDash val="solid"/>
+          <a:tailEnd type="arrow"/>
+        </a:ln>
+        <a:effectLst/>
+      </dsp:spPr>
+      <dsp:style>
+        <a:lnRef idx="1">
+          <a:scrgbClr r="0" g="0" b="0"/>
+        </a:lnRef>
+        <a:fillRef idx="0">
+          <a:scrgbClr r="0" g="0" b="0"/>
+        </a:fillRef>
+        <a:effectRef idx="0">
+          <a:scrgbClr r="0" g="0" b="0"/>
+        </a:effectRef>
+        <a:fontRef idx="minor"/>
+      </dsp:style>
+      <dsp:txBody>
+        <a:bodyPr spcFirstLastPara="0" vert="horz" wrap="square" lIns="12700" tIns="0" rIns="12700" bIns="0" numCol="1" spcCol="1270" anchor="ctr" anchorCtr="0">
+          <a:noAutofit/>
+        </a:bodyPr>
+        <a:lstStyle/>
+        <a:p>
+          <a:pPr lvl="0" algn="ctr" defTabSz="222250">
+            <a:lnSpc>
+              <a:spcPct val="90000"/>
+            </a:lnSpc>
+            <a:spcBef>
+              <a:spcPct val="0"/>
+            </a:spcBef>
+            <a:spcAft>
+              <a:spcPct val="35000"/>
+            </a:spcAft>
+          </a:pPr>
+          <a:endParaRPr lang="en-IN" sz="500" kern="1200"/>
+        </a:p>
+      </dsp:txBody>
+      <dsp:txXfrm>
+        <a:off x="6210988" y="1121680"/>
+        <a:ext cx="20045" cy="4009"/>
+      </dsp:txXfrm>
+    </dsp:sp>
+    <dsp:sp modelId="{BE84B352-6350-49CA-A0E0-E680EAC5A2F7}">
+      <dsp:nvSpPr>
+        <dsp:cNvPr id="0" name=""/>
+        <dsp:cNvSpPr/>
+      </dsp:nvSpPr>
+      <dsp:spPr>
+        <a:xfrm>
+          <a:off x="4294595" y="600765"/>
+          <a:ext cx="1743063" cy="1045838"/>
+        </a:xfrm>
+        <a:prstGeom prst="rect">
+          <a:avLst/>
+        </a:prstGeom>
+        <a:solidFill>
+          <a:schemeClr val="dk2">
+            <a:hueOff val="0"/>
+            <a:satOff val="0"/>
+            <a:lumOff val="0"/>
+            <a:alphaOff val="0"/>
+          </a:schemeClr>
+        </a:solidFill>
+        <a:ln w="15875" cap="flat" cmpd="sng" algn="ctr">
+          <a:solidFill>
+            <a:schemeClr val="lt2">
+              <a:hueOff val="0"/>
+              <a:satOff val="0"/>
+              <a:lumOff val="0"/>
+              <a:alphaOff val="0"/>
+            </a:schemeClr>
+          </a:solidFill>
+          <a:prstDash val="solid"/>
+        </a:ln>
+        <a:effectLst/>
+      </dsp:spPr>
+      <dsp:style>
+        <a:lnRef idx="2">
+          <a:scrgbClr r="0" g="0" b="0"/>
+        </a:lnRef>
+        <a:fillRef idx="1">
+          <a:scrgbClr r="0" g="0" b="0"/>
+        </a:fillRef>
+        <a:effectRef idx="0">
+          <a:scrgbClr r="0" g="0" b="0"/>
+        </a:effectRef>
+        <a:fontRef idx="minor">
+          <a:schemeClr val="lt1"/>
+        </a:fontRef>
+      </dsp:style>
+      <dsp:txBody>
+        <a:bodyPr spcFirstLastPara="0" vert="horz" wrap="square" lIns="113792" tIns="113792" rIns="113792" bIns="113792" numCol="1" spcCol="1270" anchor="ctr" anchorCtr="0">
+          <a:noAutofit/>
+        </a:bodyPr>
+        <a:lstStyle/>
+        <a:p>
+          <a:pPr lvl="0" algn="ctr" defTabSz="711200">
+            <a:lnSpc>
+              <a:spcPct val="90000"/>
+            </a:lnSpc>
+            <a:spcBef>
+              <a:spcPct val="0"/>
+            </a:spcBef>
+            <a:spcAft>
+              <a:spcPct val="35000"/>
+            </a:spcAft>
+          </a:pPr>
+          <a:r>
+            <a:rPr lang="en-IN" sz="1600" b="1" kern="1200" dirty="0" smtClean="0"/>
+            <a:t>Initialize SPI</a:t>
+          </a:r>
+          <a:endParaRPr lang="en-IN" sz="1600" b="1" kern="1200" dirty="0"/>
+        </a:p>
+      </dsp:txBody>
+      <dsp:txXfrm>
+        <a:off x="4294595" y="600765"/>
+        <a:ext cx="1743063" cy="1045838"/>
+      </dsp:txXfrm>
+    </dsp:sp>
+    <dsp:sp modelId="{34FB6637-BD61-4226-B789-D2E8D9DB4DFF}">
+      <dsp:nvSpPr>
+        <dsp:cNvPr id="0" name=""/>
+        <dsp:cNvSpPr/>
+      </dsp:nvSpPr>
+      <dsp:spPr>
+        <a:xfrm>
+          <a:off x="8179826" y="1077964"/>
+          <a:ext cx="370304" cy="91440"/>
+        </a:xfrm>
+        <a:custGeom>
+          <a:avLst/>
+          <a:gdLst/>
+          <a:ahLst/>
+          <a:cxnLst/>
+          <a:rect l="0" t="0" r="0" b="0"/>
+          <a:pathLst>
+            <a:path>
+              <a:moveTo>
+                <a:pt x="0" y="45720"/>
+              </a:moveTo>
+              <a:lnTo>
+                <a:pt x="370304" y="45720"/>
+              </a:lnTo>
+            </a:path>
+          </a:pathLst>
+        </a:custGeom>
+        <a:noFill/>
+        <a:ln w="9525" cap="flat" cmpd="sng" algn="ctr">
+          <a:solidFill>
+            <a:schemeClr val="dk2">
+              <a:hueOff val="0"/>
+              <a:satOff val="0"/>
+              <a:lumOff val="0"/>
+              <a:alphaOff val="0"/>
+            </a:schemeClr>
+          </a:solidFill>
+          <a:prstDash val="solid"/>
+          <a:tailEnd type="arrow"/>
+        </a:ln>
+        <a:effectLst/>
+      </dsp:spPr>
+      <dsp:style>
+        <a:lnRef idx="1">
+          <a:scrgbClr r="0" g="0" b="0"/>
+        </a:lnRef>
+        <a:fillRef idx="0">
+          <a:scrgbClr r="0" g="0" b="0"/>
+        </a:fillRef>
+        <a:effectRef idx="0">
+          <a:scrgbClr r="0" g="0" b="0"/>
+        </a:effectRef>
+        <a:fontRef idx="minor"/>
+      </dsp:style>
+      <dsp:txBody>
+        <a:bodyPr spcFirstLastPara="0" vert="horz" wrap="square" lIns="12700" tIns="0" rIns="12700" bIns="0" numCol="1" spcCol="1270" anchor="ctr" anchorCtr="0">
+          <a:noAutofit/>
+        </a:bodyPr>
+        <a:lstStyle/>
+        <a:p>
+          <a:pPr lvl="0" algn="ctr" defTabSz="222250">
+            <a:lnSpc>
+              <a:spcPct val="90000"/>
+            </a:lnSpc>
+            <a:spcBef>
+              <a:spcPct val="0"/>
+            </a:spcBef>
+            <a:spcAft>
+              <a:spcPct val="35000"/>
+            </a:spcAft>
+          </a:pPr>
+          <a:endParaRPr lang="en-IN" sz="500" kern="1200"/>
+        </a:p>
+      </dsp:txBody>
+      <dsp:txXfrm>
+        <a:off x="8354956" y="1121680"/>
+        <a:ext cx="20045" cy="4009"/>
+      </dsp:txXfrm>
+    </dsp:sp>
+    <dsp:sp modelId="{F0C0444C-63CE-47EC-AAC3-5852866E01FC}">
+      <dsp:nvSpPr>
+        <dsp:cNvPr id="0" name=""/>
+        <dsp:cNvSpPr/>
+      </dsp:nvSpPr>
+      <dsp:spPr>
+        <a:xfrm>
+          <a:off x="6438563" y="600765"/>
+          <a:ext cx="1743063" cy="1045838"/>
+        </a:xfrm>
+        <a:prstGeom prst="rect">
+          <a:avLst/>
+        </a:prstGeom>
+        <a:solidFill>
+          <a:schemeClr val="dk2">
+            <a:hueOff val="0"/>
+            <a:satOff val="0"/>
+            <a:lumOff val="0"/>
+            <a:alphaOff val="0"/>
+          </a:schemeClr>
+        </a:solidFill>
+        <a:ln w="15875" cap="flat" cmpd="sng" algn="ctr">
+          <a:solidFill>
+            <a:schemeClr val="lt2">
+              <a:hueOff val="0"/>
+              <a:satOff val="0"/>
+              <a:lumOff val="0"/>
+              <a:alphaOff val="0"/>
+            </a:schemeClr>
+          </a:solidFill>
+          <a:prstDash val="solid"/>
+        </a:ln>
+        <a:effectLst/>
+      </dsp:spPr>
+      <dsp:style>
+        <a:lnRef idx="2">
+          <a:scrgbClr r="0" g="0" b="0"/>
+        </a:lnRef>
+        <a:fillRef idx="1">
+          <a:scrgbClr r="0" g="0" b="0"/>
+        </a:fillRef>
+        <a:effectRef idx="0">
+          <a:scrgbClr r="0" g="0" b="0"/>
+        </a:effectRef>
+        <a:fontRef idx="minor">
+          <a:schemeClr val="lt1"/>
+        </a:fontRef>
+      </dsp:style>
+      <dsp:txBody>
+        <a:bodyPr spcFirstLastPara="0" vert="horz" wrap="square" lIns="113792" tIns="113792" rIns="113792" bIns="113792" numCol="1" spcCol="1270" anchor="ctr" anchorCtr="0">
+          <a:noAutofit/>
+        </a:bodyPr>
+        <a:lstStyle/>
+        <a:p>
+          <a:pPr lvl="0" algn="ctr" defTabSz="711200">
+            <a:lnSpc>
+              <a:spcPct val="90000"/>
+            </a:lnSpc>
+            <a:spcBef>
+              <a:spcPct val="0"/>
+            </a:spcBef>
+            <a:spcAft>
+              <a:spcPct val="35000"/>
+            </a:spcAft>
+          </a:pPr>
+          <a:r>
+            <a:rPr lang="en-IN" sz="1600" b="1" kern="1200" dirty="0" smtClean="0"/>
+            <a:t>Initialize UART</a:t>
+          </a:r>
+          <a:endParaRPr lang="en-IN" sz="1600" b="1" kern="1200" dirty="0"/>
+        </a:p>
+      </dsp:txBody>
+      <dsp:txXfrm>
+        <a:off x="6438563" y="600765"/>
+        <a:ext cx="1743063" cy="1045838"/>
+      </dsp:txXfrm>
+    </dsp:sp>
+    <dsp:sp modelId="{CA7FC324-F4B5-4432-AAA5-C5AD37DEDD5B}">
+      <dsp:nvSpPr>
+        <dsp:cNvPr id="0" name=""/>
+        <dsp:cNvSpPr/>
+      </dsp:nvSpPr>
+      <dsp:spPr>
+        <a:xfrm>
+          <a:off x="878191" y="1644803"/>
+          <a:ext cx="8575871" cy="370304"/>
+        </a:xfrm>
+        <a:custGeom>
+          <a:avLst/>
+          <a:gdLst/>
+          <a:ahLst/>
+          <a:cxnLst/>
+          <a:rect l="0" t="0" r="0" b="0"/>
+          <a:pathLst>
+            <a:path>
+              <a:moveTo>
+                <a:pt x="8575871" y="0"/>
+              </a:moveTo>
+              <a:lnTo>
+                <a:pt x="8575871" y="202252"/>
+              </a:lnTo>
+              <a:lnTo>
+                <a:pt x="0" y="202252"/>
+              </a:lnTo>
+              <a:lnTo>
+                <a:pt x="0" y="370304"/>
+              </a:lnTo>
+            </a:path>
+          </a:pathLst>
+        </a:custGeom>
+        <a:noFill/>
+        <a:ln w="9525" cap="flat" cmpd="sng" algn="ctr">
+          <a:solidFill>
+            <a:schemeClr val="dk2">
+              <a:hueOff val="0"/>
+              <a:satOff val="0"/>
+              <a:lumOff val="0"/>
+              <a:alphaOff val="0"/>
+            </a:schemeClr>
+          </a:solidFill>
+          <a:prstDash val="solid"/>
+          <a:tailEnd type="arrow"/>
+        </a:ln>
+        <a:effectLst/>
+      </dsp:spPr>
+      <dsp:style>
+        <a:lnRef idx="1">
+          <a:scrgbClr r="0" g="0" b="0"/>
+        </a:lnRef>
+        <a:fillRef idx="0">
+          <a:scrgbClr r="0" g="0" b="0"/>
+        </a:fillRef>
+        <a:effectRef idx="0">
+          <a:scrgbClr r="0" g="0" b="0"/>
+        </a:effectRef>
+        <a:fontRef idx="minor"/>
+      </dsp:style>
+      <dsp:txBody>
+        <a:bodyPr spcFirstLastPara="0" vert="horz" wrap="square" lIns="12700" tIns="0" rIns="12700" bIns="0" numCol="1" spcCol="1270" anchor="ctr" anchorCtr="0">
+          <a:noAutofit/>
+        </a:bodyPr>
+        <a:lstStyle/>
+        <a:p>
+          <a:pPr lvl="0" algn="ctr" defTabSz="222250">
+            <a:lnSpc>
+              <a:spcPct val="90000"/>
+            </a:lnSpc>
+            <a:spcBef>
+              <a:spcPct val="0"/>
+            </a:spcBef>
+            <a:spcAft>
+              <a:spcPct val="35000"/>
+            </a:spcAft>
+          </a:pPr>
+          <a:endParaRPr lang="en-IN" sz="500" kern="1200"/>
+        </a:p>
+      </dsp:txBody>
+      <dsp:txXfrm>
+        <a:off x="4951496" y="1827951"/>
+        <a:ext cx="429261" cy="4009"/>
+      </dsp:txXfrm>
+    </dsp:sp>
+    <dsp:sp modelId="{F3C8BFCA-9CC9-4C25-A54B-1525D2627BD3}">
+      <dsp:nvSpPr>
+        <dsp:cNvPr id="0" name=""/>
+        <dsp:cNvSpPr/>
+      </dsp:nvSpPr>
+      <dsp:spPr>
+        <a:xfrm>
+          <a:off x="8582531" y="600765"/>
+          <a:ext cx="1743063" cy="1045838"/>
+        </a:xfrm>
+        <a:prstGeom prst="rect">
+          <a:avLst/>
+        </a:prstGeom>
+        <a:solidFill>
+          <a:schemeClr val="dk2">
+            <a:hueOff val="0"/>
+            <a:satOff val="0"/>
+            <a:lumOff val="0"/>
+            <a:alphaOff val="0"/>
+          </a:schemeClr>
+        </a:solidFill>
+        <a:ln w="15875" cap="flat" cmpd="sng" algn="ctr">
+          <a:solidFill>
+            <a:schemeClr val="lt2">
+              <a:hueOff val="0"/>
+              <a:satOff val="0"/>
+              <a:lumOff val="0"/>
+              <a:alphaOff val="0"/>
+            </a:schemeClr>
+          </a:solidFill>
+          <a:prstDash val="solid"/>
+        </a:ln>
+        <a:effectLst/>
+      </dsp:spPr>
+      <dsp:style>
+        <a:lnRef idx="2">
+          <a:scrgbClr r="0" g="0" b="0"/>
+        </a:lnRef>
+        <a:fillRef idx="1">
+          <a:scrgbClr r="0" g="0" b="0"/>
+        </a:fillRef>
+        <a:effectRef idx="0">
+          <a:scrgbClr r="0" g="0" b="0"/>
+        </a:effectRef>
+        <a:fontRef idx="minor">
+          <a:schemeClr val="lt1"/>
+        </a:fontRef>
+      </dsp:style>
+      <dsp:txBody>
+        <a:bodyPr spcFirstLastPara="0" vert="horz" wrap="square" lIns="113792" tIns="113792" rIns="113792" bIns="113792" numCol="1" spcCol="1270" anchor="ctr" anchorCtr="0">
+          <a:noAutofit/>
+        </a:bodyPr>
+        <a:lstStyle/>
+        <a:p>
+          <a:pPr lvl="0" algn="ctr" defTabSz="711200">
+            <a:lnSpc>
+              <a:spcPct val="90000"/>
+            </a:lnSpc>
+            <a:spcBef>
+              <a:spcPct val="0"/>
+            </a:spcBef>
+            <a:spcAft>
+              <a:spcPct val="35000"/>
+            </a:spcAft>
+          </a:pPr>
+          <a:r>
+            <a:rPr lang="en-IN" sz="1600" b="1" kern="1200" dirty="0" smtClean="0"/>
+            <a:t>Initialize Timer</a:t>
+          </a:r>
+          <a:endParaRPr lang="en-IN" sz="1600" b="1" kern="1200" dirty="0"/>
+        </a:p>
+      </dsp:txBody>
+      <dsp:txXfrm>
+        <a:off x="8582531" y="600765"/>
+        <a:ext cx="1743063" cy="1045838"/>
+      </dsp:txXfrm>
+    </dsp:sp>
+    <dsp:sp modelId="{817866E2-1FDE-41EA-9AB1-66EFD00E7850}">
+      <dsp:nvSpPr>
+        <dsp:cNvPr id="0" name=""/>
+        <dsp:cNvSpPr/>
+      </dsp:nvSpPr>
+      <dsp:spPr>
+        <a:xfrm>
+          <a:off x="1747922" y="2524707"/>
+          <a:ext cx="370304" cy="91440"/>
+        </a:xfrm>
+        <a:custGeom>
+          <a:avLst/>
+          <a:gdLst/>
+          <a:ahLst/>
+          <a:cxnLst/>
+          <a:rect l="0" t="0" r="0" b="0"/>
+          <a:pathLst>
+            <a:path>
+              <a:moveTo>
+                <a:pt x="0" y="45720"/>
+              </a:moveTo>
+              <a:lnTo>
+                <a:pt x="370304" y="45720"/>
+              </a:lnTo>
+            </a:path>
+          </a:pathLst>
+        </a:custGeom>
+        <a:noFill/>
+        <a:ln w="9525" cap="flat" cmpd="sng" algn="ctr">
+          <a:solidFill>
+            <a:schemeClr val="dk2">
+              <a:hueOff val="0"/>
+              <a:satOff val="0"/>
+              <a:lumOff val="0"/>
+              <a:alphaOff val="0"/>
+            </a:schemeClr>
+          </a:solidFill>
+          <a:prstDash val="solid"/>
+          <a:tailEnd type="arrow"/>
+        </a:ln>
+        <a:effectLst/>
+      </dsp:spPr>
+      <dsp:style>
+        <a:lnRef idx="1">
+          <a:scrgbClr r="0" g="0" b="0"/>
+        </a:lnRef>
+        <a:fillRef idx="0">
+          <a:scrgbClr r="0" g="0" b="0"/>
+        </a:fillRef>
+        <a:effectRef idx="0">
+          <a:scrgbClr r="0" g="0" b="0"/>
+        </a:effectRef>
+        <a:fontRef idx="minor"/>
+      </dsp:style>
+      <dsp:txBody>
+        <a:bodyPr spcFirstLastPara="0" vert="horz" wrap="square" lIns="12700" tIns="0" rIns="12700" bIns="0" numCol="1" spcCol="1270" anchor="ctr" anchorCtr="0">
+          <a:noAutofit/>
+        </a:bodyPr>
+        <a:lstStyle/>
+        <a:p>
+          <a:pPr lvl="0" algn="ctr" defTabSz="222250">
+            <a:lnSpc>
+              <a:spcPct val="90000"/>
+            </a:lnSpc>
+            <a:spcBef>
+              <a:spcPct val="0"/>
+            </a:spcBef>
+            <a:spcAft>
+              <a:spcPct val="35000"/>
+            </a:spcAft>
+          </a:pPr>
+          <a:endParaRPr lang="en-IN" sz="500" kern="1200"/>
+        </a:p>
+      </dsp:txBody>
+      <dsp:txXfrm>
+        <a:off x="1923052" y="2568422"/>
+        <a:ext cx="20045" cy="4009"/>
+      </dsp:txXfrm>
+    </dsp:sp>
+    <dsp:sp modelId="{EEB5D5FB-5978-41F9-8B10-F0FEDB1B938D}">
+      <dsp:nvSpPr>
+        <dsp:cNvPr id="0" name=""/>
+        <dsp:cNvSpPr/>
+      </dsp:nvSpPr>
+      <dsp:spPr>
+        <a:xfrm>
+          <a:off x="6659" y="2047508"/>
+          <a:ext cx="1743063" cy="1045838"/>
+        </a:xfrm>
+        <a:prstGeom prst="rect">
+          <a:avLst/>
+        </a:prstGeom>
+        <a:solidFill>
+          <a:schemeClr val="dk2">
+            <a:hueOff val="0"/>
+            <a:satOff val="0"/>
+            <a:lumOff val="0"/>
+            <a:alphaOff val="0"/>
+          </a:schemeClr>
+        </a:solidFill>
+        <a:ln w="15875" cap="flat" cmpd="sng" algn="ctr">
+          <a:solidFill>
+            <a:schemeClr val="lt2">
+              <a:hueOff val="0"/>
+              <a:satOff val="0"/>
+              <a:lumOff val="0"/>
+              <a:alphaOff val="0"/>
+            </a:schemeClr>
+          </a:solidFill>
+          <a:prstDash val="solid"/>
+        </a:ln>
+        <a:effectLst/>
+      </dsp:spPr>
+      <dsp:style>
+        <a:lnRef idx="2">
+          <a:scrgbClr r="0" g="0" b="0"/>
+        </a:lnRef>
+        <a:fillRef idx="1">
+          <a:scrgbClr r="0" g="0" b="0"/>
+        </a:fillRef>
+        <a:effectRef idx="0">
+          <a:scrgbClr r="0" g="0" b="0"/>
+        </a:effectRef>
+        <a:fontRef idx="minor">
+          <a:schemeClr val="lt1"/>
+        </a:fontRef>
+      </dsp:style>
+      <dsp:txBody>
+        <a:bodyPr spcFirstLastPara="0" vert="horz" wrap="square" lIns="113792" tIns="113792" rIns="113792" bIns="113792" numCol="1" spcCol="1270" anchor="ctr" anchorCtr="0">
+          <a:noAutofit/>
+        </a:bodyPr>
+        <a:lstStyle/>
+        <a:p>
+          <a:pPr lvl="0" algn="ctr" defTabSz="711200">
+            <a:lnSpc>
+              <a:spcPct val="90000"/>
+            </a:lnSpc>
+            <a:spcBef>
+              <a:spcPct val="0"/>
+            </a:spcBef>
+            <a:spcAft>
+              <a:spcPct val="35000"/>
+            </a:spcAft>
+          </a:pPr>
+          <a:r>
+            <a:rPr lang="en-IN" sz="1600" b="1" kern="1200" dirty="0" smtClean="0"/>
+            <a:t>Initialize ADC</a:t>
+          </a:r>
+          <a:endParaRPr lang="en-IN" sz="1600" b="1" kern="1200" dirty="0"/>
+        </a:p>
+      </dsp:txBody>
+      <dsp:txXfrm>
+        <a:off x="6659" y="2047508"/>
+        <a:ext cx="1743063" cy="1045838"/>
+      </dsp:txXfrm>
+    </dsp:sp>
+    <dsp:sp modelId="{2E4734A0-54BF-44DD-942C-27E70798EE10}">
+      <dsp:nvSpPr>
+        <dsp:cNvPr id="0" name=""/>
+        <dsp:cNvSpPr/>
+      </dsp:nvSpPr>
+      <dsp:spPr>
+        <a:xfrm>
+          <a:off x="3891890" y="2524707"/>
+          <a:ext cx="370304" cy="91440"/>
+        </a:xfrm>
+        <a:custGeom>
+          <a:avLst/>
+          <a:gdLst/>
+          <a:ahLst/>
+          <a:cxnLst/>
+          <a:rect l="0" t="0" r="0" b="0"/>
+          <a:pathLst>
+            <a:path>
+              <a:moveTo>
+                <a:pt x="0" y="45720"/>
+              </a:moveTo>
+              <a:lnTo>
+                <a:pt x="370304" y="45720"/>
+              </a:lnTo>
+            </a:path>
+          </a:pathLst>
+        </a:custGeom>
+        <a:noFill/>
+        <a:ln w="9525" cap="flat" cmpd="sng" algn="ctr">
+          <a:solidFill>
+            <a:schemeClr val="dk2">
+              <a:hueOff val="0"/>
+              <a:satOff val="0"/>
+              <a:lumOff val="0"/>
+              <a:alphaOff val="0"/>
+            </a:schemeClr>
+          </a:solidFill>
+          <a:prstDash val="solid"/>
+          <a:tailEnd type="arrow"/>
+        </a:ln>
+        <a:effectLst/>
+      </dsp:spPr>
+      <dsp:style>
+        <a:lnRef idx="1">
+          <a:scrgbClr r="0" g="0" b="0"/>
+        </a:lnRef>
+        <a:fillRef idx="0">
+          <a:scrgbClr r="0" g="0" b="0"/>
+        </a:fillRef>
+        <a:effectRef idx="0">
+          <a:scrgbClr r="0" g="0" b="0"/>
+        </a:effectRef>
+        <a:fontRef idx="minor"/>
+      </dsp:style>
+      <dsp:txBody>
+        <a:bodyPr spcFirstLastPara="0" vert="horz" wrap="square" lIns="12700" tIns="0" rIns="12700" bIns="0" numCol="1" spcCol="1270" anchor="ctr" anchorCtr="0">
+          <a:noAutofit/>
+        </a:bodyPr>
+        <a:lstStyle/>
+        <a:p>
+          <a:pPr lvl="0" algn="ctr" defTabSz="222250">
+            <a:lnSpc>
+              <a:spcPct val="90000"/>
+            </a:lnSpc>
+            <a:spcBef>
+              <a:spcPct val="0"/>
+            </a:spcBef>
+            <a:spcAft>
+              <a:spcPct val="35000"/>
+            </a:spcAft>
+          </a:pPr>
+          <a:endParaRPr lang="en-IN" sz="500" kern="1200"/>
+        </a:p>
+      </dsp:txBody>
+      <dsp:txXfrm>
+        <a:off x="4067020" y="2568422"/>
+        <a:ext cx="20045" cy="4009"/>
+      </dsp:txXfrm>
+    </dsp:sp>
+    <dsp:sp modelId="{94A59AA3-1B19-4363-97B0-4D19638B2975}">
+      <dsp:nvSpPr>
+        <dsp:cNvPr id="0" name=""/>
+        <dsp:cNvSpPr/>
+      </dsp:nvSpPr>
+      <dsp:spPr>
+        <a:xfrm>
+          <a:off x="2150627" y="2047508"/>
+          <a:ext cx="1743063" cy="1045838"/>
+        </a:xfrm>
+        <a:prstGeom prst="rect">
+          <a:avLst/>
+        </a:prstGeom>
+        <a:solidFill>
+          <a:schemeClr val="dk2">
+            <a:hueOff val="0"/>
+            <a:satOff val="0"/>
+            <a:lumOff val="0"/>
+            <a:alphaOff val="0"/>
+          </a:schemeClr>
+        </a:solidFill>
+        <a:ln w="15875" cap="flat" cmpd="sng" algn="ctr">
+          <a:solidFill>
+            <a:schemeClr val="lt2">
+              <a:hueOff val="0"/>
+              <a:satOff val="0"/>
+              <a:lumOff val="0"/>
+              <a:alphaOff val="0"/>
+            </a:schemeClr>
+          </a:solidFill>
+          <a:prstDash val="solid"/>
+        </a:ln>
+        <a:effectLst/>
+      </dsp:spPr>
+      <dsp:style>
+        <a:lnRef idx="2">
+          <a:scrgbClr r="0" g="0" b="0"/>
+        </a:lnRef>
+        <a:fillRef idx="1">
+          <a:scrgbClr r="0" g="0" b="0"/>
+        </a:fillRef>
+        <a:effectRef idx="0">
+          <a:scrgbClr r="0" g="0" b="0"/>
+        </a:effectRef>
+        <a:fontRef idx="minor">
+          <a:schemeClr val="lt1"/>
+        </a:fontRef>
+      </dsp:style>
+      <dsp:txBody>
+        <a:bodyPr spcFirstLastPara="0" vert="horz" wrap="square" lIns="113792" tIns="113792" rIns="113792" bIns="113792" numCol="1" spcCol="1270" anchor="ctr" anchorCtr="0">
+          <a:noAutofit/>
+        </a:bodyPr>
+        <a:lstStyle/>
+        <a:p>
+          <a:pPr lvl="0" algn="ctr" defTabSz="711200">
+            <a:lnSpc>
+              <a:spcPct val="90000"/>
+            </a:lnSpc>
+            <a:spcBef>
+              <a:spcPct val="0"/>
+            </a:spcBef>
+            <a:spcAft>
+              <a:spcPct val="35000"/>
+            </a:spcAft>
+          </a:pPr>
+          <a:r>
+            <a:rPr lang="en-IN" sz="1600" b="1" kern="1200" dirty="0" smtClean="0"/>
+            <a:t>Initialize LCD</a:t>
+          </a:r>
+          <a:endParaRPr lang="en-IN" sz="1600" b="1" kern="1200" dirty="0"/>
+        </a:p>
+      </dsp:txBody>
+      <dsp:txXfrm>
+        <a:off x="2150627" y="2047508"/>
+        <a:ext cx="1743063" cy="1045838"/>
+      </dsp:txXfrm>
+    </dsp:sp>
+    <dsp:sp modelId="{3E7C6428-6DA4-4D25-858A-0DFEEDFF2E71}">
+      <dsp:nvSpPr>
+        <dsp:cNvPr id="0" name=""/>
+        <dsp:cNvSpPr/>
+      </dsp:nvSpPr>
+      <dsp:spPr>
+        <a:xfrm>
+          <a:off x="6035858" y="2524707"/>
+          <a:ext cx="370304" cy="91440"/>
+        </a:xfrm>
+        <a:custGeom>
+          <a:avLst/>
+          <a:gdLst/>
+          <a:ahLst/>
+          <a:cxnLst/>
+          <a:rect l="0" t="0" r="0" b="0"/>
+          <a:pathLst>
+            <a:path>
+              <a:moveTo>
+                <a:pt x="0" y="45720"/>
+              </a:moveTo>
+              <a:lnTo>
+                <a:pt x="370304" y="45720"/>
+              </a:lnTo>
+            </a:path>
+          </a:pathLst>
+        </a:custGeom>
+        <a:noFill/>
+        <a:ln w="9525" cap="flat" cmpd="sng" algn="ctr">
+          <a:solidFill>
+            <a:schemeClr val="dk2">
+              <a:hueOff val="0"/>
+              <a:satOff val="0"/>
+              <a:lumOff val="0"/>
+              <a:alphaOff val="0"/>
+            </a:schemeClr>
+          </a:solidFill>
+          <a:prstDash val="solid"/>
+          <a:tailEnd type="arrow"/>
+        </a:ln>
+        <a:effectLst/>
+      </dsp:spPr>
+      <dsp:style>
+        <a:lnRef idx="1">
+          <a:scrgbClr r="0" g="0" b="0"/>
+        </a:lnRef>
+        <a:fillRef idx="0">
+          <a:scrgbClr r="0" g="0" b="0"/>
+        </a:fillRef>
+        <a:effectRef idx="0">
+          <a:scrgbClr r="0" g="0" b="0"/>
+        </a:effectRef>
+        <a:fontRef idx="minor"/>
+      </dsp:style>
+      <dsp:txBody>
+        <a:bodyPr spcFirstLastPara="0" vert="horz" wrap="square" lIns="12700" tIns="0" rIns="12700" bIns="0" numCol="1" spcCol="1270" anchor="ctr" anchorCtr="0">
+          <a:noAutofit/>
+        </a:bodyPr>
+        <a:lstStyle/>
+        <a:p>
+          <a:pPr lvl="0" algn="ctr" defTabSz="222250">
+            <a:lnSpc>
+              <a:spcPct val="90000"/>
+            </a:lnSpc>
+            <a:spcBef>
+              <a:spcPct val="0"/>
+            </a:spcBef>
+            <a:spcAft>
+              <a:spcPct val="35000"/>
+            </a:spcAft>
+          </a:pPr>
+          <a:endParaRPr lang="en-IN" sz="500" kern="1200"/>
+        </a:p>
+      </dsp:txBody>
+      <dsp:txXfrm>
+        <a:off x="6210988" y="2568422"/>
+        <a:ext cx="20045" cy="4009"/>
+      </dsp:txXfrm>
+    </dsp:sp>
+    <dsp:sp modelId="{B30CA09E-0E35-4B9F-BC72-4F0581B1C912}">
+      <dsp:nvSpPr>
+        <dsp:cNvPr id="0" name=""/>
+        <dsp:cNvSpPr/>
+      </dsp:nvSpPr>
+      <dsp:spPr>
+        <a:xfrm>
+          <a:off x="4294595" y="2047508"/>
+          <a:ext cx="1743063" cy="1045838"/>
+        </a:xfrm>
+        <a:prstGeom prst="rect">
+          <a:avLst/>
+        </a:prstGeom>
+        <a:solidFill>
+          <a:schemeClr val="dk2">
+            <a:hueOff val="0"/>
+            <a:satOff val="0"/>
+            <a:lumOff val="0"/>
+            <a:alphaOff val="0"/>
+          </a:schemeClr>
+        </a:solidFill>
+        <a:ln w="15875" cap="flat" cmpd="sng" algn="ctr">
+          <a:solidFill>
+            <a:schemeClr val="lt2">
+              <a:hueOff val="0"/>
+              <a:satOff val="0"/>
+              <a:lumOff val="0"/>
+              <a:alphaOff val="0"/>
+            </a:schemeClr>
+          </a:solidFill>
+          <a:prstDash val="solid"/>
+        </a:ln>
+        <a:effectLst/>
+      </dsp:spPr>
+      <dsp:style>
+        <a:lnRef idx="2">
+          <a:scrgbClr r="0" g="0" b="0"/>
+        </a:lnRef>
+        <a:fillRef idx="1">
+          <a:scrgbClr r="0" g="0" b="0"/>
+        </a:fillRef>
+        <a:effectRef idx="0">
+          <a:scrgbClr r="0" g="0" b="0"/>
+        </a:effectRef>
+        <a:fontRef idx="minor">
+          <a:schemeClr val="lt1"/>
+        </a:fontRef>
+      </dsp:style>
+      <dsp:txBody>
+        <a:bodyPr spcFirstLastPara="0" vert="horz" wrap="square" lIns="113792" tIns="113792" rIns="113792" bIns="113792" numCol="1" spcCol="1270" anchor="ctr" anchorCtr="0">
+          <a:noAutofit/>
+        </a:bodyPr>
+        <a:lstStyle/>
+        <a:p>
+          <a:pPr lvl="0" algn="ctr" defTabSz="711200">
+            <a:lnSpc>
+              <a:spcPct val="90000"/>
+            </a:lnSpc>
+            <a:spcBef>
+              <a:spcPct val="0"/>
+            </a:spcBef>
+            <a:spcAft>
+              <a:spcPct val="35000"/>
+            </a:spcAft>
+          </a:pPr>
+          <a:r>
+            <a:rPr lang="en-IN" sz="1600" b="1" kern="1200" dirty="0" smtClean="0"/>
+            <a:t>Initialize Gyro</a:t>
+          </a:r>
+          <a:endParaRPr lang="en-IN" sz="1600" b="1" kern="1200" dirty="0"/>
+        </a:p>
+      </dsp:txBody>
+      <dsp:txXfrm>
+        <a:off x="4294595" y="2047508"/>
+        <a:ext cx="1743063" cy="1045838"/>
+      </dsp:txXfrm>
+    </dsp:sp>
+    <dsp:sp modelId="{6FFAA269-3B12-4F15-88DB-B3C5BD70FAA7}">
+      <dsp:nvSpPr>
+        <dsp:cNvPr id="0" name=""/>
+        <dsp:cNvSpPr/>
+      </dsp:nvSpPr>
+      <dsp:spPr>
+        <a:xfrm>
+          <a:off x="8179826" y="2524707"/>
+          <a:ext cx="370304" cy="91440"/>
+        </a:xfrm>
+        <a:custGeom>
+          <a:avLst/>
+          <a:gdLst/>
+          <a:ahLst/>
+          <a:cxnLst/>
+          <a:rect l="0" t="0" r="0" b="0"/>
+          <a:pathLst>
+            <a:path>
+              <a:moveTo>
+                <a:pt x="0" y="45720"/>
+              </a:moveTo>
+              <a:lnTo>
+                <a:pt x="370304" y="45720"/>
+              </a:lnTo>
+            </a:path>
+          </a:pathLst>
+        </a:custGeom>
+        <a:noFill/>
+        <a:ln w="9525" cap="flat" cmpd="sng" algn="ctr">
+          <a:solidFill>
+            <a:schemeClr val="dk2">
+              <a:hueOff val="0"/>
+              <a:satOff val="0"/>
+              <a:lumOff val="0"/>
+              <a:alphaOff val="0"/>
+            </a:schemeClr>
+          </a:solidFill>
+          <a:prstDash val="solid"/>
+          <a:tailEnd type="arrow"/>
+        </a:ln>
+        <a:effectLst/>
+      </dsp:spPr>
+      <dsp:style>
+        <a:lnRef idx="1">
+          <a:scrgbClr r="0" g="0" b="0"/>
+        </a:lnRef>
+        <a:fillRef idx="0">
+          <a:scrgbClr r="0" g="0" b="0"/>
+        </a:fillRef>
+        <a:effectRef idx="0">
+          <a:scrgbClr r="0" g="0" b="0"/>
+        </a:effectRef>
+        <a:fontRef idx="minor"/>
+      </dsp:style>
+      <dsp:txBody>
+        <a:bodyPr spcFirstLastPara="0" vert="horz" wrap="square" lIns="12700" tIns="0" rIns="12700" bIns="0" numCol="1" spcCol="1270" anchor="ctr" anchorCtr="0">
+          <a:noAutofit/>
+        </a:bodyPr>
+        <a:lstStyle/>
+        <a:p>
+          <a:pPr lvl="0" algn="ctr" defTabSz="222250">
+            <a:lnSpc>
+              <a:spcPct val="90000"/>
+            </a:lnSpc>
+            <a:spcBef>
+              <a:spcPct val="0"/>
+            </a:spcBef>
+            <a:spcAft>
+              <a:spcPct val="35000"/>
+            </a:spcAft>
+          </a:pPr>
+          <a:endParaRPr lang="en-IN" sz="500" kern="1200"/>
+        </a:p>
+      </dsp:txBody>
+      <dsp:txXfrm>
+        <a:off x="8354956" y="2568422"/>
+        <a:ext cx="20045" cy="4009"/>
+      </dsp:txXfrm>
+    </dsp:sp>
+    <dsp:sp modelId="{BFD6E834-940B-4D42-9CEB-0110FE058861}">
+      <dsp:nvSpPr>
+        <dsp:cNvPr id="0" name=""/>
+        <dsp:cNvSpPr/>
+      </dsp:nvSpPr>
+      <dsp:spPr>
+        <a:xfrm>
+          <a:off x="6438563" y="2047508"/>
+          <a:ext cx="1743063" cy="1045838"/>
+        </a:xfrm>
+        <a:prstGeom prst="rect">
+          <a:avLst/>
+        </a:prstGeom>
+        <a:solidFill>
+          <a:schemeClr val="dk2">
+            <a:hueOff val="0"/>
+            <a:satOff val="0"/>
+            <a:lumOff val="0"/>
+            <a:alphaOff val="0"/>
+          </a:schemeClr>
+        </a:solidFill>
+        <a:ln w="15875" cap="flat" cmpd="sng" algn="ctr">
+          <a:solidFill>
+            <a:schemeClr val="lt2">
+              <a:hueOff val="0"/>
+              <a:satOff val="0"/>
+              <a:lumOff val="0"/>
+              <a:alphaOff val="0"/>
+            </a:schemeClr>
+          </a:solidFill>
+          <a:prstDash val="solid"/>
+        </a:ln>
+        <a:effectLst/>
+      </dsp:spPr>
+      <dsp:style>
+        <a:lnRef idx="2">
+          <a:scrgbClr r="0" g="0" b="0"/>
+        </a:lnRef>
+        <a:fillRef idx="1">
+          <a:scrgbClr r="0" g="0" b="0"/>
+        </a:fillRef>
+        <a:effectRef idx="0">
+          <a:scrgbClr r="0" g="0" b="0"/>
+        </a:effectRef>
+        <a:fontRef idx="minor">
+          <a:schemeClr val="lt1"/>
+        </a:fontRef>
+      </dsp:style>
+      <dsp:txBody>
+        <a:bodyPr spcFirstLastPara="0" vert="horz" wrap="square" lIns="113792" tIns="113792" rIns="113792" bIns="113792" numCol="1" spcCol="1270" anchor="ctr" anchorCtr="0">
+          <a:noAutofit/>
+        </a:bodyPr>
+        <a:lstStyle/>
+        <a:p>
+          <a:pPr lvl="0" algn="ctr" defTabSz="711200">
+            <a:lnSpc>
+              <a:spcPct val="90000"/>
+            </a:lnSpc>
+            <a:spcBef>
+              <a:spcPct val="0"/>
+            </a:spcBef>
+            <a:spcAft>
+              <a:spcPct val="35000"/>
+            </a:spcAft>
+          </a:pPr>
+          <a:r>
+            <a:rPr lang="en-IN" sz="1600" b="1" kern="1200" dirty="0" smtClean="0"/>
+            <a:t>Request Phone Number</a:t>
+          </a:r>
+          <a:endParaRPr lang="en-IN" sz="1600" b="1" kern="1200" dirty="0"/>
+        </a:p>
+      </dsp:txBody>
+      <dsp:txXfrm>
+        <a:off x="6438563" y="2047508"/>
+        <a:ext cx="1743063" cy="1045838"/>
+      </dsp:txXfrm>
+    </dsp:sp>
+    <dsp:sp modelId="{53DF9181-241A-4A7C-9BEE-5009FCF2D5B5}">
+      <dsp:nvSpPr>
+        <dsp:cNvPr id="0" name=""/>
+        <dsp:cNvSpPr/>
+      </dsp:nvSpPr>
+      <dsp:spPr>
+        <a:xfrm>
+          <a:off x="8582531" y="2047508"/>
+          <a:ext cx="1743063" cy="1045838"/>
+        </a:xfrm>
+        <a:prstGeom prst="rect">
+          <a:avLst/>
+        </a:prstGeom>
+        <a:solidFill>
+          <a:schemeClr val="dk2">
+            <a:hueOff val="0"/>
+            <a:satOff val="0"/>
+            <a:lumOff val="0"/>
+            <a:alphaOff val="0"/>
+          </a:schemeClr>
+        </a:solidFill>
+        <a:ln w="15875" cap="flat" cmpd="sng" algn="ctr">
+          <a:solidFill>
+            <a:schemeClr val="lt2">
+              <a:hueOff val="0"/>
+              <a:satOff val="0"/>
+              <a:lumOff val="0"/>
+              <a:alphaOff val="0"/>
+            </a:schemeClr>
+          </a:solidFill>
+          <a:prstDash val="solid"/>
+        </a:ln>
+        <a:effectLst/>
+      </dsp:spPr>
+      <dsp:style>
+        <a:lnRef idx="2">
+          <a:scrgbClr r="0" g="0" b="0"/>
+        </a:lnRef>
+        <a:fillRef idx="1">
+          <a:scrgbClr r="0" g="0" b="0"/>
+        </a:fillRef>
+        <a:effectRef idx="0">
+          <a:scrgbClr r="0" g="0" b="0"/>
+        </a:effectRef>
+        <a:fontRef idx="minor">
+          <a:schemeClr val="lt1"/>
+        </a:fontRef>
+      </dsp:style>
+      <dsp:txBody>
+        <a:bodyPr spcFirstLastPara="0" vert="horz" wrap="square" lIns="113792" tIns="113792" rIns="113792" bIns="113792" numCol="1" spcCol="1270" anchor="ctr" anchorCtr="0">
+          <a:noAutofit/>
+        </a:bodyPr>
+        <a:lstStyle/>
+        <a:p>
+          <a:pPr lvl="0" algn="ctr" defTabSz="711200">
+            <a:lnSpc>
+              <a:spcPct val="90000"/>
+            </a:lnSpc>
+            <a:spcBef>
+              <a:spcPct val="0"/>
+            </a:spcBef>
+            <a:spcAft>
+              <a:spcPct val="35000"/>
+            </a:spcAft>
+          </a:pPr>
+          <a:r>
+            <a:rPr lang="en-IN" sz="1600" b="1" kern="1200" dirty="0" smtClean="0"/>
+            <a:t>Initialize FONA</a:t>
+          </a:r>
+          <a:endParaRPr lang="en-IN" sz="1600" b="1" kern="1200" dirty="0"/>
+        </a:p>
+      </dsp:txBody>
+      <dsp:txXfrm>
+        <a:off x="8582531" y="2047508"/>
+        <a:ext cx="1743063" cy="1045838"/>
+      </dsp:txXfrm>
+    </dsp:sp>
   </dsp:spTree>
 </dsp:drawing>
 </file>
@@ -2954,6 +4442,869 @@
       <dsp:cNvGrpSpPr/>
     </dsp:nvGrpSpPr>
     <dsp:grpSpPr/>
+    <dsp:sp modelId="{DF3ECD90-C2C1-4542-A939-182BD0B09AF9}">
+      <dsp:nvSpPr>
+        <dsp:cNvPr id="0" name=""/>
+        <dsp:cNvSpPr/>
+      </dsp:nvSpPr>
+      <dsp:spPr>
+        <a:xfrm>
+          <a:off x="3143355" y="697388"/>
+          <a:ext cx="538994" cy="91440"/>
+        </a:xfrm>
+        <a:custGeom>
+          <a:avLst/>
+          <a:gdLst/>
+          <a:ahLst/>
+          <a:cxnLst/>
+          <a:rect l="0" t="0" r="0" b="0"/>
+          <a:pathLst>
+            <a:path>
+              <a:moveTo>
+                <a:pt x="0" y="45720"/>
+              </a:moveTo>
+              <a:lnTo>
+                <a:pt x="538994" y="45720"/>
+              </a:lnTo>
+            </a:path>
+          </a:pathLst>
+        </a:custGeom>
+        <a:noFill/>
+        <a:ln w="9525" cap="flat" cmpd="sng" algn="ctr">
+          <a:solidFill>
+            <a:schemeClr val="dk2">
+              <a:hueOff val="0"/>
+              <a:satOff val="0"/>
+              <a:lumOff val="0"/>
+              <a:alphaOff val="0"/>
+            </a:schemeClr>
+          </a:solidFill>
+          <a:prstDash val="solid"/>
+          <a:tailEnd type="arrow"/>
+        </a:ln>
+        <a:effectLst/>
+      </dsp:spPr>
+      <dsp:style>
+        <a:lnRef idx="1">
+          <a:scrgbClr r="0" g="0" b="0"/>
+        </a:lnRef>
+        <a:fillRef idx="0">
+          <a:scrgbClr r="0" g="0" b="0"/>
+        </a:fillRef>
+        <a:effectRef idx="0">
+          <a:scrgbClr r="0" g="0" b="0"/>
+        </a:effectRef>
+        <a:fontRef idx="minor"/>
+      </dsp:style>
+      <dsp:txBody>
+        <a:bodyPr spcFirstLastPara="0" vert="horz" wrap="square" lIns="12700" tIns="0" rIns="12700" bIns="0" numCol="1" spcCol="1270" anchor="ctr" anchorCtr="0">
+          <a:noAutofit/>
+        </a:bodyPr>
+        <a:lstStyle/>
+        <a:p>
+          <a:pPr lvl="0" algn="ctr" defTabSz="222250">
+            <a:lnSpc>
+              <a:spcPct val="90000"/>
+            </a:lnSpc>
+            <a:spcBef>
+              <a:spcPct val="0"/>
+            </a:spcBef>
+            <a:spcAft>
+              <a:spcPct val="35000"/>
+            </a:spcAft>
+          </a:pPr>
+          <a:endParaRPr lang="en-IN" sz="500" kern="1200"/>
+        </a:p>
+      </dsp:txBody>
+      <dsp:txXfrm>
+        <a:off x="3398612" y="740260"/>
+        <a:ext cx="28479" cy="5695"/>
+      </dsp:txXfrm>
+    </dsp:sp>
+    <dsp:sp modelId="{62A93418-4DB5-4230-86F6-5DB6AC283AE4}">
+      <dsp:nvSpPr>
+        <dsp:cNvPr id="0" name=""/>
+        <dsp:cNvSpPr/>
+      </dsp:nvSpPr>
+      <dsp:spPr>
+        <a:xfrm>
+          <a:off x="668655" y="158"/>
+          <a:ext cx="2476499" cy="1485900"/>
+        </a:xfrm>
+        <a:prstGeom prst="rect">
+          <a:avLst/>
+        </a:prstGeom>
+        <a:solidFill>
+          <a:schemeClr val="dk2">
+            <a:hueOff val="0"/>
+            <a:satOff val="0"/>
+            <a:lumOff val="0"/>
+            <a:alphaOff val="0"/>
+          </a:schemeClr>
+        </a:solidFill>
+        <a:ln w="22225" cap="flat" cmpd="sng" algn="ctr">
+          <a:solidFill>
+            <a:schemeClr val="lt2">
+              <a:hueOff val="0"/>
+              <a:satOff val="0"/>
+              <a:lumOff val="0"/>
+              <a:alphaOff val="0"/>
+            </a:schemeClr>
+          </a:solidFill>
+          <a:prstDash val="solid"/>
+        </a:ln>
+        <a:effectLst/>
+      </dsp:spPr>
+      <dsp:style>
+        <a:lnRef idx="3">
+          <a:scrgbClr r="0" g="0" b="0"/>
+        </a:lnRef>
+        <a:fillRef idx="1">
+          <a:scrgbClr r="0" g="0" b="0"/>
+        </a:fillRef>
+        <a:effectRef idx="1">
+          <a:scrgbClr r="0" g="0" b="0"/>
+        </a:effectRef>
+        <a:fontRef idx="minor">
+          <a:schemeClr val="lt1"/>
+        </a:fontRef>
+      </dsp:style>
+      <dsp:txBody>
+        <a:bodyPr spcFirstLastPara="0" vert="horz" wrap="square" lIns="113792" tIns="113792" rIns="113792" bIns="113792" numCol="1" spcCol="1270" anchor="ctr" anchorCtr="0">
+          <a:noAutofit/>
+        </a:bodyPr>
+        <a:lstStyle/>
+        <a:p>
+          <a:pPr lvl="0" algn="ctr" defTabSz="711200">
+            <a:lnSpc>
+              <a:spcPct val="90000"/>
+            </a:lnSpc>
+            <a:spcBef>
+              <a:spcPct val="0"/>
+            </a:spcBef>
+            <a:spcAft>
+              <a:spcPct val="35000"/>
+            </a:spcAft>
+          </a:pPr>
+          <a:r>
+            <a:rPr lang="en-IN" sz="1600" kern="1200" dirty="0" smtClean="0"/>
+            <a:t>Read Gyro</a:t>
+          </a:r>
+          <a:endParaRPr lang="en-IN" sz="1600" kern="1200" dirty="0"/>
+        </a:p>
+      </dsp:txBody>
+      <dsp:txXfrm>
+        <a:off x="668655" y="158"/>
+        <a:ext cx="2476499" cy="1485900"/>
+      </dsp:txXfrm>
+    </dsp:sp>
+    <dsp:sp modelId="{AE34C167-FA7A-4BEC-A5F8-589B75240EF6}">
+      <dsp:nvSpPr>
+        <dsp:cNvPr id="0" name=""/>
+        <dsp:cNvSpPr/>
+      </dsp:nvSpPr>
+      <dsp:spPr>
+        <a:xfrm>
+          <a:off x="6189450" y="697388"/>
+          <a:ext cx="538994" cy="91440"/>
+        </a:xfrm>
+        <a:custGeom>
+          <a:avLst/>
+          <a:gdLst/>
+          <a:ahLst/>
+          <a:cxnLst/>
+          <a:rect l="0" t="0" r="0" b="0"/>
+          <a:pathLst>
+            <a:path>
+              <a:moveTo>
+                <a:pt x="0" y="45720"/>
+              </a:moveTo>
+              <a:lnTo>
+                <a:pt x="538994" y="45720"/>
+              </a:lnTo>
+            </a:path>
+          </a:pathLst>
+        </a:custGeom>
+        <a:noFill/>
+        <a:ln w="9525" cap="flat" cmpd="sng" algn="ctr">
+          <a:solidFill>
+            <a:schemeClr val="dk2">
+              <a:hueOff val="0"/>
+              <a:satOff val="0"/>
+              <a:lumOff val="0"/>
+              <a:alphaOff val="0"/>
+            </a:schemeClr>
+          </a:solidFill>
+          <a:prstDash val="solid"/>
+          <a:tailEnd type="arrow"/>
+        </a:ln>
+        <a:effectLst/>
+      </dsp:spPr>
+      <dsp:style>
+        <a:lnRef idx="1">
+          <a:scrgbClr r="0" g="0" b="0"/>
+        </a:lnRef>
+        <a:fillRef idx="0">
+          <a:scrgbClr r="0" g="0" b="0"/>
+        </a:fillRef>
+        <a:effectRef idx="0">
+          <a:scrgbClr r="0" g="0" b="0"/>
+        </a:effectRef>
+        <a:fontRef idx="minor"/>
+      </dsp:style>
+      <dsp:txBody>
+        <a:bodyPr spcFirstLastPara="0" vert="horz" wrap="square" lIns="12700" tIns="0" rIns="12700" bIns="0" numCol="1" spcCol="1270" anchor="ctr" anchorCtr="0">
+          <a:noAutofit/>
+        </a:bodyPr>
+        <a:lstStyle/>
+        <a:p>
+          <a:pPr lvl="0" algn="ctr" defTabSz="222250">
+            <a:lnSpc>
+              <a:spcPct val="90000"/>
+            </a:lnSpc>
+            <a:spcBef>
+              <a:spcPct val="0"/>
+            </a:spcBef>
+            <a:spcAft>
+              <a:spcPct val="35000"/>
+            </a:spcAft>
+          </a:pPr>
+          <a:endParaRPr lang="en-IN" sz="500" kern="1200"/>
+        </a:p>
+      </dsp:txBody>
+      <dsp:txXfrm>
+        <a:off x="6444707" y="740260"/>
+        <a:ext cx="28479" cy="5695"/>
+      </dsp:txXfrm>
+    </dsp:sp>
+    <dsp:sp modelId="{7E8015B6-C60B-4D06-B7FC-6C55BBB35551}">
+      <dsp:nvSpPr>
+        <dsp:cNvPr id="0" name=""/>
+        <dsp:cNvSpPr/>
+      </dsp:nvSpPr>
+      <dsp:spPr>
+        <a:xfrm>
+          <a:off x="3714750" y="158"/>
+          <a:ext cx="2476499" cy="1485900"/>
+        </a:xfrm>
+        <a:prstGeom prst="rect">
+          <a:avLst/>
+        </a:prstGeom>
+        <a:solidFill>
+          <a:schemeClr val="dk2">
+            <a:hueOff val="0"/>
+            <a:satOff val="0"/>
+            <a:lumOff val="0"/>
+            <a:alphaOff val="0"/>
+          </a:schemeClr>
+        </a:solidFill>
+        <a:ln w="22225" cap="flat" cmpd="sng" algn="ctr">
+          <a:solidFill>
+            <a:schemeClr val="lt2">
+              <a:hueOff val="0"/>
+              <a:satOff val="0"/>
+              <a:lumOff val="0"/>
+              <a:alphaOff val="0"/>
+            </a:schemeClr>
+          </a:solidFill>
+          <a:prstDash val="solid"/>
+        </a:ln>
+        <a:effectLst/>
+      </dsp:spPr>
+      <dsp:style>
+        <a:lnRef idx="3">
+          <a:scrgbClr r="0" g="0" b="0"/>
+        </a:lnRef>
+        <a:fillRef idx="1">
+          <a:scrgbClr r="0" g="0" b="0"/>
+        </a:fillRef>
+        <a:effectRef idx="1">
+          <a:scrgbClr r="0" g="0" b="0"/>
+        </a:effectRef>
+        <a:fontRef idx="minor">
+          <a:schemeClr val="lt1"/>
+        </a:fontRef>
+      </dsp:style>
+      <dsp:txBody>
+        <a:bodyPr spcFirstLastPara="0" vert="horz" wrap="square" lIns="113792" tIns="113792" rIns="113792" bIns="113792" numCol="1" spcCol="1270" anchor="ctr" anchorCtr="0">
+          <a:noAutofit/>
+        </a:bodyPr>
+        <a:lstStyle/>
+        <a:p>
+          <a:pPr lvl="0" algn="ctr" defTabSz="711200">
+            <a:lnSpc>
+              <a:spcPct val="90000"/>
+            </a:lnSpc>
+            <a:spcBef>
+              <a:spcPct val="0"/>
+            </a:spcBef>
+            <a:spcAft>
+              <a:spcPct val="35000"/>
+            </a:spcAft>
+          </a:pPr>
+          <a:r>
+            <a:rPr lang="en-IN" sz="1600" kern="1200" dirty="0" smtClean="0"/>
+            <a:t>Read Heart Rate</a:t>
+          </a:r>
+          <a:endParaRPr lang="en-IN" sz="1600" kern="1200" dirty="0"/>
+        </a:p>
+      </dsp:txBody>
+      <dsp:txXfrm>
+        <a:off x="3714750" y="158"/>
+        <a:ext cx="2476499" cy="1485900"/>
+      </dsp:txXfrm>
+    </dsp:sp>
+    <dsp:sp modelId="{992424CF-B1A3-41AD-92D0-E408EF1BE504}">
+      <dsp:nvSpPr>
+        <dsp:cNvPr id="0" name=""/>
+        <dsp:cNvSpPr/>
+      </dsp:nvSpPr>
+      <dsp:spPr>
+        <a:xfrm>
+          <a:off x="1906905" y="1484258"/>
+          <a:ext cx="6092189" cy="538995"/>
+        </a:xfrm>
+        <a:custGeom>
+          <a:avLst/>
+          <a:gdLst/>
+          <a:ahLst/>
+          <a:cxnLst/>
+          <a:rect l="0" t="0" r="0" b="0"/>
+          <a:pathLst>
+            <a:path>
+              <a:moveTo>
+                <a:pt x="6092189" y="0"/>
+              </a:moveTo>
+              <a:lnTo>
+                <a:pt x="6092189" y="286597"/>
+              </a:lnTo>
+              <a:lnTo>
+                <a:pt x="0" y="286597"/>
+              </a:lnTo>
+              <a:lnTo>
+                <a:pt x="0" y="538995"/>
+              </a:lnTo>
+            </a:path>
+          </a:pathLst>
+        </a:custGeom>
+        <a:noFill/>
+        <a:ln w="9525" cap="flat" cmpd="sng" algn="ctr">
+          <a:solidFill>
+            <a:schemeClr val="dk2">
+              <a:hueOff val="0"/>
+              <a:satOff val="0"/>
+              <a:lumOff val="0"/>
+              <a:alphaOff val="0"/>
+            </a:schemeClr>
+          </a:solidFill>
+          <a:prstDash val="solid"/>
+          <a:tailEnd type="arrow"/>
+        </a:ln>
+        <a:effectLst/>
+      </dsp:spPr>
+      <dsp:style>
+        <a:lnRef idx="1">
+          <a:scrgbClr r="0" g="0" b="0"/>
+        </a:lnRef>
+        <a:fillRef idx="0">
+          <a:scrgbClr r="0" g="0" b="0"/>
+        </a:fillRef>
+        <a:effectRef idx="0">
+          <a:scrgbClr r="0" g="0" b="0"/>
+        </a:effectRef>
+        <a:fontRef idx="minor"/>
+      </dsp:style>
+      <dsp:txBody>
+        <a:bodyPr spcFirstLastPara="0" vert="horz" wrap="square" lIns="12700" tIns="0" rIns="12700" bIns="0" numCol="1" spcCol="1270" anchor="ctr" anchorCtr="0">
+          <a:noAutofit/>
+        </a:bodyPr>
+        <a:lstStyle/>
+        <a:p>
+          <a:pPr lvl="0" algn="ctr" defTabSz="222250">
+            <a:lnSpc>
+              <a:spcPct val="90000"/>
+            </a:lnSpc>
+            <a:spcBef>
+              <a:spcPct val="0"/>
+            </a:spcBef>
+            <a:spcAft>
+              <a:spcPct val="35000"/>
+            </a:spcAft>
+          </a:pPr>
+          <a:endParaRPr lang="en-IN" sz="500" kern="1200"/>
+        </a:p>
+      </dsp:txBody>
+      <dsp:txXfrm>
+        <a:off x="4800031" y="1750908"/>
+        <a:ext cx="305937" cy="5695"/>
+      </dsp:txXfrm>
+    </dsp:sp>
+    <dsp:sp modelId="{86B01881-D279-4A82-A46A-995B42E9DF38}">
+      <dsp:nvSpPr>
+        <dsp:cNvPr id="0" name=""/>
+        <dsp:cNvSpPr/>
+      </dsp:nvSpPr>
+      <dsp:spPr>
+        <a:xfrm>
+          <a:off x="6760845" y="158"/>
+          <a:ext cx="2476499" cy="1485900"/>
+        </a:xfrm>
+        <a:prstGeom prst="rect">
+          <a:avLst/>
+        </a:prstGeom>
+        <a:solidFill>
+          <a:schemeClr val="dk2">
+            <a:hueOff val="0"/>
+            <a:satOff val="0"/>
+            <a:lumOff val="0"/>
+            <a:alphaOff val="0"/>
+          </a:schemeClr>
+        </a:solidFill>
+        <a:ln w="22225" cap="flat" cmpd="sng" algn="ctr">
+          <a:solidFill>
+            <a:schemeClr val="lt2">
+              <a:hueOff val="0"/>
+              <a:satOff val="0"/>
+              <a:lumOff val="0"/>
+              <a:alphaOff val="0"/>
+            </a:schemeClr>
+          </a:solidFill>
+          <a:prstDash val="solid"/>
+        </a:ln>
+        <a:effectLst/>
+      </dsp:spPr>
+      <dsp:style>
+        <a:lnRef idx="3">
+          <a:scrgbClr r="0" g="0" b="0"/>
+        </a:lnRef>
+        <a:fillRef idx="1">
+          <a:scrgbClr r="0" g="0" b="0"/>
+        </a:fillRef>
+        <a:effectRef idx="1">
+          <a:scrgbClr r="0" g="0" b="0"/>
+        </a:effectRef>
+        <a:fontRef idx="minor">
+          <a:schemeClr val="lt1"/>
+        </a:fontRef>
+      </dsp:style>
+      <dsp:txBody>
+        <a:bodyPr spcFirstLastPara="0" vert="horz" wrap="square" lIns="113792" tIns="113792" rIns="113792" bIns="113792" numCol="1" spcCol="1270" anchor="ctr" anchorCtr="0">
+          <a:noAutofit/>
+        </a:bodyPr>
+        <a:lstStyle/>
+        <a:p>
+          <a:pPr lvl="0" algn="ctr" defTabSz="711200">
+            <a:lnSpc>
+              <a:spcPct val="90000"/>
+            </a:lnSpc>
+            <a:spcBef>
+              <a:spcPct val="0"/>
+            </a:spcBef>
+            <a:spcAft>
+              <a:spcPct val="35000"/>
+            </a:spcAft>
+          </a:pPr>
+          <a:r>
+            <a:rPr lang="en-IN" sz="1600" kern="1200" dirty="0" smtClean="0"/>
+            <a:t>Print to LCD</a:t>
+          </a:r>
+          <a:endParaRPr lang="en-IN" sz="1600" kern="1200" dirty="0"/>
+        </a:p>
+      </dsp:txBody>
+      <dsp:txXfrm>
+        <a:off x="6760845" y="158"/>
+        <a:ext cx="2476499" cy="1485900"/>
+      </dsp:txXfrm>
+    </dsp:sp>
+    <dsp:sp modelId="{8BA908DB-9F52-4A77-BBB2-42FD9AC2FC2B}">
+      <dsp:nvSpPr>
+        <dsp:cNvPr id="0" name=""/>
+        <dsp:cNvSpPr/>
+      </dsp:nvSpPr>
+      <dsp:spPr>
+        <a:xfrm>
+          <a:off x="3143355" y="2752883"/>
+          <a:ext cx="538994" cy="91440"/>
+        </a:xfrm>
+        <a:custGeom>
+          <a:avLst/>
+          <a:gdLst/>
+          <a:ahLst/>
+          <a:cxnLst/>
+          <a:rect l="0" t="0" r="0" b="0"/>
+          <a:pathLst>
+            <a:path>
+              <a:moveTo>
+                <a:pt x="0" y="45720"/>
+              </a:moveTo>
+              <a:lnTo>
+                <a:pt x="538994" y="45720"/>
+              </a:lnTo>
+            </a:path>
+          </a:pathLst>
+        </a:custGeom>
+        <a:noFill/>
+        <a:ln w="9525" cap="flat" cmpd="sng" algn="ctr">
+          <a:solidFill>
+            <a:schemeClr val="dk2">
+              <a:hueOff val="0"/>
+              <a:satOff val="0"/>
+              <a:lumOff val="0"/>
+              <a:alphaOff val="0"/>
+            </a:schemeClr>
+          </a:solidFill>
+          <a:prstDash val="solid"/>
+          <a:tailEnd type="arrow"/>
+        </a:ln>
+        <a:effectLst/>
+      </dsp:spPr>
+      <dsp:style>
+        <a:lnRef idx="1">
+          <a:scrgbClr r="0" g="0" b="0"/>
+        </a:lnRef>
+        <a:fillRef idx="0">
+          <a:scrgbClr r="0" g="0" b="0"/>
+        </a:fillRef>
+        <a:effectRef idx="0">
+          <a:scrgbClr r="0" g="0" b="0"/>
+        </a:effectRef>
+        <a:fontRef idx="minor"/>
+      </dsp:style>
+      <dsp:txBody>
+        <a:bodyPr spcFirstLastPara="0" vert="horz" wrap="square" lIns="12700" tIns="0" rIns="12700" bIns="0" numCol="1" spcCol="1270" anchor="ctr" anchorCtr="0">
+          <a:noAutofit/>
+        </a:bodyPr>
+        <a:lstStyle/>
+        <a:p>
+          <a:pPr lvl="0" algn="ctr" defTabSz="222250">
+            <a:lnSpc>
+              <a:spcPct val="90000"/>
+            </a:lnSpc>
+            <a:spcBef>
+              <a:spcPct val="0"/>
+            </a:spcBef>
+            <a:spcAft>
+              <a:spcPct val="35000"/>
+            </a:spcAft>
+          </a:pPr>
+          <a:endParaRPr lang="en-IN" sz="500" kern="1200"/>
+        </a:p>
+      </dsp:txBody>
+      <dsp:txXfrm>
+        <a:off x="3398612" y="2795755"/>
+        <a:ext cx="28479" cy="5695"/>
+      </dsp:txXfrm>
+    </dsp:sp>
+    <dsp:sp modelId="{EC77C5BA-85D7-4568-9858-B430E7341925}">
+      <dsp:nvSpPr>
+        <dsp:cNvPr id="0" name=""/>
+        <dsp:cNvSpPr/>
+      </dsp:nvSpPr>
+      <dsp:spPr>
+        <a:xfrm>
+          <a:off x="668655" y="2055653"/>
+          <a:ext cx="2476499" cy="1485900"/>
+        </a:xfrm>
+        <a:prstGeom prst="diamond">
+          <a:avLst/>
+        </a:prstGeom>
+        <a:solidFill>
+          <a:schemeClr val="dk2">
+            <a:hueOff val="0"/>
+            <a:satOff val="0"/>
+            <a:lumOff val="0"/>
+            <a:alphaOff val="0"/>
+          </a:schemeClr>
+        </a:solidFill>
+        <a:ln w="22225" cap="flat" cmpd="sng" algn="ctr">
+          <a:solidFill>
+            <a:schemeClr val="lt2">
+              <a:hueOff val="0"/>
+              <a:satOff val="0"/>
+              <a:lumOff val="0"/>
+              <a:alphaOff val="0"/>
+            </a:schemeClr>
+          </a:solidFill>
+          <a:prstDash val="solid"/>
+        </a:ln>
+        <a:effectLst/>
+      </dsp:spPr>
+      <dsp:style>
+        <a:lnRef idx="3">
+          <a:scrgbClr r="0" g="0" b="0"/>
+        </a:lnRef>
+        <a:fillRef idx="1">
+          <a:scrgbClr r="0" g="0" b="0"/>
+        </a:fillRef>
+        <a:effectRef idx="1">
+          <a:scrgbClr r="0" g="0" b="0"/>
+        </a:effectRef>
+        <a:fontRef idx="minor">
+          <a:schemeClr val="lt1"/>
+        </a:fontRef>
+      </dsp:style>
+      <dsp:txBody>
+        <a:bodyPr spcFirstLastPara="0" vert="horz" wrap="square" lIns="99568" tIns="99568" rIns="99568" bIns="99568" numCol="1" spcCol="1270" anchor="ctr" anchorCtr="0">
+          <a:noAutofit/>
+        </a:bodyPr>
+        <a:lstStyle/>
+        <a:p>
+          <a:pPr lvl="0" algn="ctr" defTabSz="622300">
+            <a:lnSpc>
+              <a:spcPct val="90000"/>
+            </a:lnSpc>
+            <a:spcBef>
+              <a:spcPct val="0"/>
+            </a:spcBef>
+            <a:spcAft>
+              <a:spcPct val="35000"/>
+            </a:spcAft>
+          </a:pPr>
+          <a:r>
+            <a:rPr lang="en-IN" sz="1400" kern="1200" dirty="0" smtClean="0"/>
+            <a:t>DISTRESS?</a:t>
+          </a:r>
+          <a:endParaRPr lang="en-IN" sz="1400" kern="1200" dirty="0"/>
+        </a:p>
+      </dsp:txBody>
+      <dsp:txXfrm>
+        <a:off x="1287780" y="2427128"/>
+        <a:ext cx="1238249" cy="742950"/>
+      </dsp:txXfrm>
+    </dsp:sp>
+    <dsp:sp modelId="{7D17B8F4-634F-4DE1-AB87-76CC601B434F}">
+      <dsp:nvSpPr>
+        <dsp:cNvPr id="0" name=""/>
+        <dsp:cNvSpPr/>
+      </dsp:nvSpPr>
+      <dsp:spPr>
+        <a:xfrm>
+          <a:off x="6189450" y="2752883"/>
+          <a:ext cx="538994" cy="91440"/>
+        </a:xfrm>
+        <a:custGeom>
+          <a:avLst/>
+          <a:gdLst/>
+          <a:ahLst/>
+          <a:cxnLst/>
+          <a:rect l="0" t="0" r="0" b="0"/>
+          <a:pathLst>
+            <a:path>
+              <a:moveTo>
+                <a:pt x="0" y="45720"/>
+              </a:moveTo>
+              <a:lnTo>
+                <a:pt x="538994" y="45720"/>
+              </a:lnTo>
+            </a:path>
+          </a:pathLst>
+        </a:custGeom>
+        <a:noFill/>
+        <a:ln w="9525" cap="flat" cmpd="sng" algn="ctr">
+          <a:solidFill>
+            <a:schemeClr val="dk2">
+              <a:hueOff val="0"/>
+              <a:satOff val="0"/>
+              <a:lumOff val="0"/>
+              <a:alphaOff val="0"/>
+            </a:schemeClr>
+          </a:solidFill>
+          <a:prstDash val="solid"/>
+          <a:tailEnd type="arrow"/>
+        </a:ln>
+        <a:effectLst/>
+      </dsp:spPr>
+      <dsp:style>
+        <a:lnRef idx="1">
+          <a:scrgbClr r="0" g="0" b="0"/>
+        </a:lnRef>
+        <a:fillRef idx="0">
+          <a:scrgbClr r="0" g="0" b="0"/>
+        </a:fillRef>
+        <a:effectRef idx="0">
+          <a:scrgbClr r="0" g="0" b="0"/>
+        </a:effectRef>
+        <a:fontRef idx="minor"/>
+      </dsp:style>
+      <dsp:txBody>
+        <a:bodyPr spcFirstLastPara="0" vert="horz" wrap="square" lIns="12700" tIns="0" rIns="12700" bIns="0" numCol="1" spcCol="1270" anchor="ctr" anchorCtr="0">
+          <a:noAutofit/>
+        </a:bodyPr>
+        <a:lstStyle/>
+        <a:p>
+          <a:pPr lvl="0" algn="ctr" defTabSz="222250">
+            <a:lnSpc>
+              <a:spcPct val="90000"/>
+            </a:lnSpc>
+            <a:spcBef>
+              <a:spcPct val="0"/>
+            </a:spcBef>
+            <a:spcAft>
+              <a:spcPct val="35000"/>
+            </a:spcAft>
+          </a:pPr>
+          <a:endParaRPr lang="en-IN" sz="500" kern="1200"/>
+        </a:p>
+      </dsp:txBody>
+      <dsp:txXfrm>
+        <a:off x="6444707" y="2795755"/>
+        <a:ext cx="28479" cy="5695"/>
+      </dsp:txXfrm>
+    </dsp:sp>
+    <dsp:sp modelId="{3A47F13C-5303-4062-B73A-78C2518C52F7}">
+      <dsp:nvSpPr>
+        <dsp:cNvPr id="0" name=""/>
+        <dsp:cNvSpPr/>
+      </dsp:nvSpPr>
+      <dsp:spPr>
+        <a:xfrm>
+          <a:off x="3714750" y="2055653"/>
+          <a:ext cx="2476499" cy="1485900"/>
+        </a:xfrm>
+        <a:prstGeom prst="rect">
+          <a:avLst/>
+        </a:prstGeom>
+        <a:solidFill>
+          <a:schemeClr val="dk2">
+            <a:hueOff val="0"/>
+            <a:satOff val="0"/>
+            <a:lumOff val="0"/>
+            <a:alphaOff val="0"/>
+          </a:schemeClr>
+        </a:solidFill>
+        <a:ln w="22225" cap="flat" cmpd="sng" algn="ctr">
+          <a:solidFill>
+            <a:schemeClr val="lt2">
+              <a:hueOff val="0"/>
+              <a:satOff val="0"/>
+              <a:lumOff val="0"/>
+              <a:alphaOff val="0"/>
+            </a:schemeClr>
+          </a:solidFill>
+          <a:prstDash val="solid"/>
+        </a:ln>
+        <a:effectLst/>
+      </dsp:spPr>
+      <dsp:style>
+        <a:lnRef idx="3">
+          <a:scrgbClr r="0" g="0" b="0"/>
+        </a:lnRef>
+        <a:fillRef idx="1">
+          <a:scrgbClr r="0" g="0" b="0"/>
+        </a:fillRef>
+        <a:effectRef idx="1">
+          <a:scrgbClr r="0" g="0" b="0"/>
+        </a:effectRef>
+        <a:fontRef idx="minor">
+          <a:schemeClr val="lt1"/>
+        </a:fontRef>
+      </dsp:style>
+      <dsp:txBody>
+        <a:bodyPr spcFirstLastPara="0" vert="horz" wrap="square" lIns="113792" tIns="113792" rIns="113792" bIns="113792" numCol="1" spcCol="1270" anchor="ctr" anchorCtr="0">
+          <a:noAutofit/>
+        </a:bodyPr>
+        <a:lstStyle/>
+        <a:p>
+          <a:pPr lvl="0" algn="ctr" defTabSz="711200">
+            <a:lnSpc>
+              <a:spcPct val="90000"/>
+            </a:lnSpc>
+            <a:spcBef>
+              <a:spcPct val="0"/>
+            </a:spcBef>
+            <a:spcAft>
+              <a:spcPct val="35000"/>
+            </a:spcAft>
+          </a:pPr>
+          <a:r>
+            <a:rPr lang="en-IN" sz="1600" kern="1200" dirty="0" smtClean="0"/>
+            <a:t>Get GPS Coordinates &amp; Time</a:t>
+          </a:r>
+          <a:endParaRPr lang="en-IN" sz="1600" kern="1200" dirty="0"/>
+        </a:p>
+      </dsp:txBody>
+      <dsp:txXfrm>
+        <a:off x="3714750" y="2055653"/>
+        <a:ext cx="2476499" cy="1485900"/>
+      </dsp:txXfrm>
+    </dsp:sp>
+    <dsp:sp modelId="{9BE56DC8-64C7-4213-B67E-C3281D806583}">
+      <dsp:nvSpPr>
+        <dsp:cNvPr id="0" name=""/>
+        <dsp:cNvSpPr/>
+      </dsp:nvSpPr>
+      <dsp:spPr>
+        <a:xfrm>
+          <a:off x="6760845" y="2055653"/>
+          <a:ext cx="2476499" cy="1485900"/>
+        </a:xfrm>
+        <a:prstGeom prst="rect">
+          <a:avLst/>
+        </a:prstGeom>
+        <a:solidFill>
+          <a:schemeClr val="dk2">
+            <a:hueOff val="0"/>
+            <a:satOff val="0"/>
+            <a:lumOff val="0"/>
+            <a:alphaOff val="0"/>
+          </a:schemeClr>
+        </a:solidFill>
+        <a:ln w="22225" cap="flat" cmpd="sng" algn="ctr">
+          <a:solidFill>
+            <a:schemeClr val="lt2">
+              <a:hueOff val="0"/>
+              <a:satOff val="0"/>
+              <a:lumOff val="0"/>
+              <a:alphaOff val="0"/>
+            </a:schemeClr>
+          </a:solidFill>
+          <a:prstDash val="solid"/>
+        </a:ln>
+        <a:effectLst/>
+      </dsp:spPr>
+      <dsp:style>
+        <a:lnRef idx="3">
+          <a:scrgbClr r="0" g="0" b="0"/>
+        </a:lnRef>
+        <a:fillRef idx="1">
+          <a:scrgbClr r="0" g="0" b="0"/>
+        </a:fillRef>
+        <a:effectRef idx="1">
+          <a:scrgbClr r="0" g="0" b="0"/>
+        </a:effectRef>
+        <a:fontRef idx="minor">
+          <a:schemeClr val="lt1"/>
+        </a:fontRef>
+      </dsp:style>
+      <dsp:txBody>
+        <a:bodyPr spcFirstLastPara="0" vert="horz" wrap="square" lIns="113792" tIns="113792" rIns="113792" bIns="113792" numCol="1" spcCol="1270" anchor="ctr" anchorCtr="0">
+          <a:noAutofit/>
+        </a:bodyPr>
+        <a:lstStyle/>
+        <a:p>
+          <a:pPr lvl="0" algn="ctr" defTabSz="711200">
+            <a:lnSpc>
+              <a:spcPct val="90000"/>
+            </a:lnSpc>
+            <a:spcBef>
+              <a:spcPct val="0"/>
+            </a:spcBef>
+            <a:spcAft>
+              <a:spcPct val="35000"/>
+            </a:spcAft>
+          </a:pPr>
+          <a:r>
+            <a:rPr lang="en-IN" sz="1600" kern="1200" dirty="0" smtClean="0"/>
+            <a:t>Send SMS</a:t>
+          </a:r>
+          <a:endParaRPr lang="en-IN" sz="1600" kern="1200" dirty="0"/>
+        </a:p>
+      </dsp:txBody>
+      <dsp:txXfrm>
+        <a:off x="6760845" y="2055653"/>
+        <a:ext cx="2476499" cy="1485900"/>
+      </dsp:txXfrm>
+    </dsp:sp>
   </dsp:spTree>
 </dsp:drawing>
 </file>
@@ -5452,7 +7803,7 @@
           <a:noFill/>
           <a:extLst>
             <a:ext uri="{909E8E84-426E-40dd-AFC4-6F175D3DCCD1}">
-              <a14:hiddenFill xmlns="" xmlns:a14="http://schemas.microsoft.com/office/drawing/2010/main">
+              <a14:hiddenFill xmlns:a14="http://schemas.microsoft.com/office/drawing/2010/main" xmlns="">
                 <a:solidFill>
                   <a:srgbClr val="FFFFFF"/>
                 </a:solidFill>
@@ -5512,7 +7863,7 @@
             </a:ln>
             <a:extLst>
               <a:ext uri="{91240B29-F687-4f45-9708-019B960494DF}">
-                <a14:hiddenLine xmlns="" xmlns:a14="http://schemas.microsoft.com/office/drawing/2010/main" w="9525">
+                <a14:hiddenLine xmlns:a14="http://schemas.microsoft.com/office/drawing/2010/main" xmlns="" w="9525">
                   <a:solidFill>
                     <a:srgbClr val="000000"/>
                   </a:solidFill>
@@ -5602,7 +7953,7 @@
             </a:ln>
             <a:extLst>
               <a:ext uri="{91240B29-F687-4f45-9708-019B960494DF}">
-                <a14:hiddenLine xmlns="" xmlns:a14="http://schemas.microsoft.com/office/drawing/2010/main" w="9525">
+                <a14:hiddenLine xmlns:a14="http://schemas.microsoft.com/office/drawing/2010/main" xmlns="" w="9525">
                   <a:solidFill>
                     <a:srgbClr val="000000"/>
                   </a:solidFill>
@@ -5692,7 +8043,7 @@
             </a:ln>
             <a:extLst>
               <a:ext uri="{91240B29-F687-4f45-9708-019B960494DF}">
-                <a14:hiddenLine xmlns="" xmlns:a14="http://schemas.microsoft.com/office/drawing/2010/main" w="9525">
+                <a14:hiddenLine xmlns:a14="http://schemas.microsoft.com/office/drawing/2010/main" xmlns="" w="9525">
                   <a:solidFill>
                     <a:srgbClr val="000000"/>
                   </a:solidFill>
@@ -5726,7 +8077,7 @@
             </a:ln>
             <a:extLst>
               <a:ext uri="{91240B29-F687-4f45-9708-019B960494DF}">
-                <a14:hiddenLine xmlns="" xmlns:a14="http://schemas.microsoft.com/office/drawing/2010/main" w="9525">
+                <a14:hiddenLine xmlns:a14="http://schemas.microsoft.com/office/drawing/2010/main" xmlns="" w="9525">
                   <a:solidFill>
                     <a:srgbClr val="000000"/>
                   </a:solidFill>
@@ -5816,7 +8167,7 @@
             </a:ln>
             <a:extLst>
               <a:ext uri="{91240B29-F687-4f45-9708-019B960494DF}">
-                <a14:hiddenLine xmlns="" xmlns:a14="http://schemas.microsoft.com/office/drawing/2010/main" w="9525">
+                <a14:hiddenLine xmlns:a14="http://schemas.microsoft.com/office/drawing/2010/main" xmlns="" w="9525">
                   <a:solidFill>
                     <a:srgbClr val="000000"/>
                   </a:solidFill>
@@ -5878,7 +8229,7 @@
             </a:ln>
             <a:extLst>
               <a:ext uri="{91240B29-F687-4f45-9708-019B960494DF}">
-                <a14:hiddenLine xmlns="" xmlns:a14="http://schemas.microsoft.com/office/drawing/2010/main" w="9525">
+                <a14:hiddenLine xmlns:a14="http://schemas.microsoft.com/office/drawing/2010/main" xmlns="" w="9525">
                   <a:solidFill>
                     <a:srgbClr val="000000"/>
                   </a:solidFill>
@@ -5940,7 +8291,7 @@
             </a:ln>
             <a:extLst>
               <a:ext uri="{91240B29-F687-4f45-9708-019B960494DF}">
-                <a14:hiddenLine xmlns="" xmlns:a14="http://schemas.microsoft.com/office/drawing/2010/main" w="9525">
+                <a14:hiddenLine xmlns:a14="http://schemas.microsoft.com/office/drawing/2010/main" xmlns="" w="9525">
                   <a:solidFill>
                     <a:srgbClr val="000000"/>
                   </a:solidFill>
@@ -6030,7 +8381,7 @@
             </a:ln>
             <a:extLst>
               <a:ext uri="{91240B29-F687-4f45-9708-019B960494DF}">
-                <a14:hiddenLine xmlns="" xmlns:a14="http://schemas.microsoft.com/office/drawing/2010/main" w="9525">
+                <a14:hiddenLine xmlns:a14="http://schemas.microsoft.com/office/drawing/2010/main" xmlns="" w="9525">
                   <a:solidFill>
                     <a:srgbClr val="000000"/>
                   </a:solidFill>
@@ -6092,7 +8443,7 @@
             </a:ln>
             <a:extLst>
               <a:ext uri="{91240B29-F687-4f45-9708-019B960494DF}">
-                <a14:hiddenLine xmlns="" xmlns:a14="http://schemas.microsoft.com/office/drawing/2010/main" w="9525">
+                <a14:hiddenLine xmlns:a14="http://schemas.microsoft.com/office/drawing/2010/main" xmlns="" w="9525">
                   <a:solidFill>
                     <a:srgbClr val="000000"/>
                   </a:solidFill>
@@ -6154,7 +8505,7 @@
             </a:ln>
             <a:extLst>
               <a:ext uri="{91240B29-F687-4f45-9708-019B960494DF}">
-                <a14:hiddenLine xmlns="" xmlns:a14="http://schemas.microsoft.com/office/drawing/2010/main" w="9525">
+                <a14:hiddenLine xmlns:a14="http://schemas.microsoft.com/office/drawing/2010/main" xmlns="" w="9525">
                   <a:solidFill>
                     <a:srgbClr val="000000"/>
                   </a:solidFill>
@@ -6244,7 +8595,7 @@
             </a:ln>
             <a:extLst>
               <a:ext uri="{91240B29-F687-4f45-9708-019B960494DF}">
-                <a14:hiddenLine xmlns="" xmlns:a14="http://schemas.microsoft.com/office/drawing/2010/main" w="9525">
+                <a14:hiddenLine xmlns:a14="http://schemas.microsoft.com/office/drawing/2010/main" xmlns="" w="9525">
                   <a:solidFill>
                     <a:srgbClr val="000000"/>
                   </a:solidFill>
@@ -6334,7 +8685,7 @@
             </a:ln>
             <a:extLst>
               <a:ext uri="{91240B29-F687-4f45-9708-019B960494DF}">
-                <a14:hiddenLine xmlns="" xmlns:a14="http://schemas.microsoft.com/office/drawing/2010/main" w="9525">
+                <a14:hiddenLine xmlns:a14="http://schemas.microsoft.com/office/drawing/2010/main" xmlns="" w="9525">
                   <a:solidFill>
                     <a:srgbClr val="000000"/>
                   </a:solidFill>
@@ -6396,7 +8747,7 @@
             </a:ln>
             <a:extLst>
               <a:ext uri="{91240B29-F687-4f45-9708-019B960494DF}">
-                <a14:hiddenLine xmlns="" xmlns:a14="http://schemas.microsoft.com/office/drawing/2010/main" w="9525">
+                <a14:hiddenLine xmlns:a14="http://schemas.microsoft.com/office/drawing/2010/main" xmlns="" w="9525">
                   <a:solidFill>
                     <a:srgbClr val="000000"/>
                   </a:solidFill>
@@ -6506,7 +8857,7 @@
             </a:ln>
             <a:extLst>
               <a:ext uri="{91240B29-F687-4f45-9708-019B960494DF}">
-                <a14:hiddenLine xmlns="" xmlns:a14="http://schemas.microsoft.com/office/drawing/2010/main" w="9525">
+                <a14:hiddenLine xmlns:a14="http://schemas.microsoft.com/office/drawing/2010/main" xmlns="" w="9525">
                   <a:solidFill>
                     <a:srgbClr val="000000"/>
                   </a:solidFill>
@@ -6568,7 +8919,7 @@
             </a:ln>
             <a:extLst>
               <a:ext uri="{91240B29-F687-4f45-9708-019B960494DF}">
-                <a14:hiddenLine xmlns="" xmlns:a14="http://schemas.microsoft.com/office/drawing/2010/main" w="9525">
+                <a14:hiddenLine xmlns:a14="http://schemas.microsoft.com/office/drawing/2010/main" xmlns="" w="9525">
                   <a:solidFill>
                     <a:srgbClr val="000000"/>
                   </a:solidFill>
@@ -6658,7 +9009,7 @@
             </a:ln>
             <a:extLst>
               <a:ext uri="{91240B29-F687-4f45-9708-019B960494DF}">
-                <a14:hiddenLine xmlns="" xmlns:a14="http://schemas.microsoft.com/office/drawing/2010/main" w="9525">
+                <a14:hiddenLine xmlns:a14="http://schemas.microsoft.com/office/drawing/2010/main" xmlns="" w="9525">
                   <a:solidFill>
                     <a:srgbClr val="000000"/>
                   </a:solidFill>
@@ -6748,7 +9099,7 @@
             </a:ln>
             <a:extLst>
               <a:ext uri="{91240B29-F687-4f45-9708-019B960494DF}">
-                <a14:hiddenLine xmlns="" xmlns:a14="http://schemas.microsoft.com/office/drawing/2010/main" w="9525">
+                <a14:hiddenLine xmlns:a14="http://schemas.microsoft.com/office/drawing/2010/main" xmlns="" w="9525">
                   <a:solidFill>
                     <a:srgbClr val="000000"/>
                   </a:solidFill>
@@ -6810,7 +9161,7 @@
             </a:ln>
             <a:extLst>
               <a:ext uri="{91240B29-F687-4f45-9708-019B960494DF}">
-                <a14:hiddenLine xmlns="" xmlns:a14="http://schemas.microsoft.com/office/drawing/2010/main" w="9525">
+                <a14:hiddenLine xmlns:a14="http://schemas.microsoft.com/office/drawing/2010/main" xmlns="" w="9525">
                   <a:solidFill>
                     <a:srgbClr val="000000"/>
                   </a:solidFill>
@@ -6900,7 +9251,7 @@
             </a:ln>
             <a:extLst>
               <a:ext uri="{91240B29-F687-4f45-9708-019B960494DF}">
-                <a14:hiddenLine xmlns="" xmlns:a14="http://schemas.microsoft.com/office/drawing/2010/main" w="9525">
+                <a14:hiddenLine xmlns:a14="http://schemas.microsoft.com/office/drawing/2010/main" xmlns="" w="9525">
                   <a:solidFill>
                     <a:srgbClr val="000000"/>
                   </a:solidFill>
@@ -6990,7 +9341,7 @@
             </a:ln>
             <a:extLst>
               <a:ext uri="{91240B29-F687-4f45-9708-019B960494DF}">
-                <a14:hiddenLine xmlns="" xmlns:a14="http://schemas.microsoft.com/office/drawing/2010/main" w="9525">
+                <a14:hiddenLine xmlns:a14="http://schemas.microsoft.com/office/drawing/2010/main" xmlns="" w="9525">
                   <a:solidFill>
                     <a:srgbClr val="000000"/>
                   </a:solidFill>
@@ -7046,7 +9397,7 @@
             </a:ln>
             <a:extLst>
               <a:ext uri="{91240B29-F687-4f45-9708-019B960494DF}">
-                <a14:hiddenLine xmlns="" xmlns:a14="http://schemas.microsoft.com/office/drawing/2010/main" w="9525">
+                <a14:hiddenLine xmlns:a14="http://schemas.microsoft.com/office/drawing/2010/main" xmlns="" w="9525">
                   <a:solidFill>
                     <a:srgbClr val="000000"/>
                   </a:solidFill>
@@ -7136,7 +9487,7 @@
             </a:ln>
             <a:extLst>
               <a:ext uri="{91240B29-F687-4f45-9708-019B960494DF}">
-                <a14:hiddenLine xmlns="" xmlns:a14="http://schemas.microsoft.com/office/drawing/2010/main" w="9525">
+                <a14:hiddenLine xmlns:a14="http://schemas.microsoft.com/office/drawing/2010/main" xmlns="" w="9525">
                   <a:solidFill>
                     <a:srgbClr val="000000"/>
                   </a:solidFill>
@@ -7192,7 +9543,7 @@
             </a:ln>
             <a:extLst>
               <a:ext uri="{91240B29-F687-4f45-9708-019B960494DF}">
-                <a14:hiddenLine xmlns="" xmlns:a14="http://schemas.microsoft.com/office/drawing/2010/main" w="9525">
+                <a14:hiddenLine xmlns:a14="http://schemas.microsoft.com/office/drawing/2010/main" xmlns="" w="9525">
                   <a:solidFill>
                     <a:srgbClr val="000000"/>
                   </a:solidFill>
@@ -7282,7 +9633,7 @@
             </a:ln>
             <a:extLst>
               <a:ext uri="{91240B29-F687-4f45-9708-019B960494DF}">
-                <a14:hiddenLine xmlns="" xmlns:a14="http://schemas.microsoft.com/office/drawing/2010/main" w="9525">
+                <a14:hiddenLine xmlns:a14="http://schemas.microsoft.com/office/drawing/2010/main" xmlns="" w="9525">
                   <a:solidFill>
                     <a:srgbClr val="000000"/>
                   </a:solidFill>
@@ -7350,7 +9701,7 @@
             </a:ln>
             <a:extLst>
               <a:ext uri="{91240B29-F687-4f45-9708-019B960494DF}">
-                <a14:hiddenLine xmlns="" xmlns:a14="http://schemas.microsoft.com/office/drawing/2010/main" w="9525">
+                <a14:hiddenLine xmlns:a14="http://schemas.microsoft.com/office/drawing/2010/main" xmlns="" w="9525">
                   <a:solidFill>
                     <a:srgbClr val="000000"/>
                   </a:solidFill>
@@ -7440,7 +9791,7 @@
             </a:ln>
             <a:extLst>
               <a:ext uri="{91240B29-F687-4f45-9708-019B960494DF}">
-                <a14:hiddenLine xmlns="" xmlns:a14="http://schemas.microsoft.com/office/drawing/2010/main" w="9525">
+                <a14:hiddenLine xmlns:a14="http://schemas.microsoft.com/office/drawing/2010/main" xmlns="" w="9525">
                   <a:solidFill>
                     <a:srgbClr val="000000"/>
                   </a:solidFill>
@@ -7508,7 +9859,7 @@
             </a:ln>
             <a:extLst>
               <a:ext uri="{91240B29-F687-4f45-9708-019B960494DF}">
-                <a14:hiddenLine xmlns="" xmlns:a14="http://schemas.microsoft.com/office/drawing/2010/main" w="9525">
+                <a14:hiddenLine xmlns:a14="http://schemas.microsoft.com/office/drawing/2010/main" xmlns="" w="9525">
                   <a:solidFill>
                     <a:srgbClr val="000000"/>
                   </a:solidFill>
@@ -7598,7 +9949,7 @@
             </a:ln>
             <a:extLst>
               <a:ext uri="{91240B29-F687-4f45-9708-019B960494DF}">
-                <a14:hiddenLine xmlns="" xmlns:a14="http://schemas.microsoft.com/office/drawing/2010/main" w="9525">
+                <a14:hiddenLine xmlns:a14="http://schemas.microsoft.com/office/drawing/2010/main" xmlns="" w="9525">
                   <a:solidFill>
                     <a:srgbClr val="000000"/>
                   </a:solidFill>
@@ -7632,7 +9983,7 @@
             </a:ln>
             <a:extLst>
               <a:ext uri="{91240B29-F687-4f45-9708-019B960494DF}">
-                <a14:hiddenLine xmlns="" xmlns:a14="http://schemas.microsoft.com/office/drawing/2010/main" w="9525">
+                <a14:hiddenLine xmlns:a14="http://schemas.microsoft.com/office/drawing/2010/main" xmlns="" w="9525">
                   <a:solidFill>
                     <a:srgbClr val="000000"/>
                   </a:solidFill>
@@ -7722,7 +10073,7 @@
             </a:ln>
             <a:extLst>
               <a:ext uri="{91240B29-F687-4f45-9708-019B960494DF}">
-                <a14:hiddenLine xmlns="" xmlns:a14="http://schemas.microsoft.com/office/drawing/2010/main" w="9525">
+                <a14:hiddenLine xmlns:a14="http://schemas.microsoft.com/office/drawing/2010/main" xmlns="" w="9525">
                   <a:solidFill>
                     <a:srgbClr val="000000"/>
                   </a:solidFill>
@@ -7784,7 +10135,7 @@
             </a:ln>
             <a:extLst>
               <a:ext uri="{91240B29-F687-4f45-9708-019B960494DF}">
-                <a14:hiddenLine xmlns="" xmlns:a14="http://schemas.microsoft.com/office/drawing/2010/main" w="9525">
+                <a14:hiddenLine xmlns:a14="http://schemas.microsoft.com/office/drawing/2010/main" xmlns="" w="9525">
                   <a:solidFill>
                     <a:srgbClr val="000000"/>
                   </a:solidFill>
@@ -7846,7 +10197,7 @@
             </a:ln>
             <a:extLst>
               <a:ext uri="{91240B29-F687-4f45-9708-019B960494DF}">
-                <a14:hiddenLine xmlns="" xmlns:a14="http://schemas.microsoft.com/office/drawing/2010/main" w="9525">
+                <a14:hiddenLine xmlns:a14="http://schemas.microsoft.com/office/drawing/2010/main" xmlns="" w="9525">
                   <a:solidFill>
                     <a:srgbClr val="000000"/>
                   </a:solidFill>
@@ -7936,7 +10287,7 @@
             </a:ln>
             <a:extLst>
               <a:ext uri="{91240B29-F687-4f45-9708-019B960494DF}">
-                <a14:hiddenLine xmlns="" xmlns:a14="http://schemas.microsoft.com/office/drawing/2010/main" w="9525">
+                <a14:hiddenLine xmlns:a14="http://schemas.microsoft.com/office/drawing/2010/main" xmlns="" w="9525">
                   <a:solidFill>
                     <a:srgbClr val="000000"/>
                   </a:solidFill>
@@ -8004,7 +10355,7 @@
             </a:ln>
             <a:extLst>
               <a:ext uri="{91240B29-F687-4f45-9708-019B960494DF}">
-                <a14:hiddenLine xmlns="" xmlns:a14="http://schemas.microsoft.com/office/drawing/2010/main" w="9525">
+                <a14:hiddenLine xmlns:a14="http://schemas.microsoft.com/office/drawing/2010/main" xmlns="" w="9525">
                   <a:solidFill>
                     <a:srgbClr val="000000"/>
                   </a:solidFill>
@@ -8066,7 +10417,7 @@
             </a:ln>
             <a:extLst>
               <a:ext uri="{91240B29-F687-4f45-9708-019B960494DF}">
-                <a14:hiddenLine xmlns="" xmlns:a14="http://schemas.microsoft.com/office/drawing/2010/main" w="9525">
+                <a14:hiddenLine xmlns:a14="http://schemas.microsoft.com/office/drawing/2010/main" xmlns="" w="9525">
                   <a:solidFill>
                     <a:srgbClr val="000000"/>
                   </a:solidFill>
@@ -8156,7 +10507,7 @@
             </a:ln>
             <a:extLst>
               <a:ext uri="{91240B29-F687-4f45-9708-019B960494DF}">
-                <a14:hiddenLine xmlns="" xmlns:a14="http://schemas.microsoft.com/office/drawing/2010/main" w="9525">
+                <a14:hiddenLine xmlns:a14="http://schemas.microsoft.com/office/drawing/2010/main" xmlns="" w="9525">
                   <a:solidFill>
                     <a:srgbClr val="000000"/>
                   </a:solidFill>
@@ -8218,7 +10569,7 @@
             </a:ln>
             <a:extLst>
               <a:ext uri="{91240B29-F687-4f45-9708-019B960494DF}">
-                <a14:hiddenLine xmlns="" xmlns:a14="http://schemas.microsoft.com/office/drawing/2010/main" w="9525">
+                <a14:hiddenLine xmlns:a14="http://schemas.microsoft.com/office/drawing/2010/main" xmlns="" w="9525">
                   <a:solidFill>
                     <a:srgbClr val="000000"/>
                   </a:solidFill>
@@ -8308,7 +10659,7 @@
             </a:ln>
             <a:extLst>
               <a:ext uri="{91240B29-F687-4f45-9708-019B960494DF}">
-                <a14:hiddenLine xmlns="" xmlns:a14="http://schemas.microsoft.com/office/drawing/2010/main" w="9525">
+                <a14:hiddenLine xmlns:a14="http://schemas.microsoft.com/office/drawing/2010/main" xmlns="" w="9525">
                   <a:solidFill>
                     <a:srgbClr val="000000"/>
                   </a:solidFill>
@@ -8370,7 +10721,7 @@
             </a:ln>
             <a:extLst>
               <a:ext uri="{91240B29-F687-4f45-9708-019B960494DF}">
-                <a14:hiddenLine xmlns="" xmlns:a14="http://schemas.microsoft.com/office/drawing/2010/main" w="9525">
+                <a14:hiddenLine xmlns:a14="http://schemas.microsoft.com/office/drawing/2010/main" xmlns="" w="9525">
                   <a:solidFill>
                     <a:srgbClr val="000000"/>
                   </a:solidFill>
@@ -8460,7 +10811,7 @@
             </a:ln>
             <a:extLst>
               <a:ext uri="{91240B29-F687-4f45-9708-019B960494DF}">
-                <a14:hiddenLine xmlns="" xmlns:a14="http://schemas.microsoft.com/office/drawing/2010/main" w="9525">
+                <a14:hiddenLine xmlns:a14="http://schemas.microsoft.com/office/drawing/2010/main" xmlns="" w="9525">
                   <a:solidFill>
                     <a:srgbClr val="000000"/>
                   </a:solidFill>
@@ -8494,7 +10845,7 @@
             </a:ln>
             <a:extLst>
               <a:ext uri="{91240B29-F687-4f45-9708-019B960494DF}">
-                <a14:hiddenLine xmlns="" xmlns:a14="http://schemas.microsoft.com/office/drawing/2010/main" w="9525">
+                <a14:hiddenLine xmlns:a14="http://schemas.microsoft.com/office/drawing/2010/main" xmlns="" w="9525">
                   <a:solidFill>
                     <a:srgbClr val="000000"/>
                   </a:solidFill>
@@ -8559,7 +10910,7 @@
             </a:ln>
             <a:extLst>
               <a:ext uri="{91240B29-F687-4f45-9708-019B960494DF}">
-                <a14:hiddenLine xmlns="" xmlns:a14="http://schemas.microsoft.com/office/drawing/2010/main" w="9525">
+                <a14:hiddenLine xmlns:a14="http://schemas.microsoft.com/office/drawing/2010/main" xmlns="" w="9525">
                   <a:solidFill>
                     <a:srgbClr val="000000"/>
                   </a:solidFill>
@@ -8649,7 +11000,7 @@
             </a:ln>
             <a:extLst>
               <a:ext uri="{91240B29-F687-4f45-9708-019B960494DF}">
-                <a14:hiddenLine xmlns="" xmlns:a14="http://schemas.microsoft.com/office/drawing/2010/main" w="9525">
+                <a14:hiddenLine xmlns:a14="http://schemas.microsoft.com/office/drawing/2010/main" xmlns="" w="9525">
                   <a:solidFill>
                     <a:srgbClr val="000000"/>
                   </a:solidFill>
@@ -8711,7 +11062,7 @@
             </a:ln>
             <a:extLst>
               <a:ext uri="{91240B29-F687-4f45-9708-019B960494DF}">
-                <a14:hiddenLine xmlns="" xmlns:a14="http://schemas.microsoft.com/office/drawing/2010/main" w="9525">
+                <a14:hiddenLine xmlns:a14="http://schemas.microsoft.com/office/drawing/2010/main" xmlns="" w="9525">
                   <a:solidFill>
                     <a:srgbClr val="000000"/>
                   </a:solidFill>
@@ -8801,7 +11152,7 @@
             </a:ln>
             <a:extLst>
               <a:ext uri="{91240B29-F687-4f45-9708-019B960494DF}">
-                <a14:hiddenLine xmlns="" xmlns:a14="http://schemas.microsoft.com/office/drawing/2010/main" w="9525">
+                <a14:hiddenLine xmlns:a14="http://schemas.microsoft.com/office/drawing/2010/main" xmlns="" w="9525">
                   <a:solidFill>
                     <a:srgbClr val="000000"/>
                   </a:solidFill>
@@ -8891,7 +11242,7 @@
             </a:ln>
             <a:extLst>
               <a:ext uri="{91240B29-F687-4f45-9708-019B960494DF}">
-                <a14:hiddenLine xmlns="" xmlns:a14="http://schemas.microsoft.com/office/drawing/2010/main" w="9525">
+                <a14:hiddenLine xmlns:a14="http://schemas.microsoft.com/office/drawing/2010/main" xmlns="" w="9525">
                   <a:solidFill>
                     <a:srgbClr val="000000"/>
                   </a:solidFill>
@@ -8956,7 +11307,7 @@
             </a:ln>
             <a:extLst>
               <a:ext uri="{91240B29-F687-4f45-9708-019B960494DF}">
-                <a14:hiddenLine xmlns="" xmlns:a14="http://schemas.microsoft.com/office/drawing/2010/main" w="9525">
+                <a14:hiddenLine xmlns:a14="http://schemas.microsoft.com/office/drawing/2010/main" xmlns="" w="9525">
                   <a:solidFill>
                     <a:srgbClr val="000000"/>
                   </a:solidFill>
@@ -9018,7 +11369,7 @@
             </a:ln>
             <a:extLst>
               <a:ext uri="{91240B29-F687-4f45-9708-019B960494DF}">
-                <a14:hiddenLine xmlns="" xmlns:a14="http://schemas.microsoft.com/office/drawing/2010/main" w="9525">
+                <a14:hiddenLine xmlns:a14="http://schemas.microsoft.com/office/drawing/2010/main" xmlns="" w="9525">
                   <a:solidFill>
                     <a:srgbClr val="000000"/>
                   </a:solidFill>
@@ -9108,7 +11459,7 @@
             </a:ln>
             <a:extLst>
               <a:ext uri="{91240B29-F687-4f45-9708-019B960494DF}">
-                <a14:hiddenLine xmlns="" xmlns:a14="http://schemas.microsoft.com/office/drawing/2010/main" w="9525">
+                <a14:hiddenLine xmlns:a14="http://schemas.microsoft.com/office/drawing/2010/main" xmlns="" w="9525">
                   <a:solidFill>
                     <a:srgbClr val="000000"/>
                   </a:solidFill>
@@ -9198,7 +11549,7 @@
             </a:ln>
             <a:extLst>
               <a:ext uri="{91240B29-F687-4f45-9708-019B960494DF}">
-                <a14:hiddenLine xmlns="" xmlns:a14="http://schemas.microsoft.com/office/drawing/2010/main" w="9525">
+                <a14:hiddenLine xmlns:a14="http://schemas.microsoft.com/office/drawing/2010/main" xmlns="" w="9525">
                   <a:solidFill>
                     <a:srgbClr val="000000"/>
                   </a:solidFill>
@@ -9260,7 +11611,7 @@
             </a:ln>
             <a:extLst>
               <a:ext uri="{91240B29-F687-4f45-9708-019B960494DF}">
-                <a14:hiddenLine xmlns="" xmlns:a14="http://schemas.microsoft.com/office/drawing/2010/main" w="9525">
+                <a14:hiddenLine xmlns:a14="http://schemas.microsoft.com/office/drawing/2010/main" xmlns="" w="9525">
                   <a:solidFill>
                     <a:srgbClr val="000000"/>
                   </a:solidFill>
@@ -9380,7 +11731,7 @@
             </a:ln>
             <a:extLst>
               <a:ext uri="{91240B29-F687-4f45-9708-019B960494DF}">
-                <a14:hiddenLine xmlns="" xmlns:a14="http://schemas.microsoft.com/office/drawing/2010/main" w="9525">
+                <a14:hiddenLine xmlns:a14="http://schemas.microsoft.com/office/drawing/2010/main" xmlns="" w="9525">
                   <a:solidFill>
                     <a:srgbClr val="000000"/>
                   </a:solidFill>
@@ -9448,7 +11799,7 @@
             </a:ln>
             <a:extLst>
               <a:ext uri="{91240B29-F687-4f45-9708-019B960494DF}">
-                <a14:hiddenLine xmlns="" xmlns:a14="http://schemas.microsoft.com/office/drawing/2010/main" w="9525">
+                <a14:hiddenLine xmlns:a14="http://schemas.microsoft.com/office/drawing/2010/main" xmlns="" w="9525">
                   <a:solidFill>
                     <a:srgbClr val="000000"/>
                   </a:solidFill>
@@ -9538,7 +11889,7 @@
             </a:ln>
             <a:extLst>
               <a:ext uri="{91240B29-F687-4f45-9708-019B960494DF}">
-                <a14:hiddenLine xmlns="" xmlns:a14="http://schemas.microsoft.com/office/drawing/2010/main" w="9525">
+                <a14:hiddenLine xmlns:a14="http://schemas.microsoft.com/office/drawing/2010/main" xmlns="" w="9525">
                   <a:solidFill>
                     <a:srgbClr val="000000"/>
                   </a:solidFill>
@@ -14260,7 +16611,7 @@
           <a:noFill/>
           <a:extLst>
             <a:ext uri="{909E8E84-426E-40dd-AFC4-6F175D3DCCD1}">
-              <a14:hiddenFill xmlns="" xmlns:a14="http://schemas.microsoft.com/office/drawing/2010/main">
+              <a14:hiddenFill xmlns:a14="http://schemas.microsoft.com/office/drawing/2010/main" xmlns="">
                 <a:solidFill>
                   <a:srgbClr val="FFFFFF"/>
                 </a:solidFill>
@@ -14334,7 +16685,7 @@
               </a:ln>
               <a:extLst>
                 <a:ext uri="{91240B29-F687-4f45-9708-019B960494DF}">
-                  <a14:hiddenLine xmlns="" xmlns:a14="http://schemas.microsoft.com/office/drawing/2010/main" w="9525">
+                  <a14:hiddenLine xmlns:a14="http://schemas.microsoft.com/office/drawing/2010/main" xmlns="" w="9525">
                     <a:solidFill>
                       <a:srgbClr val="000000"/>
                     </a:solidFill>
@@ -14424,7 +16775,7 @@
               </a:ln>
               <a:extLst>
                 <a:ext uri="{91240B29-F687-4f45-9708-019B960494DF}">
-                  <a14:hiddenLine xmlns="" xmlns:a14="http://schemas.microsoft.com/office/drawing/2010/main" w="9525">
+                  <a14:hiddenLine xmlns:a14="http://schemas.microsoft.com/office/drawing/2010/main" xmlns="" w="9525">
                     <a:solidFill>
                       <a:srgbClr val="000000"/>
                     </a:solidFill>
@@ -14514,7 +16865,7 @@
               </a:ln>
               <a:extLst>
                 <a:ext uri="{91240B29-F687-4f45-9708-019B960494DF}">
-                  <a14:hiddenLine xmlns="" xmlns:a14="http://schemas.microsoft.com/office/drawing/2010/main" w="9525">
+                  <a14:hiddenLine xmlns:a14="http://schemas.microsoft.com/office/drawing/2010/main" xmlns="" w="9525">
                     <a:solidFill>
                       <a:srgbClr val="000000"/>
                     </a:solidFill>
@@ -14576,7 +16927,7 @@
               </a:ln>
               <a:extLst>
                 <a:ext uri="{91240B29-F687-4f45-9708-019B960494DF}">
-                  <a14:hiddenLine xmlns="" xmlns:a14="http://schemas.microsoft.com/office/drawing/2010/main" w="9525">
+                  <a14:hiddenLine xmlns:a14="http://schemas.microsoft.com/office/drawing/2010/main" xmlns="" w="9525">
                     <a:solidFill>
                       <a:srgbClr val="000000"/>
                     </a:solidFill>
@@ -14666,7 +17017,7 @@
               </a:ln>
               <a:extLst>
                 <a:ext uri="{91240B29-F687-4f45-9708-019B960494DF}">
-                  <a14:hiddenLine xmlns="" xmlns:a14="http://schemas.microsoft.com/office/drawing/2010/main" w="9525">
+                  <a14:hiddenLine xmlns:a14="http://schemas.microsoft.com/office/drawing/2010/main" xmlns="" w="9525">
                     <a:solidFill>
                       <a:srgbClr val="000000"/>
                     </a:solidFill>
@@ -14728,7 +17079,7 @@
               </a:ln>
               <a:extLst>
                 <a:ext uri="{91240B29-F687-4f45-9708-019B960494DF}">
-                  <a14:hiddenLine xmlns="" xmlns:a14="http://schemas.microsoft.com/office/drawing/2010/main" w="9525">
+                  <a14:hiddenLine xmlns:a14="http://schemas.microsoft.com/office/drawing/2010/main" xmlns="" w="9525">
                     <a:solidFill>
                       <a:srgbClr val="000000"/>
                     </a:solidFill>
@@ -14790,7 +17141,7 @@
               </a:ln>
               <a:extLst>
                 <a:ext uri="{91240B29-F687-4f45-9708-019B960494DF}">
-                  <a14:hiddenLine xmlns="" xmlns:a14="http://schemas.microsoft.com/office/drawing/2010/main" w="9525">
+                  <a14:hiddenLine xmlns:a14="http://schemas.microsoft.com/office/drawing/2010/main" xmlns="" w="9525">
                     <a:solidFill>
                       <a:srgbClr val="000000"/>
                     </a:solidFill>
@@ -14880,7 +17231,7 @@
               </a:ln>
               <a:extLst>
                 <a:ext uri="{91240B29-F687-4f45-9708-019B960494DF}">
-                  <a14:hiddenLine xmlns="" xmlns:a14="http://schemas.microsoft.com/office/drawing/2010/main" w="9525">
+                  <a14:hiddenLine xmlns:a14="http://schemas.microsoft.com/office/drawing/2010/main" xmlns="" w="9525">
                     <a:solidFill>
                       <a:srgbClr val="000000"/>
                     </a:solidFill>
@@ -14970,7 +17321,7 @@
               </a:ln>
               <a:extLst>
                 <a:ext uri="{91240B29-F687-4f45-9708-019B960494DF}">
-                  <a14:hiddenLine xmlns="" xmlns:a14="http://schemas.microsoft.com/office/drawing/2010/main" w="9525">
+                  <a14:hiddenLine xmlns:a14="http://schemas.microsoft.com/office/drawing/2010/main" xmlns="" w="9525">
                     <a:solidFill>
                       <a:srgbClr val="000000"/>
                     </a:solidFill>
@@ -15032,7 +17383,7 @@
               </a:ln>
               <a:extLst>
                 <a:ext uri="{91240B29-F687-4f45-9708-019B960494DF}">
-                  <a14:hiddenLine xmlns="" xmlns:a14="http://schemas.microsoft.com/office/drawing/2010/main" w="9525">
+                  <a14:hiddenLine xmlns:a14="http://schemas.microsoft.com/office/drawing/2010/main" xmlns="" w="9525">
                     <a:solidFill>
                       <a:srgbClr val="000000"/>
                     </a:solidFill>
@@ -15142,7 +17493,7 @@
               </a:ln>
               <a:extLst>
                 <a:ext uri="{91240B29-F687-4f45-9708-019B960494DF}">
-                  <a14:hiddenLine xmlns="" xmlns:a14="http://schemas.microsoft.com/office/drawing/2010/main" w="9525">
+                  <a14:hiddenLine xmlns:a14="http://schemas.microsoft.com/office/drawing/2010/main" xmlns="" w="9525">
                     <a:solidFill>
                       <a:srgbClr val="000000"/>
                     </a:solidFill>
@@ -15226,7 +17577,7 @@
               </a:ln>
               <a:extLst>
                 <a:ext uri="{91240B29-F687-4f45-9708-019B960494DF}">
-                  <a14:hiddenLine xmlns="" xmlns:a14="http://schemas.microsoft.com/office/drawing/2010/main" w="9525">
+                  <a14:hiddenLine xmlns:a14="http://schemas.microsoft.com/office/drawing/2010/main" xmlns="" w="9525">
                     <a:solidFill>
                       <a:srgbClr val="000000"/>
                     </a:solidFill>
@@ -15288,7 +17639,7 @@
               </a:ln>
               <a:extLst>
                 <a:ext uri="{91240B29-F687-4f45-9708-019B960494DF}">
-                  <a14:hiddenLine xmlns="" xmlns:a14="http://schemas.microsoft.com/office/drawing/2010/main" w="9525">
+                  <a14:hiddenLine xmlns:a14="http://schemas.microsoft.com/office/drawing/2010/main" xmlns="" w="9525">
                     <a:solidFill>
                       <a:srgbClr val="000000"/>
                     </a:solidFill>
@@ -15350,7 +17701,7 @@
               </a:ln>
               <a:extLst>
                 <a:ext uri="{91240B29-F687-4f45-9708-019B960494DF}">
-                  <a14:hiddenLine xmlns="" xmlns:a14="http://schemas.microsoft.com/office/drawing/2010/main" w="9525">
+                  <a14:hiddenLine xmlns:a14="http://schemas.microsoft.com/office/drawing/2010/main" xmlns="" w="9525">
                     <a:solidFill>
                       <a:srgbClr val="000000"/>
                     </a:solidFill>
@@ -15440,7 +17791,7 @@
               </a:ln>
               <a:extLst>
                 <a:ext uri="{91240B29-F687-4f45-9708-019B960494DF}">
-                  <a14:hiddenLine xmlns="" xmlns:a14="http://schemas.microsoft.com/office/drawing/2010/main" w="9525">
+                  <a14:hiddenLine xmlns:a14="http://schemas.microsoft.com/office/drawing/2010/main" xmlns="" w="9525">
                     <a:solidFill>
                       <a:srgbClr val="000000"/>
                     </a:solidFill>
@@ -15474,7 +17825,7 @@
               </a:ln>
               <a:extLst>
                 <a:ext uri="{91240B29-F687-4f45-9708-019B960494DF}">
-                  <a14:hiddenLine xmlns="" xmlns:a14="http://schemas.microsoft.com/office/drawing/2010/main" w="9525">
+                  <a14:hiddenLine xmlns:a14="http://schemas.microsoft.com/office/drawing/2010/main" xmlns="" w="9525">
                     <a:solidFill>
                       <a:srgbClr val="000000"/>
                     </a:solidFill>
@@ -15539,7 +17890,7 @@
               </a:ln>
               <a:extLst>
                 <a:ext uri="{91240B29-F687-4f45-9708-019B960494DF}">
-                  <a14:hiddenLine xmlns="" xmlns:a14="http://schemas.microsoft.com/office/drawing/2010/main" w="9525">
+                  <a14:hiddenLine xmlns:a14="http://schemas.microsoft.com/office/drawing/2010/main" xmlns="" w="9525">
                     <a:solidFill>
                       <a:srgbClr val="000000"/>
                     </a:solidFill>
@@ -15629,7 +17980,7 @@
               </a:ln>
               <a:extLst>
                 <a:ext uri="{91240B29-F687-4f45-9708-019B960494DF}">
-                  <a14:hiddenLine xmlns="" xmlns:a14="http://schemas.microsoft.com/office/drawing/2010/main" w="9525">
+                  <a14:hiddenLine xmlns:a14="http://schemas.microsoft.com/office/drawing/2010/main" xmlns="" w="9525">
                     <a:solidFill>
                       <a:srgbClr val="000000"/>
                     </a:solidFill>
@@ -15691,7 +18042,7 @@
               </a:ln>
               <a:extLst>
                 <a:ext uri="{91240B29-F687-4f45-9708-019B960494DF}">
-                  <a14:hiddenLine xmlns="" xmlns:a14="http://schemas.microsoft.com/office/drawing/2010/main" w="9525">
+                  <a14:hiddenLine xmlns:a14="http://schemas.microsoft.com/office/drawing/2010/main" xmlns="" w="9525">
                     <a:solidFill>
                       <a:srgbClr val="000000"/>
                     </a:solidFill>
@@ -15781,7 +18132,7 @@
               </a:ln>
               <a:extLst>
                 <a:ext uri="{91240B29-F687-4f45-9708-019B960494DF}">
-                  <a14:hiddenLine xmlns="" xmlns:a14="http://schemas.microsoft.com/office/drawing/2010/main" w="9525">
+                  <a14:hiddenLine xmlns:a14="http://schemas.microsoft.com/office/drawing/2010/main" xmlns="" w="9525">
                     <a:solidFill>
                       <a:srgbClr val="000000"/>
                     </a:solidFill>
@@ -15846,7 +18197,7 @@
               </a:ln>
               <a:extLst>
                 <a:ext uri="{91240B29-F687-4f45-9708-019B960494DF}">
-                  <a14:hiddenLine xmlns="" xmlns:a14="http://schemas.microsoft.com/office/drawing/2010/main" w="9525">
+                  <a14:hiddenLine xmlns:a14="http://schemas.microsoft.com/office/drawing/2010/main" xmlns="" w="9525">
                     <a:solidFill>
                       <a:srgbClr val="000000"/>
                     </a:solidFill>
@@ -15908,7 +18259,7 @@
               </a:ln>
               <a:extLst>
                 <a:ext uri="{91240B29-F687-4f45-9708-019B960494DF}">
-                  <a14:hiddenLine xmlns="" xmlns:a14="http://schemas.microsoft.com/office/drawing/2010/main" w="9525">
+                  <a14:hiddenLine xmlns:a14="http://schemas.microsoft.com/office/drawing/2010/main" xmlns="" w="9525">
                     <a:solidFill>
                       <a:srgbClr val="000000"/>
                     </a:solidFill>
@@ -15998,7 +18349,7 @@
               </a:ln>
               <a:extLst>
                 <a:ext uri="{91240B29-F687-4f45-9708-019B960494DF}">
-                  <a14:hiddenLine xmlns="" xmlns:a14="http://schemas.microsoft.com/office/drawing/2010/main" w="9525">
+                  <a14:hiddenLine xmlns:a14="http://schemas.microsoft.com/office/drawing/2010/main" xmlns="" w="9525">
                     <a:solidFill>
                       <a:srgbClr val="000000"/>
                     </a:solidFill>
@@ -16088,7 +18439,7 @@
               </a:ln>
               <a:extLst>
                 <a:ext uri="{91240B29-F687-4f45-9708-019B960494DF}">
-                  <a14:hiddenLine xmlns="" xmlns:a14="http://schemas.microsoft.com/office/drawing/2010/main" w="9525">
+                  <a14:hiddenLine xmlns:a14="http://schemas.microsoft.com/office/drawing/2010/main" xmlns="" w="9525">
                     <a:solidFill>
                       <a:srgbClr val="000000"/>
                     </a:solidFill>
@@ -16153,7 +18504,7 @@
               </a:ln>
               <a:extLst>
                 <a:ext uri="{91240B29-F687-4f45-9708-019B960494DF}">
-                  <a14:hiddenLine xmlns="" xmlns:a14="http://schemas.microsoft.com/office/drawing/2010/main" w="9525">
+                  <a14:hiddenLine xmlns:a14="http://schemas.microsoft.com/office/drawing/2010/main" xmlns="" w="9525">
                     <a:solidFill>
                       <a:srgbClr val="000000"/>
                     </a:solidFill>
@@ -16273,7 +18624,7 @@
               </a:ln>
               <a:extLst>
                 <a:ext uri="{91240B29-F687-4f45-9708-019B960494DF}">
-                  <a14:hiddenLine xmlns="" xmlns:a14="http://schemas.microsoft.com/office/drawing/2010/main" w="9525">
+                  <a14:hiddenLine xmlns:a14="http://schemas.microsoft.com/office/drawing/2010/main" xmlns="" w="9525">
                     <a:solidFill>
                       <a:srgbClr val="000000"/>
                     </a:solidFill>
@@ -16371,7 +18722,7 @@
               </a:ln>
               <a:extLst>
                 <a:ext uri="{91240B29-F687-4f45-9708-019B960494DF}">
-                  <a14:hiddenLine xmlns="" xmlns:a14="http://schemas.microsoft.com/office/drawing/2010/main" w="9525">
+                  <a14:hiddenLine xmlns:a14="http://schemas.microsoft.com/office/drawing/2010/main" xmlns="" w="9525">
                     <a:solidFill>
                       <a:srgbClr val="000000"/>
                     </a:solidFill>
@@ -16486,7 +18837,7 @@
               </a:ln>
               <a:extLst>
                 <a:ext uri="{91240B29-F687-4f45-9708-019B960494DF}">
-                  <a14:hiddenLine xmlns="" xmlns:a14="http://schemas.microsoft.com/office/drawing/2010/main" w="9525">
+                  <a14:hiddenLine xmlns:a14="http://schemas.microsoft.com/office/drawing/2010/main" xmlns="" w="9525">
                     <a:solidFill>
                       <a:srgbClr val="000000"/>
                     </a:solidFill>
@@ -16576,7 +18927,7 @@
               </a:ln>
               <a:extLst>
                 <a:ext uri="{91240B29-F687-4f45-9708-019B960494DF}">
-                  <a14:hiddenLine xmlns="" xmlns:a14="http://schemas.microsoft.com/office/drawing/2010/main" w="9525">
+                  <a14:hiddenLine xmlns:a14="http://schemas.microsoft.com/office/drawing/2010/main" xmlns="" w="9525">
                     <a:solidFill>
                       <a:srgbClr val="000000"/>
                     </a:solidFill>
@@ -16641,7 +18992,7 @@
               </a:ln>
               <a:extLst>
                 <a:ext uri="{91240B29-F687-4f45-9708-019B960494DF}">
-                  <a14:hiddenLine xmlns="" xmlns:a14="http://schemas.microsoft.com/office/drawing/2010/main" w="9525">
+                  <a14:hiddenLine xmlns:a14="http://schemas.microsoft.com/office/drawing/2010/main" xmlns="" w="9525">
                     <a:solidFill>
                       <a:srgbClr val="000000"/>
                     </a:solidFill>
@@ -16731,7 +19082,7 @@
               </a:ln>
               <a:extLst>
                 <a:ext uri="{91240B29-F687-4f45-9708-019B960494DF}">
-                  <a14:hiddenLine xmlns="" xmlns:a14="http://schemas.microsoft.com/office/drawing/2010/main" w="9525">
+                  <a14:hiddenLine xmlns:a14="http://schemas.microsoft.com/office/drawing/2010/main" xmlns="" w="9525">
                     <a:solidFill>
                       <a:srgbClr val="000000"/>
                     </a:solidFill>
@@ -16799,7 +19150,7 @@
               </a:ln>
               <a:extLst>
                 <a:ext uri="{91240B29-F687-4f45-9708-019B960494DF}">
-                  <a14:hiddenLine xmlns="" xmlns:a14="http://schemas.microsoft.com/office/drawing/2010/main" w="9525">
+                  <a14:hiddenLine xmlns:a14="http://schemas.microsoft.com/office/drawing/2010/main" xmlns="" w="9525">
                     <a:solidFill>
                       <a:srgbClr val="000000"/>
                     </a:solidFill>
@@ -16889,7 +19240,7 @@
               </a:ln>
               <a:extLst>
                 <a:ext uri="{91240B29-F687-4f45-9708-019B960494DF}">
-                  <a14:hiddenLine xmlns="" xmlns:a14="http://schemas.microsoft.com/office/drawing/2010/main" w="9525">
+                  <a14:hiddenLine xmlns:a14="http://schemas.microsoft.com/office/drawing/2010/main" xmlns="" w="9525">
                     <a:solidFill>
                       <a:srgbClr val="000000"/>
                     </a:solidFill>
@@ -16957,7 +19308,7 @@
               </a:ln>
               <a:extLst>
                 <a:ext uri="{91240B29-F687-4f45-9708-019B960494DF}">
-                  <a14:hiddenLine xmlns="" xmlns:a14="http://schemas.microsoft.com/office/drawing/2010/main" w="9525">
+                  <a14:hiddenLine xmlns:a14="http://schemas.microsoft.com/office/drawing/2010/main" xmlns="" w="9525">
                     <a:solidFill>
                       <a:srgbClr val="000000"/>
                     </a:solidFill>
@@ -17047,7 +19398,7 @@
               </a:ln>
               <a:extLst>
                 <a:ext uri="{91240B29-F687-4f45-9708-019B960494DF}">
-                  <a14:hiddenLine xmlns="" xmlns:a14="http://schemas.microsoft.com/office/drawing/2010/main" w="9525">
+                  <a14:hiddenLine xmlns:a14="http://schemas.microsoft.com/office/drawing/2010/main" xmlns="" w="9525">
                     <a:solidFill>
                       <a:srgbClr val="000000"/>
                     </a:solidFill>
@@ -17081,7 +19432,7 @@
               </a:ln>
               <a:extLst>
                 <a:ext uri="{91240B29-F687-4f45-9708-019B960494DF}">
-                  <a14:hiddenLine xmlns="" xmlns:a14="http://schemas.microsoft.com/office/drawing/2010/main" w="9525">
+                  <a14:hiddenLine xmlns:a14="http://schemas.microsoft.com/office/drawing/2010/main" xmlns="" w="9525">
                     <a:solidFill>
                       <a:srgbClr val="000000"/>
                     </a:solidFill>
@@ -17811,6 +20162,95 @@
           <a:p>
             <a:r>
               <a:rPr lang="en-IN" dirty="0" smtClean="0"/>
+              <a:t>EADAS Case Design</a:t>
+            </a:r>
+            <a:endParaRPr lang="en-IN" dirty="0"/>
+          </a:p>
+        </p:txBody>
+      </p:sp>
+      <p:pic>
+        <p:nvPicPr>
+          <p:cNvPr id="4" name="Content Placeholder 3"/>
+          <p:cNvPicPr>
+            <a:picLocks noGrp="1" noChangeAspect="1"/>
+          </p:cNvPicPr>
+          <p:nvPr>
+            <p:ph idx="1"/>
+          </p:nvPr>
+        </p:nvPicPr>
+        <p:blipFill>
+          <a:blip r:embed="rId2">
+            <a:extLst>
+              <a:ext uri="{28A0092B-C50C-407E-A947-70E740481C1C}">
+                <a14:useLocalDpi xmlns:a14="http://schemas.microsoft.com/office/drawing/2010/main" val="0"/>
+              </a:ext>
+            </a:extLst>
+          </a:blip>
+          <a:stretch>
+            <a:fillRect/>
+          </a:stretch>
+        </p:blipFill>
+        <p:spPr>
+          <a:xfrm>
+            <a:off x="2324687" y="2097088"/>
+            <a:ext cx="7539450" cy="4206795"/>
+          </a:xfrm>
+        </p:spPr>
+      </p:pic>
+    </p:spTree>
+    <p:extLst>
+      <p:ext uri="{BB962C8B-B14F-4D97-AF65-F5344CB8AC3E}">
+        <p14:creationId xmlns:p14="http://schemas.microsoft.com/office/powerpoint/2010/main" val="734350310"/>
+      </p:ext>
+    </p:extLst>
+  </p:cSld>
+  <p:clrMapOvr>
+    <a:masterClrMapping/>
+  </p:clrMapOvr>
+  <p:timing>
+    <p:tnLst>
+      <p:par>
+        <p:cTn id="1" dur="indefinite" restart="never" nodeType="tmRoot"/>
+      </p:par>
+    </p:tnLst>
+  </p:timing>
+</p:sld>
+</file>
+
+<file path=ppt/slides/slide11.xml><?xml version="1.0" encoding="utf-8"?>
+<p:sld xmlns:a="http://schemas.openxmlformats.org/drawingml/2006/main" xmlns:r="http://schemas.openxmlformats.org/officeDocument/2006/relationships" xmlns:p="http://schemas.openxmlformats.org/presentationml/2006/main">
+  <p:cSld>
+    <p:spTree>
+      <p:nvGrpSpPr>
+        <p:cNvPr id="1" name=""/>
+        <p:cNvGrpSpPr/>
+        <p:nvPr/>
+      </p:nvGrpSpPr>
+      <p:grpSpPr>
+        <a:xfrm>
+          <a:off x="0" y="0"/>
+          <a:ext cx="0" cy="0"/>
+          <a:chOff x="0" y="0"/>
+          <a:chExt cx="0" cy="0"/>
+        </a:xfrm>
+      </p:grpSpPr>
+      <p:sp>
+        <p:nvSpPr>
+          <p:cNvPr id="2" name="Title 1"/>
+          <p:cNvSpPr>
+            <a:spLocks noGrp="1"/>
+          </p:cNvSpPr>
+          <p:nvPr>
+            <p:ph type="title"/>
+          </p:nvPr>
+        </p:nvSpPr>
+        <p:spPr/>
+        <p:txBody>
+          <a:bodyPr/>
+          <a:lstStyle/>
+          <a:p>
+            <a:r>
+              <a:rPr lang="en-IN" dirty="0" smtClean="0"/>
               <a:t>Issues/solution</a:t>
             </a:r>
             <a:endParaRPr lang="en-IN" dirty="0"/>
@@ -17984,7 +20424,7 @@
 </p:sld>
 </file>
 
-<file path=ppt/slides/slide11.xml><?xml version="1.0" encoding="utf-8"?>
+<file path=ppt/slides/slide12.xml><?xml version="1.0" encoding="utf-8"?>
 <p:sld xmlns:a="http://schemas.openxmlformats.org/drawingml/2006/main" xmlns:r="http://schemas.openxmlformats.org/officeDocument/2006/relationships" xmlns:p="http://schemas.openxmlformats.org/presentationml/2006/main">
   <p:cSld>
     <p:spTree>
@@ -18051,7 +20491,7 @@
 </p:sld>
 </file>
 
-<file path=ppt/slides/slide12.xml><?xml version="1.0" encoding="utf-8"?>
+<file path=ppt/slides/slide13.xml><?xml version="1.0" encoding="utf-8"?>
 <p:sld xmlns:a="http://schemas.openxmlformats.org/drawingml/2006/main" xmlns:r="http://schemas.openxmlformats.org/officeDocument/2006/relationships" xmlns:p="http://schemas.openxmlformats.org/presentationml/2006/main">
   <p:cSld>
     <p:spTree>
@@ -18136,7 +20576,7 @@
 </p:sld>
 </file>
 
-<file path=ppt/slides/slide13.xml><?xml version="1.0" encoding="utf-8"?>
+<file path=ppt/slides/slide14.xml><?xml version="1.0" encoding="utf-8"?>
 <p:sld xmlns:a="http://schemas.openxmlformats.org/drawingml/2006/main" xmlns:r="http://schemas.openxmlformats.org/officeDocument/2006/relationships" xmlns:p="http://schemas.openxmlformats.org/presentationml/2006/main">
   <p:cSld>
     <p:spTree>
@@ -18328,7 +20768,15 @@
             <a:pPr lvl="2"/>
             <a:r>
               <a:rPr lang="en-IN" dirty="0" smtClean="0"/>
-              <a:t>Heart rate to check for any spike or fall</a:t>
+              <a:t>Heart rate to </a:t>
+            </a:r>
+            <a:r>
+              <a:rPr lang="en-IN" dirty="0" smtClean="0"/>
+              <a:t>detect </a:t>
+            </a:r>
+            <a:r>
+              <a:rPr lang="en-IN" dirty="0" smtClean="0"/>
+              <a:t>spike or fall</a:t>
             </a:r>
           </a:p>
           <a:p>
@@ -19620,6 +22068,91 @@
           <a:lstStyle/>
           <a:p>
             <a:r>
+              <a:rPr lang="en-IN" dirty="0" err="1" smtClean="0"/>
+              <a:t>Sms</a:t>
+            </a:r>
+            <a:r>
+              <a:rPr lang="en-IN" dirty="0" smtClean="0"/>
+              <a:t> Alert Example</a:t>
+            </a:r>
+            <a:endParaRPr lang="en-IN" dirty="0"/>
+          </a:p>
+        </p:txBody>
+      </p:sp>
+      <p:pic>
+        <p:nvPicPr>
+          <p:cNvPr id="4" name="Content Placeholder 3"/>
+          <p:cNvPicPr>
+            <a:picLocks noGrp="1" noChangeAspect="1"/>
+          </p:cNvPicPr>
+          <p:nvPr>
+            <p:ph idx="1"/>
+          </p:nvPr>
+        </p:nvPicPr>
+        <p:blipFill rotWithShape="1">
+          <a:blip r:embed="rId2">
+            <a:extLst>
+              <a:ext uri="{28A0092B-C50C-407E-A947-70E740481C1C}">
+                <a14:useLocalDpi xmlns:a14="http://schemas.microsoft.com/office/drawing/2010/main" val="0"/>
+              </a:ext>
+            </a:extLst>
+          </a:blip>
+          <a:srcRect b="66787"/>
+          <a:stretch/>
+        </p:blipFill>
+        <p:spPr>
+          <a:xfrm>
+            <a:off x="3437569" y="2661612"/>
+            <a:ext cx="5313685" cy="2773272"/>
+          </a:xfrm>
+        </p:spPr>
+      </p:pic>
+    </p:spTree>
+    <p:extLst>
+      <p:ext uri="{BB962C8B-B14F-4D97-AF65-F5344CB8AC3E}">
+        <p14:creationId xmlns:p14="http://schemas.microsoft.com/office/powerpoint/2010/main" val="3761159770"/>
+      </p:ext>
+    </p:extLst>
+  </p:cSld>
+  <p:clrMapOvr>
+    <a:masterClrMapping/>
+  </p:clrMapOvr>
+</p:sld>
+</file>
+
+<file path=ppt/slides/slide7.xml><?xml version="1.0" encoding="utf-8"?>
+<p:sld xmlns:a="http://schemas.openxmlformats.org/drawingml/2006/main" xmlns:r="http://schemas.openxmlformats.org/officeDocument/2006/relationships" xmlns:p="http://schemas.openxmlformats.org/presentationml/2006/main">
+  <p:cSld>
+    <p:spTree>
+      <p:nvGrpSpPr>
+        <p:cNvPr id="1" name=""/>
+        <p:cNvGrpSpPr/>
+        <p:nvPr/>
+      </p:nvGrpSpPr>
+      <p:grpSpPr>
+        <a:xfrm>
+          <a:off x="0" y="0"/>
+          <a:ext cx="0" cy="0"/>
+          <a:chOff x="0" y="0"/>
+          <a:chExt cx="0" cy="0"/>
+        </a:xfrm>
+      </p:grpSpPr>
+      <p:sp>
+        <p:nvSpPr>
+          <p:cNvPr id="2" name="Title 1"/>
+          <p:cNvSpPr>
+            <a:spLocks noGrp="1"/>
+          </p:cNvSpPr>
+          <p:nvPr>
+            <p:ph type="title"/>
+          </p:nvPr>
+        </p:nvSpPr>
+        <p:spPr/>
+        <p:txBody>
+          <a:bodyPr/>
+          <a:lstStyle/>
+          <a:p>
+            <a:r>
               <a:rPr lang="en-IN" dirty="0" smtClean="0"/>
               <a:t>Software tools</a:t>
             </a:r>
@@ -19639,7 +22172,9 @@
         </p:nvSpPr>
         <p:spPr/>
         <p:txBody>
-          <a:bodyPr/>
+          <a:bodyPr>
+            <a:normAutofit lnSpcReduction="10000"/>
+          </a:bodyPr>
           <a:lstStyle/>
           <a:p>
             <a:r>
@@ -19660,6 +22195,35 @@
               <a:rPr lang="en-IN" dirty="0" smtClean="0"/>
               <a:t>management</a:t>
             </a:r>
+          </a:p>
+          <a:p>
+            <a:r>
+              <a:rPr lang="en-IN" dirty="0" err="1" smtClean="0"/>
+              <a:t>Kicad</a:t>
+            </a:r>
+            <a:r>
+              <a:rPr lang="en-IN" dirty="0" smtClean="0"/>
+              <a:t> – Schematic </a:t>
+            </a:r>
+            <a:r>
+              <a:rPr lang="en-IN" dirty="0"/>
+              <a:t>d</a:t>
+            </a:r>
+            <a:r>
+              <a:rPr lang="en-IN" dirty="0" smtClean="0"/>
+              <a:t>esign</a:t>
+            </a:r>
+          </a:p>
+          <a:p>
+            <a:r>
+              <a:rPr lang="en-IN" dirty="0" err="1" smtClean="0"/>
+              <a:t>SketchUp</a:t>
+            </a:r>
+            <a:r>
+              <a:rPr lang="en-IN" dirty="0" smtClean="0"/>
+              <a:t> – 3D design</a:t>
+            </a:r>
+            <a:endParaRPr lang="en-IN" dirty="0" smtClean="0"/>
           </a:p>
           <a:p>
             <a:r>
@@ -19712,7 +22276,7 @@
 </p:sld>
 </file>
 
-<file path=ppt/slides/slide7.xml><?xml version="1.0" encoding="utf-8"?>
+<file path=ppt/slides/slide8.xml><?xml version="1.0" encoding="utf-8"?>
 <p:sld xmlns:a="http://schemas.openxmlformats.org/drawingml/2006/main" xmlns:r="http://schemas.openxmlformats.org/officeDocument/2006/relationships" xmlns:p="http://schemas.openxmlformats.org/presentationml/2006/main">
   <p:cSld>
     <p:spTree>
@@ -19885,7 +22449,7 @@
 </p:sld>
 </file>
 
-<file path=ppt/slides/slide8.xml><?xml version="1.0" encoding="utf-8"?>
+<file path=ppt/slides/slide9.xml><?xml version="1.0" encoding="utf-8"?>
 <p:sld xmlns:a="http://schemas.openxmlformats.org/drawingml/2006/main" xmlns:r="http://schemas.openxmlformats.org/officeDocument/2006/relationships" xmlns:p="http://schemas.openxmlformats.org/presentationml/2006/main">
   <p:cSld>
     <p:spTree>
@@ -21878,95 +24442,6 @@
 </p:sld>
 </file>
 
-<file path=ppt/slides/slide9.xml><?xml version="1.0" encoding="utf-8"?>
-<p:sld xmlns:a="http://schemas.openxmlformats.org/drawingml/2006/main" xmlns:r="http://schemas.openxmlformats.org/officeDocument/2006/relationships" xmlns:p="http://schemas.openxmlformats.org/presentationml/2006/main">
-  <p:cSld>
-    <p:spTree>
-      <p:nvGrpSpPr>
-        <p:cNvPr id="1" name=""/>
-        <p:cNvGrpSpPr/>
-        <p:nvPr/>
-      </p:nvGrpSpPr>
-      <p:grpSpPr>
-        <a:xfrm>
-          <a:off x="0" y="0"/>
-          <a:ext cx="0" cy="0"/>
-          <a:chOff x="0" y="0"/>
-          <a:chExt cx="0" cy="0"/>
-        </a:xfrm>
-      </p:grpSpPr>
-      <p:sp>
-        <p:nvSpPr>
-          <p:cNvPr id="2" name="Title 1"/>
-          <p:cNvSpPr>
-            <a:spLocks noGrp="1"/>
-          </p:cNvSpPr>
-          <p:nvPr>
-            <p:ph type="title"/>
-          </p:nvPr>
-        </p:nvSpPr>
-        <p:spPr/>
-        <p:txBody>
-          <a:bodyPr/>
-          <a:lstStyle/>
-          <a:p>
-            <a:r>
-              <a:rPr lang="en-IN" dirty="0" smtClean="0"/>
-              <a:t>EADAS Case Design</a:t>
-            </a:r>
-            <a:endParaRPr lang="en-IN" dirty="0"/>
-          </a:p>
-        </p:txBody>
-      </p:sp>
-      <p:pic>
-        <p:nvPicPr>
-          <p:cNvPr id="4" name="Content Placeholder 3"/>
-          <p:cNvPicPr>
-            <a:picLocks noGrp="1" noChangeAspect="1"/>
-          </p:cNvPicPr>
-          <p:nvPr>
-            <p:ph idx="1"/>
-          </p:nvPr>
-        </p:nvPicPr>
-        <p:blipFill>
-          <a:blip r:embed="rId2">
-            <a:extLst>
-              <a:ext uri="{28A0092B-C50C-407E-A947-70E740481C1C}">
-                <a14:useLocalDpi xmlns:a14="http://schemas.microsoft.com/office/drawing/2010/main" val="0"/>
-              </a:ext>
-            </a:extLst>
-          </a:blip>
-          <a:stretch>
-            <a:fillRect/>
-          </a:stretch>
-        </p:blipFill>
-        <p:spPr>
-          <a:xfrm>
-            <a:off x="2324687" y="2097088"/>
-            <a:ext cx="7539450" cy="4206795"/>
-          </a:xfrm>
-        </p:spPr>
-      </p:pic>
-    </p:spTree>
-    <p:extLst>
-      <p:ext uri="{BB962C8B-B14F-4D97-AF65-F5344CB8AC3E}">
-        <p14:creationId xmlns:p14="http://schemas.microsoft.com/office/powerpoint/2010/main" val="734350310"/>
-      </p:ext>
-    </p:extLst>
-  </p:cSld>
-  <p:clrMapOvr>
-    <a:masterClrMapping/>
-  </p:clrMapOvr>
-  <p:timing>
-    <p:tnLst>
-      <p:par>
-        <p:cTn id="1" dur="indefinite" restart="never" nodeType="tmRoot"/>
-      </p:par>
-    </p:tnLst>
-  </p:timing>
-</p:sld>
-</file>
-
 <file path=ppt/theme/theme1.xml><?xml version="1.0" encoding="utf-8"?>
 <a:theme xmlns:a="http://schemas.openxmlformats.org/drawingml/2006/main" name="Circuit">
   <a:themeElements>

--- a/EADAS - 12-7.pptx
+++ b/EADAS - 12-7.pptx
@@ -22316,119 +22316,31 @@
           </a:p>
         </p:txBody>
       </p:sp>
-      <p:sp>
-        <p:nvSpPr>
-          <p:cNvPr id="4" name="Rectangle 3"/>
-          <p:cNvSpPr/>
+      <p:pic>
+        <p:nvPicPr>
+          <p:cNvPr id="5" name="Picture 4"/>
+          <p:cNvPicPr/>
           <p:nvPr/>
-        </p:nvSpPr>
+        </p:nvPicPr>
+        <p:blipFill>
+          <a:blip r:embed="rId2"/>
+          <a:stretch>
+            <a:fillRect/>
+          </a:stretch>
+        </p:blipFill>
         <p:spPr>
           <a:xfrm>
-            <a:off x="1575223" y="2586486"/>
-            <a:ext cx="9038377" cy="2158457"/>
+            <a:off x="3185325" y="2612243"/>
+            <a:ext cx="5818174" cy="2301047"/>
           </a:xfrm>
           <a:prstGeom prst="rect">
             <a:avLst/>
           </a:prstGeom>
-          <a:noFill/>
+          <a:ln>
+            <a:noFill/>
+          </a:ln>
         </p:spPr>
-        <p:txBody>
-          <a:bodyPr wrap="none" lIns="91440" tIns="45720" rIns="91440" bIns="45720">
-            <a:prstTxWarp prst="textCurveDown">
-              <a:avLst/>
-            </a:prstTxWarp>
-            <a:spAutoFit/>
-          </a:bodyPr>
-          <a:lstStyle/>
-          <a:p>
-            <a:pPr algn="ctr"/>
-            <a:r>
-              <a:rPr lang="en-IN" sz="5400" b="1" dirty="0" smtClean="0">
-                <a:ln w="10160">
-                  <a:solidFill>
-                    <a:schemeClr val="accent5"/>
-                  </a:solidFill>
-                  <a:prstDash val="solid"/>
-                </a:ln>
-                <a:solidFill>
-                  <a:srgbClr val="FFFFFF"/>
-                </a:solidFill>
-                <a:effectLst>
-                  <a:outerShdw blurRad="38100" dist="22860" dir="5400000" algn="tl" rotWithShape="0">
-                    <a:srgbClr val="000000">
-                      <a:alpha val="30000"/>
-                    </a:srgbClr>
-                  </a:outerShdw>
-                </a:effectLst>
-              </a:rPr>
-              <a:t>A long time ago, in a galaxy </a:t>
-            </a:r>
-          </a:p>
-          <a:p>
-            <a:pPr algn="ctr"/>
-            <a:r>
-              <a:rPr lang="en-IN" sz="5400" b="1" dirty="0">
-                <a:ln w="10160">
-                  <a:solidFill>
-                    <a:schemeClr val="accent5"/>
-                  </a:solidFill>
-                  <a:prstDash val="solid"/>
-                </a:ln>
-                <a:solidFill>
-                  <a:srgbClr val="FFFFFF"/>
-                </a:solidFill>
-                <a:effectLst>
-                  <a:outerShdw blurRad="38100" dist="22860" dir="5400000" algn="tl" rotWithShape="0">
-                    <a:srgbClr val="000000">
-                      <a:alpha val="30000"/>
-                    </a:srgbClr>
-                  </a:outerShdw>
-                </a:effectLst>
-              </a:rPr>
-              <a:t>f</a:t>
-            </a:r>
-            <a:r>
-              <a:rPr lang="en-IN" sz="5400" b="1" dirty="0" smtClean="0">
-                <a:ln w="10160">
-                  <a:solidFill>
-                    <a:schemeClr val="accent5"/>
-                  </a:solidFill>
-                  <a:prstDash val="solid"/>
-                </a:ln>
-                <a:solidFill>
-                  <a:srgbClr val="FFFFFF"/>
-                </a:solidFill>
-                <a:effectLst>
-                  <a:outerShdw blurRad="38100" dist="22860" dir="5400000" algn="tl" rotWithShape="0">
-                    <a:srgbClr val="000000">
-                      <a:alpha val="30000"/>
-                    </a:srgbClr>
-                  </a:outerShdw>
-                </a:effectLst>
-              </a:rPr>
-              <a:t>ar, far away…</a:t>
-            </a:r>
-            <a:endParaRPr lang="en-IN" sz="5400" b="1" dirty="0">
-              <a:ln w="10160">
-                <a:solidFill>
-                  <a:schemeClr val="accent5"/>
-                </a:solidFill>
-                <a:prstDash val="solid"/>
-              </a:ln>
-              <a:solidFill>
-                <a:srgbClr val="FFFFFF"/>
-              </a:solidFill>
-              <a:effectLst>
-                <a:outerShdw blurRad="38100" dist="22860" dir="5400000" algn="tl" rotWithShape="0">
-                  <a:srgbClr val="000000">
-                    <a:alpha val="30000"/>
-                  </a:srgbClr>
-                </a:outerShdw>
-              </a:effectLst>
-            </a:endParaRPr>
-          </a:p>
-        </p:txBody>
-      </p:sp>
+      </p:pic>
     </p:spTree>
     <p:extLst>
       <p:ext uri="{BB962C8B-B14F-4D97-AF65-F5344CB8AC3E}">

--- a/EADAS - 12-7.pptx
+++ b/EADAS - 12-7.pptx
@@ -2363,45 +2363,45 @@
     </dgm:pt>
   </dgm:ptLst>
   <dgm:cxnLst>
+    <dgm:cxn modelId="{68A2EE0D-3397-439F-B1DF-D32455C4649E}" srcId="{2FB12820-BFC5-454C-9787-61A53B0E9994}" destId="{32590F4F-516D-4DC7-88C9-4D316DE1ACD0}" srcOrd="4" destOrd="0" parTransId="{827D1EF0-F38B-4CE2-A294-0331E4C5FD81}" sibTransId="{6D9C4255-C055-4A14-9F65-72FF33284BAA}"/>
+    <dgm:cxn modelId="{0FF30198-A56E-4EF1-962B-1E56CA501DCC}" type="presOf" srcId="{4C3CFDD8-4C2A-401B-8B8C-1C4CB05530F5}" destId="{BE84B352-6350-49CA-A0E0-E680EAC5A2F7}" srcOrd="0" destOrd="0" presId="urn:microsoft.com/office/officeart/2005/8/layout/bProcess3"/>
     <dgm:cxn modelId="{78E13E71-B725-4855-80F9-1418DFEBCB22}" type="presOf" srcId="{B573ADB8-4670-49BB-8FA7-AA94CD2AC0BB}" destId="{70B5A6B8-6481-4237-AAE5-1BC885BF910D}" srcOrd="1" destOrd="0" presId="urn:microsoft.com/office/officeart/2005/8/layout/bProcess3"/>
-    <dgm:cxn modelId="{0FF30198-A56E-4EF1-962B-1E56CA501DCC}" type="presOf" srcId="{4C3CFDD8-4C2A-401B-8B8C-1C4CB05530F5}" destId="{BE84B352-6350-49CA-A0E0-E680EAC5A2F7}" srcOrd="0" destOrd="0" presId="urn:microsoft.com/office/officeart/2005/8/layout/bProcess3"/>
+    <dgm:cxn modelId="{4268F731-5DDC-455D-9D68-8034D7C73576}" srcId="{2FB12820-BFC5-454C-9787-61A53B0E9994}" destId="{E15660AC-4016-462A-832E-322349063B80}" srcOrd="1" destOrd="0" parTransId="{E86BA27C-D530-47BE-9057-02D7712EEE73}" sibTransId="{AD2FC0CE-6613-4938-AE62-10406A58E601}"/>
+    <dgm:cxn modelId="{2DAB578F-1BBD-44E9-B64D-6727013375D8}" type="presOf" srcId="{B6F934CF-290B-4FA0-AAC7-3818C7555E65}" destId="{F0C0444C-63CE-47EC-AAC3-5852866E01FC}" srcOrd="0" destOrd="0" presId="urn:microsoft.com/office/officeart/2005/8/layout/bProcess3"/>
+    <dgm:cxn modelId="{1CD2D3B9-AD6B-4445-B8B4-59AE1031362F}" type="presOf" srcId="{BF9FA62E-7579-43B9-8FAF-374FF9D57A00}" destId="{94A59AA3-1B19-4363-97B0-4D19638B2975}" srcOrd="0" destOrd="0" presId="urn:microsoft.com/office/officeart/2005/8/layout/bProcess3"/>
+    <dgm:cxn modelId="{C1BBA867-FA4E-4A54-8044-C8C413995ACD}" type="presOf" srcId="{E5AD4D4A-DB5E-479A-9465-8998121777F0}" destId="{A489D72E-D714-41EB-A491-8410D3477EDA}" srcOrd="1" destOrd="0" presId="urn:microsoft.com/office/officeart/2005/8/layout/bProcess3"/>
+    <dgm:cxn modelId="{BB71C789-D007-4E05-9331-F835BFAC3C4F}" type="presOf" srcId="{B573ADB8-4670-49BB-8FA7-AA94CD2AC0BB}" destId="{3E7C6428-6DA4-4D25-858A-0DFEEDFF2E71}" srcOrd="0" destOrd="0" presId="urn:microsoft.com/office/officeart/2005/8/layout/bProcess3"/>
+    <dgm:cxn modelId="{D0E8FFC8-0D31-478F-BE2E-6A74EF0BB180}" type="presOf" srcId="{6B59BAF7-2038-440C-80F0-FD549C881FC6}" destId="{6FFAA269-3B12-4F15-88DB-B3C5BD70FAA7}" srcOrd="0" destOrd="0" presId="urn:microsoft.com/office/officeart/2005/8/layout/bProcess3"/>
+    <dgm:cxn modelId="{75A130DD-E4E7-43C5-8DC0-3A5E7A0693E1}" type="presOf" srcId="{07C291EB-1EBD-4E1D-A644-7A862E26DE25}" destId="{EEB5D5FB-5978-41F9-8B10-F0FEDB1B938D}" srcOrd="0" destOrd="0" presId="urn:microsoft.com/office/officeart/2005/8/layout/bProcess3"/>
+    <dgm:cxn modelId="{5DC2A8C3-306D-44BE-9904-EC3397C9DBF7}" type="presOf" srcId="{E15660AC-4016-462A-832E-322349063B80}" destId="{4A890EBE-B780-45D5-8A51-B1CB265B8AAE}" srcOrd="0" destOrd="0" presId="urn:microsoft.com/office/officeart/2005/8/layout/bProcess3"/>
+    <dgm:cxn modelId="{18BAEAEE-B172-4E88-A352-F79EC34A48B2}" type="presOf" srcId="{A19AE1EF-2A88-4A61-9C2A-3CE023B6E391}" destId="{A1015FA7-56BE-4BF1-972E-1B3C95ACCDAF}" srcOrd="1" destOrd="0" presId="urn:microsoft.com/office/officeart/2005/8/layout/bProcess3"/>
+    <dgm:cxn modelId="{3B43BE66-7F3E-44E0-8268-3FD672FF87D0}" type="presOf" srcId="{AD2FC0CE-6613-4938-AE62-10406A58E601}" destId="{145FE141-A9C8-42EC-BF09-1386421C1807}" srcOrd="0" destOrd="0" presId="urn:microsoft.com/office/officeart/2005/8/layout/bProcess3"/>
+    <dgm:cxn modelId="{0E573E6B-5054-4870-BFCE-63C0A87F74CB}" type="presOf" srcId="{A19AE1EF-2A88-4A61-9C2A-3CE023B6E391}" destId="{2E4734A0-54BF-44DD-942C-27E70798EE10}" srcOrd="0" destOrd="0" presId="urn:microsoft.com/office/officeart/2005/8/layout/bProcess3"/>
+    <dgm:cxn modelId="{F07E89B4-1E6A-4FFF-83E1-8A2CED8E2F70}" type="presOf" srcId="{136C1526-7866-406B-A77E-9EA111240E3C}" destId="{CBA5EEDD-9529-4AF3-A40E-AB230ED9F5E8}" srcOrd="0" destOrd="0" presId="urn:microsoft.com/office/officeart/2005/8/layout/bProcess3"/>
     <dgm:cxn modelId="{63A68D4C-D763-4084-85F7-375886C8CF7E}" type="presOf" srcId="{691C1182-2621-4D94-8064-4FB004350FA1}" destId="{902DF144-89EF-445D-9693-14DE3C070FF7}" srcOrd="1" destOrd="0" presId="urn:microsoft.com/office/officeart/2005/8/layout/bProcess3"/>
+    <dgm:cxn modelId="{1D73EDAD-973F-4086-9434-093A02AA8161}" type="presOf" srcId="{23A73FB3-7635-4F3F-A406-51BC12947BE1}" destId="{BFD6E834-940B-4D42-9CEB-0110FE058861}" srcOrd="0" destOrd="0" presId="urn:microsoft.com/office/officeart/2005/8/layout/bProcess3"/>
+    <dgm:cxn modelId="{FABB4D3B-C682-403B-9173-D38452F85767}" type="presOf" srcId="{32ABA6DA-6961-4EF2-A8C0-9789FACDECBF}" destId="{9EDB04EB-847E-4BCF-A3F1-995CAEE8E58A}" srcOrd="0" destOrd="0" presId="urn:microsoft.com/office/officeart/2005/8/layout/bProcess3"/>
+    <dgm:cxn modelId="{1024E824-313C-4061-9E24-DEB830F17B63}" srcId="{2FB12820-BFC5-454C-9787-61A53B0E9994}" destId="{32ABA6DA-6961-4EF2-A8C0-9789FACDECBF}" srcOrd="0" destOrd="0" parTransId="{CF88BD51-1163-4BE3-960D-ADE79FC7AA0F}" sibTransId="{691C1182-2621-4D94-8064-4FB004350FA1}"/>
+    <dgm:cxn modelId="{16702609-4CB6-4F72-AAE8-F8F4B0AA2293}" type="presOf" srcId="{88DBF64F-6FBF-4E14-A940-71DEC4A5925A}" destId="{53DF9181-241A-4A7C-9BEE-5009FCF2D5B5}" srcOrd="0" destOrd="0" presId="urn:microsoft.com/office/officeart/2005/8/layout/bProcess3"/>
+    <dgm:cxn modelId="{4C7031AB-8255-4AC8-9D1A-2961A004DD92}" type="presOf" srcId="{32590F4F-516D-4DC7-88C9-4D316DE1ACD0}" destId="{F3C8BFCA-9CC9-4C25-A54B-1525D2627BD3}" srcOrd="0" destOrd="0" presId="urn:microsoft.com/office/officeart/2005/8/layout/bProcess3"/>
+    <dgm:cxn modelId="{018F8B0A-A821-448E-9027-CA9FB297449B}" type="presOf" srcId="{691C1182-2621-4D94-8064-4FB004350FA1}" destId="{B3DF7052-FDAE-4F83-9F23-3EC25FBDFCBD}" srcOrd="0" destOrd="0" presId="urn:microsoft.com/office/officeart/2005/8/layout/bProcess3"/>
+    <dgm:cxn modelId="{F5CB99E2-60C0-4E87-91FF-EA38F6C3100A}" type="presOf" srcId="{3B8F518A-AC58-4143-AFD3-6CBBB94494C3}" destId="{34FB6637-BD61-4226-B789-D2E8D9DB4DFF}" srcOrd="0" destOrd="0" presId="urn:microsoft.com/office/officeart/2005/8/layout/bProcess3"/>
+    <dgm:cxn modelId="{6BBB4402-B105-4A98-B04B-EF41BDD6A04A}" srcId="{2FB12820-BFC5-454C-9787-61A53B0E9994}" destId="{88DBF64F-6FBF-4E14-A940-71DEC4A5925A}" srcOrd="9" destOrd="0" parTransId="{714930FA-E25B-4AD7-A44B-CCE517F48560}" sibTransId="{DC976F80-B5BA-430A-BB6C-549FC489A185}"/>
+    <dgm:cxn modelId="{52D9D26D-3DF1-48CA-8BF5-98230DBB75B3}" type="presOf" srcId="{6D9C4255-C055-4A14-9F65-72FF33284BAA}" destId="{CA7FC324-F4B5-4432-AAA5-C5AD37DEDD5B}" srcOrd="0" destOrd="0" presId="urn:microsoft.com/office/officeart/2005/8/layout/bProcess3"/>
+    <dgm:cxn modelId="{5D6FE326-C8CC-4FD6-97E1-2D822936C3AA}" type="presOf" srcId="{E5AD4D4A-DB5E-479A-9465-8998121777F0}" destId="{817866E2-1FDE-41EA-9AB1-66EFD00E7850}" srcOrd="0" destOrd="0" presId="urn:microsoft.com/office/officeart/2005/8/layout/bProcess3"/>
     <dgm:cxn modelId="{403E4E40-5228-445F-9D10-72A79782A6D6}" type="presOf" srcId="{6D9C4255-C055-4A14-9F65-72FF33284BAA}" destId="{99A74944-719B-4540-8A30-08AFA98871D7}" srcOrd="1" destOrd="0" presId="urn:microsoft.com/office/officeart/2005/8/layout/bProcess3"/>
-    <dgm:cxn modelId="{68A2EE0D-3397-439F-B1DF-D32455C4649E}" srcId="{2FB12820-BFC5-454C-9787-61A53B0E9994}" destId="{32590F4F-516D-4DC7-88C9-4D316DE1ACD0}" srcOrd="4" destOrd="0" parTransId="{827D1EF0-F38B-4CE2-A294-0331E4C5FD81}" sibTransId="{6D9C4255-C055-4A14-9F65-72FF33284BAA}"/>
     <dgm:cxn modelId="{EF1E5D24-EBBB-4C7B-9984-2FE6567071FF}" type="presOf" srcId="{3B8F518A-AC58-4143-AFD3-6CBBB94494C3}" destId="{A49AA734-21B1-4A5E-96B7-90C67AB1B57F}" srcOrd="1" destOrd="0" presId="urn:microsoft.com/office/officeart/2005/8/layout/bProcess3"/>
+    <dgm:cxn modelId="{0A4CCD14-A1F8-483A-9C50-CDA0D6624FBB}" srcId="{2FB12820-BFC5-454C-9787-61A53B0E9994}" destId="{23A73FB3-7635-4F3F-A406-51BC12947BE1}" srcOrd="8" destOrd="0" parTransId="{130664AA-F273-4CBF-85A1-C9CF690E4124}" sibTransId="{6B59BAF7-2038-440C-80F0-FD549C881FC6}"/>
+    <dgm:cxn modelId="{D8802A15-84EF-40A1-A298-CB7E0FC48DAF}" type="presOf" srcId="{6B59BAF7-2038-440C-80F0-FD549C881FC6}" destId="{C5F4E97A-D741-4898-B236-454A7829C49D}" srcOrd="1" destOrd="0" presId="urn:microsoft.com/office/officeart/2005/8/layout/bProcess3"/>
+    <dgm:cxn modelId="{92F08059-C54E-4F3B-AE9B-1967C99EF439}" type="presOf" srcId="{136C1526-7866-406B-A77E-9EA111240E3C}" destId="{64DFBD11-014E-4D29-A139-AC988834F9C0}" srcOrd="1" destOrd="0" presId="urn:microsoft.com/office/officeart/2005/8/layout/bProcess3"/>
+    <dgm:cxn modelId="{E2D70454-5015-459F-9405-93AAFF9E30BC}" srcId="{2FB12820-BFC5-454C-9787-61A53B0E9994}" destId="{07C291EB-1EBD-4E1D-A644-7A862E26DE25}" srcOrd="5" destOrd="0" parTransId="{96B3BB26-F26B-4A6C-9303-9A25EB2E3095}" sibTransId="{E5AD4D4A-DB5E-479A-9465-8998121777F0}"/>
     <dgm:cxn modelId="{BDA3CE6A-2521-4E08-A417-50FCE8A83E92}" srcId="{2FB12820-BFC5-454C-9787-61A53B0E9994}" destId="{BF9FA62E-7579-43B9-8FAF-374FF9D57A00}" srcOrd="6" destOrd="0" parTransId="{04A48F6B-D45A-40C6-AA8C-4DAEB95F065C}" sibTransId="{A19AE1EF-2A88-4A61-9C2A-3CE023B6E391}"/>
+    <dgm:cxn modelId="{E97F82F2-8A4D-40EE-A825-E03878A3746F}" srcId="{2FB12820-BFC5-454C-9787-61A53B0E9994}" destId="{FE2D6D24-C6A5-4AAC-AC52-D1221A0191A8}" srcOrd="7" destOrd="0" parTransId="{E0555D3C-051E-49F4-8193-687BB499A555}" sibTransId="{B573ADB8-4670-49BB-8FA7-AA94CD2AC0BB}"/>
+    <dgm:cxn modelId="{9C096A4D-43B9-40A6-8BDE-7BD57971572A}" type="presOf" srcId="{FE2D6D24-C6A5-4AAC-AC52-D1221A0191A8}" destId="{B30CA09E-0E35-4B9F-BC72-4F0581B1C912}" srcOrd="0" destOrd="0" presId="urn:microsoft.com/office/officeart/2005/8/layout/bProcess3"/>
     <dgm:cxn modelId="{0F27CEC9-3D02-421D-BF46-C7FCCBCF41F2}" type="presOf" srcId="{AD2FC0CE-6613-4938-AE62-10406A58E601}" destId="{295B4255-4A93-4F08-8314-5EC60AABD937}" srcOrd="1" destOrd="0" presId="urn:microsoft.com/office/officeart/2005/8/layout/bProcess3"/>
-    <dgm:cxn modelId="{18BAEAEE-B172-4E88-A352-F79EC34A48B2}" type="presOf" srcId="{A19AE1EF-2A88-4A61-9C2A-3CE023B6E391}" destId="{A1015FA7-56BE-4BF1-972E-1B3C95ACCDAF}" srcOrd="1" destOrd="0" presId="urn:microsoft.com/office/officeart/2005/8/layout/bProcess3"/>
-    <dgm:cxn modelId="{E2D70454-5015-459F-9405-93AAFF9E30BC}" srcId="{2FB12820-BFC5-454C-9787-61A53B0E9994}" destId="{07C291EB-1EBD-4E1D-A644-7A862E26DE25}" srcOrd="5" destOrd="0" parTransId="{96B3BB26-F26B-4A6C-9303-9A25EB2E3095}" sibTransId="{E5AD4D4A-DB5E-479A-9465-8998121777F0}"/>
-    <dgm:cxn modelId="{92F08059-C54E-4F3B-AE9B-1967C99EF439}" type="presOf" srcId="{136C1526-7866-406B-A77E-9EA111240E3C}" destId="{64DFBD11-014E-4D29-A139-AC988834F9C0}" srcOrd="1" destOrd="0" presId="urn:microsoft.com/office/officeart/2005/8/layout/bProcess3"/>
-    <dgm:cxn modelId="{4268F731-5DDC-455D-9D68-8034D7C73576}" srcId="{2FB12820-BFC5-454C-9787-61A53B0E9994}" destId="{E15660AC-4016-462A-832E-322349063B80}" srcOrd="1" destOrd="0" parTransId="{E86BA27C-D530-47BE-9057-02D7712EEE73}" sibTransId="{AD2FC0CE-6613-4938-AE62-10406A58E601}"/>
-    <dgm:cxn modelId="{F5CB99E2-60C0-4E87-91FF-EA38F6C3100A}" type="presOf" srcId="{3B8F518A-AC58-4143-AFD3-6CBBB94494C3}" destId="{34FB6637-BD61-4226-B789-D2E8D9DB4DFF}" srcOrd="0" destOrd="0" presId="urn:microsoft.com/office/officeart/2005/8/layout/bProcess3"/>
-    <dgm:cxn modelId="{0A4CCD14-A1F8-483A-9C50-CDA0D6624FBB}" srcId="{2FB12820-BFC5-454C-9787-61A53B0E9994}" destId="{23A73FB3-7635-4F3F-A406-51BC12947BE1}" srcOrd="8" destOrd="0" parTransId="{130664AA-F273-4CBF-85A1-C9CF690E4124}" sibTransId="{6B59BAF7-2038-440C-80F0-FD549C881FC6}"/>
-    <dgm:cxn modelId="{3B43BE66-7F3E-44E0-8268-3FD672FF87D0}" type="presOf" srcId="{AD2FC0CE-6613-4938-AE62-10406A58E601}" destId="{145FE141-A9C8-42EC-BF09-1386421C1807}" srcOrd="0" destOrd="0" presId="urn:microsoft.com/office/officeart/2005/8/layout/bProcess3"/>
-    <dgm:cxn modelId="{D0E8FFC8-0D31-478F-BE2E-6A74EF0BB180}" type="presOf" srcId="{6B59BAF7-2038-440C-80F0-FD549C881FC6}" destId="{6FFAA269-3B12-4F15-88DB-B3C5BD70FAA7}" srcOrd="0" destOrd="0" presId="urn:microsoft.com/office/officeart/2005/8/layout/bProcess3"/>
-    <dgm:cxn modelId="{D8802A15-84EF-40A1-A298-CB7E0FC48DAF}" type="presOf" srcId="{6B59BAF7-2038-440C-80F0-FD549C881FC6}" destId="{C5F4E97A-D741-4898-B236-454A7829C49D}" srcOrd="1" destOrd="0" presId="urn:microsoft.com/office/officeart/2005/8/layout/bProcess3"/>
+    <dgm:cxn modelId="{012B66A9-C80A-4372-A149-A54020B5257C}" srcId="{2FB12820-BFC5-454C-9787-61A53B0E9994}" destId="{B6F934CF-290B-4FA0-AAC7-3818C7555E65}" srcOrd="3" destOrd="0" parTransId="{B18D2C18-46A8-4732-AFBD-DE9B274BA6EF}" sibTransId="{3B8F518A-AC58-4143-AFD3-6CBBB94494C3}"/>
     <dgm:cxn modelId="{68A91129-AF19-41DC-8AAE-52C9593DE6BE}" type="presOf" srcId="{2FB12820-BFC5-454C-9787-61A53B0E9994}" destId="{401A3A20-1A54-408F-BCD7-1998E08BBCD3}" srcOrd="0" destOrd="0" presId="urn:microsoft.com/office/officeart/2005/8/layout/bProcess3"/>
-    <dgm:cxn modelId="{0E573E6B-5054-4870-BFCE-63C0A87F74CB}" type="presOf" srcId="{A19AE1EF-2A88-4A61-9C2A-3CE023B6E391}" destId="{2E4734A0-54BF-44DD-942C-27E70798EE10}" srcOrd="0" destOrd="0" presId="urn:microsoft.com/office/officeart/2005/8/layout/bProcess3"/>
-    <dgm:cxn modelId="{BB71C789-D007-4E05-9331-F835BFAC3C4F}" type="presOf" srcId="{B573ADB8-4670-49BB-8FA7-AA94CD2AC0BB}" destId="{3E7C6428-6DA4-4D25-858A-0DFEEDFF2E71}" srcOrd="0" destOrd="0" presId="urn:microsoft.com/office/officeart/2005/8/layout/bProcess3"/>
-    <dgm:cxn modelId="{1CD2D3B9-AD6B-4445-B8B4-59AE1031362F}" type="presOf" srcId="{BF9FA62E-7579-43B9-8FAF-374FF9D57A00}" destId="{94A59AA3-1B19-4363-97B0-4D19638B2975}" srcOrd="0" destOrd="0" presId="urn:microsoft.com/office/officeart/2005/8/layout/bProcess3"/>
-    <dgm:cxn modelId="{2DAB578F-1BBD-44E9-B64D-6727013375D8}" type="presOf" srcId="{B6F934CF-290B-4FA0-AAC7-3818C7555E65}" destId="{F0C0444C-63CE-47EC-AAC3-5852866E01FC}" srcOrd="0" destOrd="0" presId="urn:microsoft.com/office/officeart/2005/8/layout/bProcess3"/>
     <dgm:cxn modelId="{DAEC4893-B38A-4363-8130-0727006D2EFD}" srcId="{2FB12820-BFC5-454C-9787-61A53B0E9994}" destId="{4C3CFDD8-4C2A-401B-8B8C-1C4CB05530F5}" srcOrd="2" destOrd="0" parTransId="{1C62A071-3D45-469B-8EDE-A371453AAD63}" sibTransId="{136C1526-7866-406B-A77E-9EA111240E3C}"/>
-    <dgm:cxn modelId="{1D73EDAD-973F-4086-9434-093A02AA8161}" type="presOf" srcId="{23A73FB3-7635-4F3F-A406-51BC12947BE1}" destId="{BFD6E834-940B-4D42-9CEB-0110FE058861}" srcOrd="0" destOrd="0" presId="urn:microsoft.com/office/officeart/2005/8/layout/bProcess3"/>
-    <dgm:cxn modelId="{F07E89B4-1E6A-4FFF-83E1-8A2CED8E2F70}" type="presOf" srcId="{136C1526-7866-406B-A77E-9EA111240E3C}" destId="{CBA5EEDD-9529-4AF3-A40E-AB230ED9F5E8}" srcOrd="0" destOrd="0" presId="urn:microsoft.com/office/officeart/2005/8/layout/bProcess3"/>
-    <dgm:cxn modelId="{1024E824-313C-4061-9E24-DEB830F17B63}" srcId="{2FB12820-BFC5-454C-9787-61A53B0E9994}" destId="{32ABA6DA-6961-4EF2-A8C0-9789FACDECBF}" srcOrd="0" destOrd="0" parTransId="{CF88BD51-1163-4BE3-960D-ADE79FC7AA0F}" sibTransId="{691C1182-2621-4D94-8064-4FB004350FA1}"/>
-    <dgm:cxn modelId="{5DC2A8C3-306D-44BE-9904-EC3397C9DBF7}" type="presOf" srcId="{E15660AC-4016-462A-832E-322349063B80}" destId="{4A890EBE-B780-45D5-8A51-B1CB265B8AAE}" srcOrd="0" destOrd="0" presId="urn:microsoft.com/office/officeart/2005/8/layout/bProcess3"/>
-    <dgm:cxn modelId="{E97F82F2-8A4D-40EE-A825-E03878A3746F}" srcId="{2FB12820-BFC5-454C-9787-61A53B0E9994}" destId="{FE2D6D24-C6A5-4AAC-AC52-D1221A0191A8}" srcOrd="7" destOrd="0" parTransId="{E0555D3C-051E-49F4-8193-687BB499A555}" sibTransId="{B573ADB8-4670-49BB-8FA7-AA94CD2AC0BB}"/>
-    <dgm:cxn modelId="{75A130DD-E4E7-43C5-8DC0-3A5E7A0693E1}" type="presOf" srcId="{07C291EB-1EBD-4E1D-A644-7A862E26DE25}" destId="{EEB5D5FB-5978-41F9-8B10-F0FEDB1B938D}" srcOrd="0" destOrd="0" presId="urn:microsoft.com/office/officeart/2005/8/layout/bProcess3"/>
-    <dgm:cxn modelId="{6BBB4402-B105-4A98-B04B-EF41BDD6A04A}" srcId="{2FB12820-BFC5-454C-9787-61A53B0E9994}" destId="{88DBF64F-6FBF-4E14-A940-71DEC4A5925A}" srcOrd="9" destOrd="0" parTransId="{714930FA-E25B-4AD7-A44B-CCE517F48560}" sibTransId="{DC976F80-B5BA-430A-BB6C-549FC489A185}"/>
-    <dgm:cxn modelId="{16702609-4CB6-4F72-AAE8-F8F4B0AA2293}" type="presOf" srcId="{88DBF64F-6FBF-4E14-A940-71DEC4A5925A}" destId="{53DF9181-241A-4A7C-9BEE-5009FCF2D5B5}" srcOrd="0" destOrd="0" presId="urn:microsoft.com/office/officeart/2005/8/layout/bProcess3"/>
-    <dgm:cxn modelId="{9C096A4D-43B9-40A6-8BDE-7BD57971572A}" type="presOf" srcId="{FE2D6D24-C6A5-4AAC-AC52-D1221A0191A8}" destId="{B30CA09E-0E35-4B9F-BC72-4F0581B1C912}" srcOrd="0" destOrd="0" presId="urn:microsoft.com/office/officeart/2005/8/layout/bProcess3"/>
-    <dgm:cxn modelId="{4C7031AB-8255-4AC8-9D1A-2961A004DD92}" type="presOf" srcId="{32590F4F-516D-4DC7-88C9-4D316DE1ACD0}" destId="{F3C8BFCA-9CC9-4C25-A54B-1525D2627BD3}" srcOrd="0" destOrd="0" presId="urn:microsoft.com/office/officeart/2005/8/layout/bProcess3"/>
-    <dgm:cxn modelId="{FABB4D3B-C682-403B-9173-D38452F85767}" type="presOf" srcId="{32ABA6DA-6961-4EF2-A8C0-9789FACDECBF}" destId="{9EDB04EB-847E-4BCF-A3F1-995CAEE8E58A}" srcOrd="0" destOrd="0" presId="urn:microsoft.com/office/officeart/2005/8/layout/bProcess3"/>
-    <dgm:cxn modelId="{018F8B0A-A821-448E-9027-CA9FB297449B}" type="presOf" srcId="{691C1182-2621-4D94-8064-4FB004350FA1}" destId="{B3DF7052-FDAE-4F83-9F23-3EC25FBDFCBD}" srcOrd="0" destOrd="0" presId="urn:microsoft.com/office/officeart/2005/8/layout/bProcess3"/>
-    <dgm:cxn modelId="{5D6FE326-C8CC-4FD6-97E1-2D822936C3AA}" type="presOf" srcId="{E5AD4D4A-DB5E-479A-9465-8998121777F0}" destId="{817866E2-1FDE-41EA-9AB1-66EFD00E7850}" srcOrd="0" destOrd="0" presId="urn:microsoft.com/office/officeart/2005/8/layout/bProcess3"/>
-    <dgm:cxn modelId="{C1BBA867-FA4E-4A54-8044-C8C413995ACD}" type="presOf" srcId="{E5AD4D4A-DB5E-479A-9465-8998121777F0}" destId="{A489D72E-D714-41EB-A491-8410D3477EDA}" srcOrd="1" destOrd="0" presId="urn:microsoft.com/office/officeart/2005/8/layout/bProcess3"/>
-    <dgm:cxn modelId="{52D9D26D-3DF1-48CA-8BF5-98230DBB75B3}" type="presOf" srcId="{6D9C4255-C055-4A14-9F65-72FF33284BAA}" destId="{CA7FC324-F4B5-4432-AAA5-C5AD37DEDD5B}" srcOrd="0" destOrd="0" presId="urn:microsoft.com/office/officeart/2005/8/layout/bProcess3"/>
-    <dgm:cxn modelId="{012B66A9-C80A-4372-A149-A54020B5257C}" srcId="{2FB12820-BFC5-454C-9787-61A53B0E9994}" destId="{B6F934CF-290B-4FA0-AAC7-3818C7555E65}" srcOrd="3" destOrd="0" parTransId="{B18D2C18-46A8-4732-AFBD-DE9B274BA6EF}" sibTransId="{3B8F518A-AC58-4143-AFD3-6CBBB94494C3}"/>
     <dgm:cxn modelId="{C9DBF248-B83F-4AFD-A68D-D664E4EAF3A3}" type="presParOf" srcId="{401A3A20-1A54-408F-BCD7-1998E08BBCD3}" destId="{9EDB04EB-847E-4BCF-A3F1-995CAEE8E58A}" srcOrd="0" destOrd="0" presId="urn:microsoft.com/office/officeart/2005/8/layout/bProcess3"/>
     <dgm:cxn modelId="{3A52CD72-DB68-4F3D-A3B1-528E1161C2FD}" type="presParOf" srcId="{401A3A20-1A54-408F-BCD7-1998E08BBCD3}" destId="{B3DF7052-FDAE-4F83-9F23-3EC25FBDFCBD}" srcOrd="1" destOrd="0" presId="urn:microsoft.com/office/officeart/2005/8/layout/bProcess3"/>
     <dgm:cxn modelId="{59431055-AE59-4FC5-A0AA-4E668427456D}" type="presParOf" srcId="{B3DF7052-FDAE-4F83-9F23-3EC25FBDFCBD}" destId="{902DF144-89EF-445D-9693-14DE3C070FF7}" srcOrd="0" destOrd="0" presId="urn:microsoft.com/office/officeart/2005/8/layout/bProcess3"/>
@@ -3071,12 +3071,12 @@
         </a:fontRef>
       </dsp:style>
       <dsp:txBody>
-        <a:bodyPr spcFirstLastPara="0" vert="horz" wrap="square" lIns="113792" tIns="113792" rIns="113792" bIns="113792" numCol="1" spcCol="1270" anchor="ctr" anchorCtr="0">
+        <a:bodyPr spcFirstLastPara="0" vert="horz" wrap="square" lIns="142240" tIns="142240" rIns="142240" bIns="142240" numCol="1" spcCol="1270" anchor="ctr" anchorCtr="0">
           <a:noAutofit/>
         </a:bodyPr>
         <a:lstStyle/>
         <a:p>
-          <a:pPr lvl="0" algn="ctr" defTabSz="711200">
+          <a:pPr lvl="0" algn="ctr" defTabSz="889000">
             <a:lnSpc>
               <a:spcPct val="90000"/>
             </a:lnSpc>
@@ -3088,10 +3088,10 @@
             </a:spcAft>
           </a:pPr>
           <a:r>
-            <a:rPr lang="en-IN" sz="1600" b="1" kern="1200" dirty="0" smtClean="0"/>
+            <a:rPr lang="en-IN" sz="2000" b="1" kern="1200" dirty="0" smtClean="0"/>
             <a:t>Start</a:t>
           </a:r>
-          <a:endParaRPr lang="en-IN" sz="1600" b="1" kern="1200" dirty="0"/>
+          <a:endParaRPr lang="en-IN" sz="2000" b="1" kern="1200" dirty="0"/>
         </a:p>
       </dsp:txBody>
       <dsp:txXfrm>
@@ -3227,12 +3227,12 @@
         </a:fontRef>
       </dsp:style>
       <dsp:txBody>
-        <a:bodyPr spcFirstLastPara="0" vert="horz" wrap="square" lIns="113792" tIns="113792" rIns="113792" bIns="113792" numCol="1" spcCol="1270" anchor="ctr" anchorCtr="0">
+        <a:bodyPr spcFirstLastPara="0" vert="horz" wrap="square" lIns="142240" tIns="142240" rIns="142240" bIns="142240" numCol="1" spcCol="1270" anchor="ctr" anchorCtr="0">
           <a:noAutofit/>
         </a:bodyPr>
         <a:lstStyle/>
         <a:p>
-          <a:pPr lvl="0" algn="ctr" defTabSz="711200">
+          <a:pPr lvl="0" algn="ctr" defTabSz="889000">
             <a:lnSpc>
               <a:spcPct val="90000"/>
             </a:lnSpc>
@@ -3244,10 +3244,10 @@
             </a:spcAft>
           </a:pPr>
           <a:r>
-            <a:rPr lang="en-IN" sz="1600" b="1" kern="1200" dirty="0" smtClean="0"/>
+            <a:rPr lang="en-IN" sz="2000" b="1" kern="1200" dirty="0" smtClean="0"/>
             <a:t>Initialize Clock</a:t>
           </a:r>
-          <a:endParaRPr lang="en-IN" sz="1600" b="1" kern="1200" dirty="0"/>
+          <a:endParaRPr lang="en-IN" sz="2000" b="1" kern="1200" dirty="0"/>
         </a:p>
       </dsp:txBody>
       <dsp:txXfrm>
@@ -3383,12 +3383,12 @@
         </a:fontRef>
       </dsp:style>
       <dsp:txBody>
-        <a:bodyPr spcFirstLastPara="0" vert="horz" wrap="square" lIns="113792" tIns="113792" rIns="113792" bIns="113792" numCol="1" spcCol="1270" anchor="ctr" anchorCtr="0">
+        <a:bodyPr spcFirstLastPara="0" vert="horz" wrap="square" lIns="142240" tIns="142240" rIns="142240" bIns="142240" numCol="1" spcCol="1270" anchor="ctr" anchorCtr="0">
           <a:noAutofit/>
         </a:bodyPr>
         <a:lstStyle/>
         <a:p>
-          <a:pPr lvl="0" algn="ctr" defTabSz="711200">
+          <a:pPr lvl="0" algn="ctr" defTabSz="889000">
             <a:lnSpc>
               <a:spcPct val="90000"/>
             </a:lnSpc>
@@ -3400,10 +3400,10 @@
             </a:spcAft>
           </a:pPr>
           <a:r>
-            <a:rPr lang="en-IN" sz="1600" b="1" kern="1200" dirty="0" smtClean="0"/>
+            <a:rPr lang="en-IN" sz="2000" b="1" kern="1200" dirty="0" smtClean="0"/>
             <a:t>Initialize SPI</a:t>
           </a:r>
-          <a:endParaRPr lang="en-IN" sz="1600" b="1" kern="1200" dirty="0"/>
+          <a:endParaRPr lang="en-IN" sz="2000" b="1" kern="1200" dirty="0"/>
         </a:p>
       </dsp:txBody>
       <dsp:txXfrm>
@@ -3539,12 +3539,12 @@
         </a:fontRef>
       </dsp:style>
       <dsp:txBody>
-        <a:bodyPr spcFirstLastPara="0" vert="horz" wrap="square" lIns="113792" tIns="113792" rIns="113792" bIns="113792" numCol="1" spcCol="1270" anchor="ctr" anchorCtr="0">
+        <a:bodyPr spcFirstLastPara="0" vert="horz" wrap="square" lIns="142240" tIns="142240" rIns="142240" bIns="142240" numCol="1" spcCol="1270" anchor="ctr" anchorCtr="0">
           <a:noAutofit/>
         </a:bodyPr>
         <a:lstStyle/>
         <a:p>
-          <a:pPr lvl="0" algn="ctr" defTabSz="711200">
+          <a:pPr lvl="0" algn="ctr" defTabSz="889000">
             <a:lnSpc>
               <a:spcPct val="90000"/>
             </a:lnSpc>
@@ -3556,10 +3556,10 @@
             </a:spcAft>
           </a:pPr>
           <a:r>
-            <a:rPr lang="en-IN" sz="1600" b="1" kern="1200" dirty="0" smtClean="0"/>
+            <a:rPr lang="en-IN" sz="2000" b="1" kern="1200" dirty="0" smtClean="0"/>
             <a:t>Initialize UART</a:t>
           </a:r>
-          <a:endParaRPr lang="en-IN" sz="1600" b="1" kern="1200" dirty="0"/>
+          <a:endParaRPr lang="en-IN" sz="2000" b="1" kern="1200" dirty="0"/>
         </a:p>
       </dsp:txBody>
       <dsp:txXfrm>
@@ -3701,12 +3701,12 @@
         </a:fontRef>
       </dsp:style>
       <dsp:txBody>
-        <a:bodyPr spcFirstLastPara="0" vert="horz" wrap="square" lIns="113792" tIns="113792" rIns="113792" bIns="113792" numCol="1" spcCol="1270" anchor="ctr" anchorCtr="0">
+        <a:bodyPr spcFirstLastPara="0" vert="horz" wrap="square" lIns="142240" tIns="142240" rIns="142240" bIns="142240" numCol="1" spcCol="1270" anchor="ctr" anchorCtr="0">
           <a:noAutofit/>
         </a:bodyPr>
         <a:lstStyle/>
         <a:p>
-          <a:pPr lvl="0" algn="ctr" defTabSz="711200">
+          <a:pPr lvl="0" algn="ctr" defTabSz="889000">
             <a:lnSpc>
               <a:spcPct val="90000"/>
             </a:lnSpc>
@@ -3718,10 +3718,10 @@
             </a:spcAft>
           </a:pPr>
           <a:r>
-            <a:rPr lang="en-IN" sz="1600" b="1" kern="1200" dirty="0" smtClean="0"/>
+            <a:rPr lang="en-IN" sz="2000" b="1" kern="1200" dirty="0" smtClean="0"/>
             <a:t>Initialize Timer</a:t>
           </a:r>
-          <a:endParaRPr lang="en-IN" sz="1600" b="1" kern="1200" dirty="0"/>
+          <a:endParaRPr lang="en-IN" sz="2000" b="1" kern="1200" dirty="0"/>
         </a:p>
       </dsp:txBody>
       <dsp:txXfrm>
@@ -3857,12 +3857,12 @@
         </a:fontRef>
       </dsp:style>
       <dsp:txBody>
-        <a:bodyPr spcFirstLastPara="0" vert="horz" wrap="square" lIns="113792" tIns="113792" rIns="113792" bIns="113792" numCol="1" spcCol="1270" anchor="ctr" anchorCtr="0">
+        <a:bodyPr spcFirstLastPara="0" vert="horz" wrap="square" lIns="142240" tIns="142240" rIns="142240" bIns="142240" numCol="1" spcCol="1270" anchor="ctr" anchorCtr="0">
           <a:noAutofit/>
         </a:bodyPr>
         <a:lstStyle/>
         <a:p>
-          <a:pPr lvl="0" algn="ctr" defTabSz="711200">
+          <a:pPr lvl="0" algn="ctr" defTabSz="889000">
             <a:lnSpc>
               <a:spcPct val="90000"/>
             </a:lnSpc>
@@ -3874,10 +3874,10 @@
             </a:spcAft>
           </a:pPr>
           <a:r>
-            <a:rPr lang="en-IN" sz="1600" b="1" kern="1200" dirty="0" smtClean="0"/>
+            <a:rPr lang="en-IN" sz="2000" b="1" kern="1200" dirty="0" smtClean="0"/>
             <a:t>Initialize ADC</a:t>
           </a:r>
-          <a:endParaRPr lang="en-IN" sz="1600" b="1" kern="1200" dirty="0"/>
+          <a:endParaRPr lang="en-IN" sz="2000" b="1" kern="1200" dirty="0"/>
         </a:p>
       </dsp:txBody>
       <dsp:txXfrm>
@@ -4013,12 +4013,12 @@
         </a:fontRef>
       </dsp:style>
       <dsp:txBody>
-        <a:bodyPr spcFirstLastPara="0" vert="horz" wrap="square" lIns="113792" tIns="113792" rIns="113792" bIns="113792" numCol="1" spcCol="1270" anchor="ctr" anchorCtr="0">
+        <a:bodyPr spcFirstLastPara="0" vert="horz" wrap="square" lIns="142240" tIns="142240" rIns="142240" bIns="142240" numCol="1" spcCol="1270" anchor="ctr" anchorCtr="0">
           <a:noAutofit/>
         </a:bodyPr>
         <a:lstStyle/>
         <a:p>
-          <a:pPr lvl="0" algn="ctr" defTabSz="711200">
+          <a:pPr lvl="0" algn="ctr" defTabSz="889000">
             <a:lnSpc>
               <a:spcPct val="90000"/>
             </a:lnSpc>
@@ -4030,10 +4030,10 @@
             </a:spcAft>
           </a:pPr>
           <a:r>
-            <a:rPr lang="en-IN" sz="1600" b="1" kern="1200" dirty="0" smtClean="0"/>
+            <a:rPr lang="en-IN" sz="2000" b="1" kern="1200" dirty="0" smtClean="0"/>
             <a:t>Initialize LCD</a:t>
           </a:r>
-          <a:endParaRPr lang="en-IN" sz="1600" b="1" kern="1200" dirty="0"/>
+          <a:endParaRPr lang="en-IN" sz="2000" b="1" kern="1200" dirty="0"/>
         </a:p>
       </dsp:txBody>
       <dsp:txXfrm>
@@ -4169,12 +4169,12 @@
         </a:fontRef>
       </dsp:style>
       <dsp:txBody>
-        <a:bodyPr spcFirstLastPara="0" vert="horz" wrap="square" lIns="113792" tIns="113792" rIns="113792" bIns="113792" numCol="1" spcCol="1270" anchor="ctr" anchorCtr="0">
+        <a:bodyPr spcFirstLastPara="0" vert="horz" wrap="square" lIns="142240" tIns="142240" rIns="142240" bIns="142240" numCol="1" spcCol="1270" anchor="ctr" anchorCtr="0">
           <a:noAutofit/>
         </a:bodyPr>
         <a:lstStyle/>
         <a:p>
-          <a:pPr lvl="0" algn="ctr" defTabSz="711200">
+          <a:pPr lvl="0" algn="ctr" defTabSz="889000">
             <a:lnSpc>
               <a:spcPct val="90000"/>
             </a:lnSpc>
@@ -4186,10 +4186,10 @@
             </a:spcAft>
           </a:pPr>
           <a:r>
-            <a:rPr lang="en-IN" sz="1600" b="1" kern="1200" dirty="0" smtClean="0"/>
+            <a:rPr lang="en-IN" sz="2000" b="1" kern="1200" dirty="0" smtClean="0"/>
             <a:t>Initialize Gyro</a:t>
           </a:r>
-          <a:endParaRPr lang="en-IN" sz="1600" b="1" kern="1200" dirty="0"/>
+          <a:endParaRPr lang="en-IN" sz="2000" b="1" kern="1200" dirty="0"/>
         </a:p>
       </dsp:txBody>
       <dsp:txXfrm>
@@ -4325,12 +4325,12 @@
         </a:fontRef>
       </dsp:style>
       <dsp:txBody>
-        <a:bodyPr spcFirstLastPara="0" vert="horz" wrap="square" lIns="113792" tIns="113792" rIns="113792" bIns="113792" numCol="1" spcCol="1270" anchor="ctr" anchorCtr="0">
+        <a:bodyPr spcFirstLastPara="0" vert="horz" wrap="square" lIns="142240" tIns="142240" rIns="142240" bIns="142240" numCol="1" spcCol="1270" anchor="ctr" anchorCtr="0">
           <a:noAutofit/>
         </a:bodyPr>
         <a:lstStyle/>
         <a:p>
-          <a:pPr lvl="0" algn="ctr" defTabSz="711200">
+          <a:pPr lvl="0" algn="ctr" defTabSz="889000">
             <a:lnSpc>
               <a:spcPct val="90000"/>
             </a:lnSpc>
@@ -4342,10 +4342,10 @@
             </a:spcAft>
           </a:pPr>
           <a:r>
-            <a:rPr lang="en-IN" sz="1600" b="1" kern="1200" dirty="0" smtClean="0"/>
+            <a:rPr lang="en-IN" sz="2000" b="1" kern="1200" dirty="0" smtClean="0"/>
             <a:t>Request Phone Number</a:t>
           </a:r>
-          <a:endParaRPr lang="en-IN" sz="1600" b="1" kern="1200" dirty="0"/>
+          <a:endParaRPr lang="en-IN" sz="2000" b="1" kern="1200" dirty="0"/>
         </a:p>
       </dsp:txBody>
       <dsp:txXfrm>
@@ -4402,12 +4402,12 @@
         </a:fontRef>
       </dsp:style>
       <dsp:txBody>
-        <a:bodyPr spcFirstLastPara="0" vert="horz" wrap="square" lIns="113792" tIns="113792" rIns="113792" bIns="113792" numCol="1" spcCol="1270" anchor="ctr" anchorCtr="0">
+        <a:bodyPr spcFirstLastPara="0" vert="horz" wrap="square" lIns="142240" tIns="142240" rIns="142240" bIns="142240" numCol="1" spcCol="1270" anchor="ctr" anchorCtr="0">
           <a:noAutofit/>
         </a:bodyPr>
         <a:lstStyle/>
         <a:p>
-          <a:pPr lvl="0" algn="ctr" defTabSz="711200">
+          <a:pPr lvl="0" algn="ctr" defTabSz="889000">
             <a:lnSpc>
               <a:spcPct val="90000"/>
             </a:lnSpc>
@@ -4419,10 +4419,10 @@
             </a:spcAft>
           </a:pPr>
           <a:r>
-            <a:rPr lang="en-IN" sz="1600" b="1" kern="1200" dirty="0" smtClean="0"/>
+            <a:rPr lang="en-IN" sz="2000" b="1" kern="1200" dirty="0" smtClean="0"/>
             <a:t>Initialize FONA</a:t>
           </a:r>
-          <a:endParaRPr lang="en-IN" sz="1600" b="1" kern="1200" dirty="0"/>
+          <a:endParaRPr lang="en-IN" sz="2000" b="1" kern="1200" dirty="0"/>
         </a:p>
       </dsp:txBody>
       <dsp:txXfrm>
@@ -7803,7 +7803,7 @@
           <a:noFill/>
           <a:extLst>
             <a:ext uri="{909E8E84-426E-40dd-AFC4-6F175D3DCCD1}">
-              <a14:hiddenFill xmlns:a14="http://schemas.microsoft.com/office/drawing/2010/main" xmlns="">
+              <a14:hiddenFill xmlns="" xmlns:a14="http://schemas.microsoft.com/office/drawing/2010/main">
                 <a:solidFill>
                   <a:srgbClr val="FFFFFF"/>
                 </a:solidFill>
@@ -7863,7 +7863,7 @@
             </a:ln>
             <a:extLst>
               <a:ext uri="{91240B29-F687-4f45-9708-019B960494DF}">
-                <a14:hiddenLine xmlns:a14="http://schemas.microsoft.com/office/drawing/2010/main" xmlns="" w="9525">
+                <a14:hiddenLine xmlns="" xmlns:a14="http://schemas.microsoft.com/office/drawing/2010/main" w="9525">
                   <a:solidFill>
                     <a:srgbClr val="000000"/>
                   </a:solidFill>
@@ -7953,7 +7953,7 @@
             </a:ln>
             <a:extLst>
               <a:ext uri="{91240B29-F687-4f45-9708-019B960494DF}">
-                <a14:hiddenLine xmlns:a14="http://schemas.microsoft.com/office/drawing/2010/main" xmlns="" w="9525">
+                <a14:hiddenLine xmlns="" xmlns:a14="http://schemas.microsoft.com/office/drawing/2010/main" w="9525">
                   <a:solidFill>
                     <a:srgbClr val="000000"/>
                   </a:solidFill>
@@ -8043,7 +8043,7 @@
             </a:ln>
             <a:extLst>
               <a:ext uri="{91240B29-F687-4f45-9708-019B960494DF}">
-                <a14:hiddenLine xmlns:a14="http://schemas.microsoft.com/office/drawing/2010/main" xmlns="" w="9525">
+                <a14:hiddenLine xmlns="" xmlns:a14="http://schemas.microsoft.com/office/drawing/2010/main" w="9525">
                   <a:solidFill>
                     <a:srgbClr val="000000"/>
                   </a:solidFill>
@@ -8077,7 +8077,7 @@
             </a:ln>
             <a:extLst>
               <a:ext uri="{91240B29-F687-4f45-9708-019B960494DF}">
-                <a14:hiddenLine xmlns:a14="http://schemas.microsoft.com/office/drawing/2010/main" xmlns="" w="9525">
+                <a14:hiddenLine xmlns="" xmlns:a14="http://schemas.microsoft.com/office/drawing/2010/main" w="9525">
                   <a:solidFill>
                     <a:srgbClr val="000000"/>
                   </a:solidFill>
@@ -8167,7 +8167,7 @@
             </a:ln>
             <a:extLst>
               <a:ext uri="{91240B29-F687-4f45-9708-019B960494DF}">
-                <a14:hiddenLine xmlns:a14="http://schemas.microsoft.com/office/drawing/2010/main" xmlns="" w="9525">
+                <a14:hiddenLine xmlns="" xmlns:a14="http://schemas.microsoft.com/office/drawing/2010/main" w="9525">
                   <a:solidFill>
                     <a:srgbClr val="000000"/>
                   </a:solidFill>
@@ -8229,7 +8229,7 @@
             </a:ln>
             <a:extLst>
               <a:ext uri="{91240B29-F687-4f45-9708-019B960494DF}">
-                <a14:hiddenLine xmlns:a14="http://schemas.microsoft.com/office/drawing/2010/main" xmlns="" w="9525">
+                <a14:hiddenLine xmlns="" xmlns:a14="http://schemas.microsoft.com/office/drawing/2010/main" w="9525">
                   <a:solidFill>
                     <a:srgbClr val="000000"/>
                   </a:solidFill>
@@ -8291,7 +8291,7 @@
             </a:ln>
             <a:extLst>
               <a:ext uri="{91240B29-F687-4f45-9708-019B960494DF}">
-                <a14:hiddenLine xmlns:a14="http://schemas.microsoft.com/office/drawing/2010/main" xmlns="" w="9525">
+                <a14:hiddenLine xmlns="" xmlns:a14="http://schemas.microsoft.com/office/drawing/2010/main" w="9525">
                   <a:solidFill>
                     <a:srgbClr val="000000"/>
                   </a:solidFill>
@@ -8381,7 +8381,7 @@
             </a:ln>
             <a:extLst>
               <a:ext uri="{91240B29-F687-4f45-9708-019B960494DF}">
-                <a14:hiddenLine xmlns:a14="http://schemas.microsoft.com/office/drawing/2010/main" xmlns="" w="9525">
+                <a14:hiddenLine xmlns="" xmlns:a14="http://schemas.microsoft.com/office/drawing/2010/main" w="9525">
                   <a:solidFill>
                     <a:srgbClr val="000000"/>
                   </a:solidFill>
@@ -8443,7 +8443,7 @@
             </a:ln>
             <a:extLst>
               <a:ext uri="{91240B29-F687-4f45-9708-019B960494DF}">
-                <a14:hiddenLine xmlns:a14="http://schemas.microsoft.com/office/drawing/2010/main" xmlns="" w="9525">
+                <a14:hiddenLine xmlns="" xmlns:a14="http://schemas.microsoft.com/office/drawing/2010/main" w="9525">
                   <a:solidFill>
                     <a:srgbClr val="000000"/>
                   </a:solidFill>
@@ -8505,7 +8505,7 @@
             </a:ln>
             <a:extLst>
               <a:ext uri="{91240B29-F687-4f45-9708-019B960494DF}">
-                <a14:hiddenLine xmlns:a14="http://schemas.microsoft.com/office/drawing/2010/main" xmlns="" w="9525">
+                <a14:hiddenLine xmlns="" xmlns:a14="http://schemas.microsoft.com/office/drawing/2010/main" w="9525">
                   <a:solidFill>
                     <a:srgbClr val="000000"/>
                   </a:solidFill>
@@ -8595,7 +8595,7 @@
             </a:ln>
             <a:extLst>
               <a:ext uri="{91240B29-F687-4f45-9708-019B960494DF}">
-                <a14:hiddenLine xmlns:a14="http://schemas.microsoft.com/office/drawing/2010/main" xmlns="" w="9525">
+                <a14:hiddenLine xmlns="" xmlns:a14="http://schemas.microsoft.com/office/drawing/2010/main" w="9525">
                   <a:solidFill>
                     <a:srgbClr val="000000"/>
                   </a:solidFill>
@@ -8685,7 +8685,7 @@
             </a:ln>
             <a:extLst>
               <a:ext uri="{91240B29-F687-4f45-9708-019B960494DF}">
-                <a14:hiddenLine xmlns:a14="http://schemas.microsoft.com/office/drawing/2010/main" xmlns="" w="9525">
+                <a14:hiddenLine xmlns="" xmlns:a14="http://schemas.microsoft.com/office/drawing/2010/main" w="9525">
                   <a:solidFill>
                     <a:srgbClr val="000000"/>
                   </a:solidFill>
@@ -8747,7 +8747,7 @@
             </a:ln>
             <a:extLst>
               <a:ext uri="{91240B29-F687-4f45-9708-019B960494DF}">
-                <a14:hiddenLine xmlns:a14="http://schemas.microsoft.com/office/drawing/2010/main" xmlns="" w="9525">
+                <a14:hiddenLine xmlns="" xmlns:a14="http://schemas.microsoft.com/office/drawing/2010/main" w="9525">
                   <a:solidFill>
                     <a:srgbClr val="000000"/>
                   </a:solidFill>
@@ -8857,7 +8857,7 @@
             </a:ln>
             <a:extLst>
               <a:ext uri="{91240B29-F687-4f45-9708-019B960494DF}">
-                <a14:hiddenLine xmlns:a14="http://schemas.microsoft.com/office/drawing/2010/main" xmlns="" w="9525">
+                <a14:hiddenLine xmlns="" xmlns:a14="http://schemas.microsoft.com/office/drawing/2010/main" w="9525">
                   <a:solidFill>
                     <a:srgbClr val="000000"/>
                   </a:solidFill>
@@ -8919,7 +8919,7 @@
             </a:ln>
             <a:extLst>
               <a:ext uri="{91240B29-F687-4f45-9708-019B960494DF}">
-                <a14:hiddenLine xmlns:a14="http://schemas.microsoft.com/office/drawing/2010/main" xmlns="" w="9525">
+                <a14:hiddenLine xmlns="" xmlns:a14="http://schemas.microsoft.com/office/drawing/2010/main" w="9525">
                   <a:solidFill>
                     <a:srgbClr val="000000"/>
                   </a:solidFill>
@@ -9009,7 +9009,7 @@
             </a:ln>
             <a:extLst>
               <a:ext uri="{91240B29-F687-4f45-9708-019B960494DF}">
-                <a14:hiddenLine xmlns:a14="http://schemas.microsoft.com/office/drawing/2010/main" xmlns="" w="9525">
+                <a14:hiddenLine xmlns="" xmlns:a14="http://schemas.microsoft.com/office/drawing/2010/main" w="9525">
                   <a:solidFill>
                     <a:srgbClr val="000000"/>
                   </a:solidFill>
@@ -9099,7 +9099,7 @@
             </a:ln>
             <a:extLst>
               <a:ext uri="{91240B29-F687-4f45-9708-019B960494DF}">
-                <a14:hiddenLine xmlns:a14="http://schemas.microsoft.com/office/drawing/2010/main" xmlns="" w="9525">
+                <a14:hiddenLine xmlns="" xmlns:a14="http://schemas.microsoft.com/office/drawing/2010/main" w="9525">
                   <a:solidFill>
                     <a:srgbClr val="000000"/>
                   </a:solidFill>
@@ -9161,7 +9161,7 @@
             </a:ln>
             <a:extLst>
               <a:ext uri="{91240B29-F687-4f45-9708-019B960494DF}">
-                <a14:hiddenLine xmlns:a14="http://schemas.microsoft.com/office/drawing/2010/main" xmlns="" w="9525">
+                <a14:hiddenLine xmlns="" xmlns:a14="http://schemas.microsoft.com/office/drawing/2010/main" w="9525">
                   <a:solidFill>
                     <a:srgbClr val="000000"/>
                   </a:solidFill>
@@ -9251,7 +9251,7 @@
             </a:ln>
             <a:extLst>
               <a:ext uri="{91240B29-F687-4f45-9708-019B960494DF}">
-                <a14:hiddenLine xmlns:a14="http://schemas.microsoft.com/office/drawing/2010/main" xmlns="" w="9525">
+                <a14:hiddenLine xmlns="" xmlns:a14="http://schemas.microsoft.com/office/drawing/2010/main" w="9525">
                   <a:solidFill>
                     <a:srgbClr val="000000"/>
                   </a:solidFill>
@@ -9341,7 +9341,7 @@
             </a:ln>
             <a:extLst>
               <a:ext uri="{91240B29-F687-4f45-9708-019B960494DF}">
-                <a14:hiddenLine xmlns:a14="http://schemas.microsoft.com/office/drawing/2010/main" xmlns="" w="9525">
+                <a14:hiddenLine xmlns="" xmlns:a14="http://schemas.microsoft.com/office/drawing/2010/main" w="9525">
                   <a:solidFill>
                     <a:srgbClr val="000000"/>
                   </a:solidFill>
@@ -9397,7 +9397,7 @@
             </a:ln>
             <a:extLst>
               <a:ext uri="{91240B29-F687-4f45-9708-019B960494DF}">
-                <a14:hiddenLine xmlns:a14="http://schemas.microsoft.com/office/drawing/2010/main" xmlns="" w="9525">
+                <a14:hiddenLine xmlns="" xmlns:a14="http://schemas.microsoft.com/office/drawing/2010/main" w="9525">
                   <a:solidFill>
                     <a:srgbClr val="000000"/>
                   </a:solidFill>
@@ -9487,7 +9487,7 @@
             </a:ln>
             <a:extLst>
               <a:ext uri="{91240B29-F687-4f45-9708-019B960494DF}">
-                <a14:hiddenLine xmlns:a14="http://schemas.microsoft.com/office/drawing/2010/main" xmlns="" w="9525">
+                <a14:hiddenLine xmlns="" xmlns:a14="http://schemas.microsoft.com/office/drawing/2010/main" w="9525">
                   <a:solidFill>
                     <a:srgbClr val="000000"/>
                   </a:solidFill>
@@ -9543,7 +9543,7 @@
             </a:ln>
             <a:extLst>
               <a:ext uri="{91240B29-F687-4f45-9708-019B960494DF}">
-                <a14:hiddenLine xmlns:a14="http://schemas.microsoft.com/office/drawing/2010/main" xmlns="" w="9525">
+                <a14:hiddenLine xmlns="" xmlns:a14="http://schemas.microsoft.com/office/drawing/2010/main" w="9525">
                   <a:solidFill>
                     <a:srgbClr val="000000"/>
                   </a:solidFill>
@@ -9633,7 +9633,7 @@
             </a:ln>
             <a:extLst>
               <a:ext uri="{91240B29-F687-4f45-9708-019B960494DF}">
-                <a14:hiddenLine xmlns:a14="http://schemas.microsoft.com/office/drawing/2010/main" xmlns="" w="9525">
+                <a14:hiddenLine xmlns="" xmlns:a14="http://schemas.microsoft.com/office/drawing/2010/main" w="9525">
                   <a:solidFill>
                     <a:srgbClr val="000000"/>
                   </a:solidFill>
@@ -9701,7 +9701,7 @@
             </a:ln>
             <a:extLst>
               <a:ext uri="{91240B29-F687-4f45-9708-019B960494DF}">
-                <a14:hiddenLine xmlns:a14="http://schemas.microsoft.com/office/drawing/2010/main" xmlns="" w="9525">
+                <a14:hiddenLine xmlns="" xmlns:a14="http://schemas.microsoft.com/office/drawing/2010/main" w="9525">
                   <a:solidFill>
                     <a:srgbClr val="000000"/>
                   </a:solidFill>
@@ -9791,7 +9791,7 @@
             </a:ln>
             <a:extLst>
               <a:ext uri="{91240B29-F687-4f45-9708-019B960494DF}">
-                <a14:hiddenLine xmlns:a14="http://schemas.microsoft.com/office/drawing/2010/main" xmlns="" w="9525">
+                <a14:hiddenLine xmlns="" xmlns:a14="http://schemas.microsoft.com/office/drawing/2010/main" w="9525">
                   <a:solidFill>
                     <a:srgbClr val="000000"/>
                   </a:solidFill>
@@ -9859,7 +9859,7 @@
             </a:ln>
             <a:extLst>
               <a:ext uri="{91240B29-F687-4f45-9708-019B960494DF}">
-                <a14:hiddenLine xmlns:a14="http://schemas.microsoft.com/office/drawing/2010/main" xmlns="" w="9525">
+                <a14:hiddenLine xmlns="" xmlns:a14="http://schemas.microsoft.com/office/drawing/2010/main" w="9525">
                   <a:solidFill>
                     <a:srgbClr val="000000"/>
                   </a:solidFill>
@@ -9949,7 +9949,7 @@
             </a:ln>
             <a:extLst>
               <a:ext uri="{91240B29-F687-4f45-9708-019B960494DF}">
-                <a14:hiddenLine xmlns:a14="http://schemas.microsoft.com/office/drawing/2010/main" xmlns="" w="9525">
+                <a14:hiddenLine xmlns="" xmlns:a14="http://schemas.microsoft.com/office/drawing/2010/main" w="9525">
                   <a:solidFill>
                     <a:srgbClr val="000000"/>
                   </a:solidFill>
@@ -9983,7 +9983,7 @@
             </a:ln>
             <a:extLst>
               <a:ext uri="{91240B29-F687-4f45-9708-019B960494DF}">
-                <a14:hiddenLine xmlns:a14="http://schemas.microsoft.com/office/drawing/2010/main" xmlns="" w="9525">
+                <a14:hiddenLine xmlns="" xmlns:a14="http://schemas.microsoft.com/office/drawing/2010/main" w="9525">
                   <a:solidFill>
                     <a:srgbClr val="000000"/>
                   </a:solidFill>
@@ -10073,7 +10073,7 @@
             </a:ln>
             <a:extLst>
               <a:ext uri="{91240B29-F687-4f45-9708-019B960494DF}">
-                <a14:hiddenLine xmlns:a14="http://schemas.microsoft.com/office/drawing/2010/main" xmlns="" w="9525">
+                <a14:hiddenLine xmlns="" xmlns:a14="http://schemas.microsoft.com/office/drawing/2010/main" w="9525">
                   <a:solidFill>
                     <a:srgbClr val="000000"/>
                   </a:solidFill>
@@ -10135,7 +10135,7 @@
             </a:ln>
             <a:extLst>
               <a:ext uri="{91240B29-F687-4f45-9708-019B960494DF}">
-                <a14:hiddenLine xmlns:a14="http://schemas.microsoft.com/office/drawing/2010/main" xmlns="" w="9525">
+                <a14:hiddenLine xmlns="" xmlns:a14="http://schemas.microsoft.com/office/drawing/2010/main" w="9525">
                   <a:solidFill>
                     <a:srgbClr val="000000"/>
                   </a:solidFill>
@@ -10197,7 +10197,7 @@
             </a:ln>
             <a:extLst>
               <a:ext uri="{91240B29-F687-4f45-9708-019B960494DF}">
-                <a14:hiddenLine xmlns:a14="http://schemas.microsoft.com/office/drawing/2010/main" xmlns="" w="9525">
+                <a14:hiddenLine xmlns="" xmlns:a14="http://schemas.microsoft.com/office/drawing/2010/main" w="9525">
                   <a:solidFill>
                     <a:srgbClr val="000000"/>
                   </a:solidFill>
@@ -10287,7 +10287,7 @@
             </a:ln>
             <a:extLst>
               <a:ext uri="{91240B29-F687-4f45-9708-019B960494DF}">
-                <a14:hiddenLine xmlns:a14="http://schemas.microsoft.com/office/drawing/2010/main" xmlns="" w="9525">
+                <a14:hiddenLine xmlns="" xmlns:a14="http://schemas.microsoft.com/office/drawing/2010/main" w="9525">
                   <a:solidFill>
                     <a:srgbClr val="000000"/>
                   </a:solidFill>
@@ -10355,7 +10355,7 @@
             </a:ln>
             <a:extLst>
               <a:ext uri="{91240B29-F687-4f45-9708-019B960494DF}">
-                <a14:hiddenLine xmlns:a14="http://schemas.microsoft.com/office/drawing/2010/main" xmlns="" w="9525">
+                <a14:hiddenLine xmlns="" xmlns:a14="http://schemas.microsoft.com/office/drawing/2010/main" w="9525">
                   <a:solidFill>
                     <a:srgbClr val="000000"/>
                   </a:solidFill>
@@ -10417,7 +10417,7 @@
             </a:ln>
             <a:extLst>
               <a:ext uri="{91240B29-F687-4f45-9708-019B960494DF}">
-                <a14:hiddenLine xmlns:a14="http://schemas.microsoft.com/office/drawing/2010/main" xmlns="" w="9525">
+                <a14:hiddenLine xmlns="" xmlns:a14="http://schemas.microsoft.com/office/drawing/2010/main" w="9525">
                   <a:solidFill>
                     <a:srgbClr val="000000"/>
                   </a:solidFill>
@@ -10507,7 +10507,7 @@
             </a:ln>
             <a:extLst>
               <a:ext uri="{91240B29-F687-4f45-9708-019B960494DF}">
-                <a14:hiddenLine xmlns:a14="http://schemas.microsoft.com/office/drawing/2010/main" xmlns="" w="9525">
+                <a14:hiddenLine xmlns="" xmlns:a14="http://schemas.microsoft.com/office/drawing/2010/main" w="9525">
                   <a:solidFill>
                     <a:srgbClr val="000000"/>
                   </a:solidFill>
@@ -10569,7 +10569,7 @@
             </a:ln>
             <a:extLst>
               <a:ext uri="{91240B29-F687-4f45-9708-019B960494DF}">
-                <a14:hiddenLine xmlns:a14="http://schemas.microsoft.com/office/drawing/2010/main" xmlns="" w="9525">
+                <a14:hiddenLine xmlns="" xmlns:a14="http://schemas.microsoft.com/office/drawing/2010/main" w="9525">
                   <a:solidFill>
                     <a:srgbClr val="000000"/>
                   </a:solidFill>
@@ -10659,7 +10659,7 @@
             </a:ln>
             <a:extLst>
               <a:ext uri="{91240B29-F687-4f45-9708-019B960494DF}">
-                <a14:hiddenLine xmlns:a14="http://schemas.microsoft.com/office/drawing/2010/main" xmlns="" w="9525">
+                <a14:hiddenLine xmlns="" xmlns:a14="http://schemas.microsoft.com/office/drawing/2010/main" w="9525">
                   <a:solidFill>
                     <a:srgbClr val="000000"/>
                   </a:solidFill>
@@ -10721,7 +10721,7 @@
             </a:ln>
             <a:extLst>
               <a:ext uri="{91240B29-F687-4f45-9708-019B960494DF}">
-                <a14:hiddenLine xmlns:a14="http://schemas.microsoft.com/office/drawing/2010/main" xmlns="" w="9525">
+                <a14:hiddenLine xmlns="" xmlns:a14="http://schemas.microsoft.com/office/drawing/2010/main" w="9525">
                   <a:solidFill>
                     <a:srgbClr val="000000"/>
                   </a:solidFill>
@@ -10811,7 +10811,7 @@
             </a:ln>
             <a:extLst>
               <a:ext uri="{91240B29-F687-4f45-9708-019B960494DF}">
-                <a14:hiddenLine xmlns:a14="http://schemas.microsoft.com/office/drawing/2010/main" xmlns="" w="9525">
+                <a14:hiddenLine xmlns="" xmlns:a14="http://schemas.microsoft.com/office/drawing/2010/main" w="9525">
                   <a:solidFill>
                     <a:srgbClr val="000000"/>
                   </a:solidFill>
@@ -10845,7 +10845,7 @@
             </a:ln>
             <a:extLst>
               <a:ext uri="{91240B29-F687-4f45-9708-019B960494DF}">
-                <a14:hiddenLine xmlns:a14="http://schemas.microsoft.com/office/drawing/2010/main" xmlns="" w="9525">
+                <a14:hiddenLine xmlns="" xmlns:a14="http://schemas.microsoft.com/office/drawing/2010/main" w="9525">
                   <a:solidFill>
                     <a:srgbClr val="000000"/>
                   </a:solidFill>
@@ -10910,7 +10910,7 @@
             </a:ln>
             <a:extLst>
               <a:ext uri="{91240B29-F687-4f45-9708-019B960494DF}">
-                <a14:hiddenLine xmlns:a14="http://schemas.microsoft.com/office/drawing/2010/main" xmlns="" w="9525">
+                <a14:hiddenLine xmlns="" xmlns:a14="http://schemas.microsoft.com/office/drawing/2010/main" w="9525">
                   <a:solidFill>
                     <a:srgbClr val="000000"/>
                   </a:solidFill>
@@ -11000,7 +11000,7 @@
             </a:ln>
             <a:extLst>
               <a:ext uri="{91240B29-F687-4f45-9708-019B960494DF}">
-                <a14:hiddenLine xmlns:a14="http://schemas.microsoft.com/office/drawing/2010/main" xmlns="" w="9525">
+                <a14:hiddenLine xmlns="" xmlns:a14="http://schemas.microsoft.com/office/drawing/2010/main" w="9525">
                   <a:solidFill>
                     <a:srgbClr val="000000"/>
                   </a:solidFill>
@@ -11062,7 +11062,7 @@
             </a:ln>
             <a:extLst>
               <a:ext uri="{91240B29-F687-4f45-9708-019B960494DF}">
-                <a14:hiddenLine xmlns:a14="http://schemas.microsoft.com/office/drawing/2010/main" xmlns="" w="9525">
+                <a14:hiddenLine xmlns="" xmlns:a14="http://schemas.microsoft.com/office/drawing/2010/main" w="9525">
                   <a:solidFill>
                     <a:srgbClr val="000000"/>
                   </a:solidFill>
@@ -11152,7 +11152,7 @@
             </a:ln>
             <a:extLst>
               <a:ext uri="{91240B29-F687-4f45-9708-019B960494DF}">
-                <a14:hiddenLine xmlns:a14="http://schemas.microsoft.com/office/drawing/2010/main" xmlns="" w="9525">
+                <a14:hiddenLine xmlns="" xmlns:a14="http://schemas.microsoft.com/office/drawing/2010/main" w="9525">
                   <a:solidFill>
                     <a:srgbClr val="000000"/>
                   </a:solidFill>
@@ -11242,7 +11242,7 @@
             </a:ln>
             <a:extLst>
               <a:ext uri="{91240B29-F687-4f45-9708-019B960494DF}">
-                <a14:hiddenLine xmlns:a14="http://schemas.microsoft.com/office/drawing/2010/main" xmlns="" w="9525">
+                <a14:hiddenLine xmlns="" xmlns:a14="http://schemas.microsoft.com/office/drawing/2010/main" w="9525">
                   <a:solidFill>
                     <a:srgbClr val="000000"/>
                   </a:solidFill>
@@ -11307,7 +11307,7 @@
             </a:ln>
             <a:extLst>
               <a:ext uri="{91240B29-F687-4f45-9708-019B960494DF}">
-                <a14:hiddenLine xmlns:a14="http://schemas.microsoft.com/office/drawing/2010/main" xmlns="" w="9525">
+                <a14:hiddenLine xmlns="" xmlns:a14="http://schemas.microsoft.com/office/drawing/2010/main" w="9525">
                   <a:solidFill>
                     <a:srgbClr val="000000"/>
                   </a:solidFill>
@@ -11369,7 +11369,7 @@
             </a:ln>
             <a:extLst>
               <a:ext uri="{91240B29-F687-4f45-9708-019B960494DF}">
-                <a14:hiddenLine xmlns:a14="http://schemas.microsoft.com/office/drawing/2010/main" xmlns="" w="9525">
+                <a14:hiddenLine xmlns="" xmlns:a14="http://schemas.microsoft.com/office/drawing/2010/main" w="9525">
                   <a:solidFill>
                     <a:srgbClr val="000000"/>
                   </a:solidFill>
@@ -11459,7 +11459,7 @@
             </a:ln>
             <a:extLst>
               <a:ext uri="{91240B29-F687-4f45-9708-019B960494DF}">
-                <a14:hiddenLine xmlns:a14="http://schemas.microsoft.com/office/drawing/2010/main" xmlns="" w="9525">
+                <a14:hiddenLine xmlns="" xmlns:a14="http://schemas.microsoft.com/office/drawing/2010/main" w="9525">
                   <a:solidFill>
                     <a:srgbClr val="000000"/>
                   </a:solidFill>
@@ -11549,7 +11549,7 @@
             </a:ln>
             <a:extLst>
               <a:ext uri="{91240B29-F687-4f45-9708-019B960494DF}">
-                <a14:hiddenLine xmlns:a14="http://schemas.microsoft.com/office/drawing/2010/main" xmlns="" w="9525">
+                <a14:hiddenLine xmlns="" xmlns:a14="http://schemas.microsoft.com/office/drawing/2010/main" w="9525">
                   <a:solidFill>
                     <a:srgbClr val="000000"/>
                   </a:solidFill>
@@ -11611,7 +11611,7 @@
             </a:ln>
             <a:extLst>
               <a:ext uri="{91240B29-F687-4f45-9708-019B960494DF}">
-                <a14:hiddenLine xmlns:a14="http://schemas.microsoft.com/office/drawing/2010/main" xmlns="" w="9525">
+                <a14:hiddenLine xmlns="" xmlns:a14="http://schemas.microsoft.com/office/drawing/2010/main" w="9525">
                   <a:solidFill>
                     <a:srgbClr val="000000"/>
                   </a:solidFill>
@@ -11731,7 +11731,7 @@
             </a:ln>
             <a:extLst>
               <a:ext uri="{91240B29-F687-4f45-9708-019B960494DF}">
-                <a14:hiddenLine xmlns:a14="http://schemas.microsoft.com/office/drawing/2010/main" xmlns="" w="9525">
+                <a14:hiddenLine xmlns="" xmlns:a14="http://schemas.microsoft.com/office/drawing/2010/main" w="9525">
                   <a:solidFill>
                     <a:srgbClr val="000000"/>
                   </a:solidFill>
@@ -11799,7 +11799,7 @@
             </a:ln>
             <a:extLst>
               <a:ext uri="{91240B29-F687-4f45-9708-019B960494DF}">
-                <a14:hiddenLine xmlns:a14="http://schemas.microsoft.com/office/drawing/2010/main" xmlns="" w="9525">
+                <a14:hiddenLine xmlns="" xmlns:a14="http://schemas.microsoft.com/office/drawing/2010/main" w="9525">
                   <a:solidFill>
                     <a:srgbClr val="000000"/>
                   </a:solidFill>
@@ -11889,7 +11889,7 @@
             </a:ln>
             <a:extLst>
               <a:ext uri="{91240B29-F687-4f45-9708-019B960494DF}">
-                <a14:hiddenLine xmlns:a14="http://schemas.microsoft.com/office/drawing/2010/main" xmlns="" w="9525">
+                <a14:hiddenLine xmlns="" xmlns:a14="http://schemas.microsoft.com/office/drawing/2010/main" w="9525">
                   <a:solidFill>
                     <a:srgbClr val="000000"/>
                   </a:solidFill>
@@ -12029,7 +12029,7 @@
           <a:p>
             <a:fld id="{48A87A34-81AB-432B-8DAE-1953F412C126}" type="datetimeFigureOut">
               <a:rPr lang="en-US" dirty="0"/>
-              <a:t>12/7/2015</a:t>
+              <a:t>12/8/2015</a:t>
             </a:fld>
             <a:endParaRPr lang="en-US" dirty="0"/>
           </a:p>
@@ -12291,7 +12291,7 @@
           <a:p>
             <a:fld id="{48A87A34-81AB-432B-8DAE-1953F412C126}" type="datetimeFigureOut">
               <a:rPr lang="en-US" dirty="0"/>
-              <a:t>12/7/2015</a:t>
+              <a:t>12/8/2015</a:t>
             </a:fld>
             <a:endParaRPr lang="en-US" dirty="0"/>
           </a:p>
@@ -12482,7 +12482,7 @@
           <a:p>
             <a:fld id="{48A87A34-81AB-432B-8DAE-1953F412C126}" type="datetimeFigureOut">
               <a:rPr lang="en-US" dirty="0"/>
-              <a:t>12/7/2015</a:t>
+              <a:t>12/8/2015</a:t>
             </a:fld>
             <a:endParaRPr lang="en-US" dirty="0"/>
           </a:p>
@@ -12740,7 +12740,7 @@
           <a:p>
             <a:fld id="{48A87A34-81AB-432B-8DAE-1953F412C126}" type="datetimeFigureOut">
               <a:rPr lang="en-US" dirty="0"/>
-              <a:t>12/7/2015</a:t>
+              <a:t>12/8/2015</a:t>
             </a:fld>
             <a:endParaRPr lang="en-US" dirty="0"/>
           </a:p>
@@ -13169,7 +13169,7 @@
           <a:p>
             <a:fld id="{48A87A34-81AB-432B-8DAE-1953F412C126}" type="datetimeFigureOut">
               <a:rPr lang="en-US" dirty="0"/>
-              <a:t>12/7/2015</a:t>
+              <a:t>12/8/2015</a:t>
             </a:fld>
             <a:endParaRPr lang="en-US" dirty="0"/>
           </a:p>
@@ -13710,7 +13710,7 @@
           <a:p>
             <a:fld id="{48A87A34-81AB-432B-8DAE-1953F412C126}" type="datetimeFigureOut">
               <a:rPr lang="en-US" dirty="0"/>
-              <a:t>12/7/2015</a:t>
+              <a:t>12/8/2015</a:t>
             </a:fld>
             <a:endParaRPr lang="en-US" dirty="0"/>
           </a:p>
@@ -14425,7 +14425,7 @@
           <a:p>
             <a:fld id="{48A87A34-81AB-432B-8DAE-1953F412C126}" type="datetimeFigureOut">
               <a:rPr lang="en-US" dirty="0"/>
-              <a:t>12/7/2015</a:t>
+              <a:t>12/8/2015</a:t>
             </a:fld>
             <a:endParaRPr lang="en-US" dirty="0"/>
           </a:p>
@@ -14590,7 +14590,7 @@
           <a:p>
             <a:fld id="{48A87A34-81AB-432B-8DAE-1953F412C126}" type="datetimeFigureOut">
               <a:rPr lang="en-US" dirty="0"/>
-              <a:t>12/7/2015</a:t>
+              <a:t>12/8/2015</a:t>
             </a:fld>
             <a:endParaRPr lang="en-US" dirty="0"/>
           </a:p>
@@ -14765,7 +14765,7 @@
           <a:p>
             <a:fld id="{48A87A34-81AB-432B-8DAE-1953F412C126}" type="datetimeFigureOut">
               <a:rPr lang="en-US" dirty="0"/>
-              <a:t>12/7/2015</a:t>
+              <a:t>12/8/2015</a:t>
             </a:fld>
             <a:endParaRPr lang="en-US" dirty="0"/>
           </a:p>
@@ -14930,7 +14930,7 @@
           <a:p>
             <a:fld id="{48A87A34-81AB-432B-8DAE-1953F412C126}" type="datetimeFigureOut">
               <a:rPr lang="en-US" dirty="0"/>
-              <a:t>12/7/2015</a:t>
+              <a:t>12/8/2015</a:t>
             </a:fld>
             <a:endParaRPr lang="en-US" dirty="0"/>
           </a:p>
@@ -15175,7 +15175,7 @@
           <a:p>
             <a:fld id="{48A87A34-81AB-432B-8DAE-1953F412C126}" type="datetimeFigureOut">
               <a:rPr lang="en-US" dirty="0"/>
-              <a:t>12/7/2015</a:t>
+              <a:t>12/8/2015</a:t>
             </a:fld>
             <a:endParaRPr lang="en-US" dirty="0"/>
           </a:p>
@@ -15402,7 +15402,7 @@
           <a:p>
             <a:fld id="{48A87A34-81AB-432B-8DAE-1953F412C126}" type="datetimeFigureOut">
               <a:rPr lang="en-US" dirty="0"/>
-              <a:t>12/7/2015</a:t>
+              <a:t>12/8/2015</a:t>
             </a:fld>
             <a:endParaRPr lang="en-US" dirty="0"/>
           </a:p>
@@ -15778,7 +15778,7 @@
           <a:p>
             <a:fld id="{48A87A34-81AB-432B-8DAE-1953F412C126}" type="datetimeFigureOut">
               <a:rPr lang="en-US" dirty="0"/>
-              <a:t>12/7/2015</a:t>
+              <a:t>12/8/2015</a:t>
             </a:fld>
             <a:endParaRPr lang="en-US" dirty="0"/>
           </a:p>
@@ -15891,7 +15891,7 @@
           <a:p>
             <a:fld id="{48A87A34-81AB-432B-8DAE-1953F412C126}" type="datetimeFigureOut">
               <a:rPr lang="en-US" dirty="0"/>
-              <a:t>12/7/2015</a:t>
+              <a:t>12/8/2015</a:t>
             </a:fld>
             <a:endParaRPr lang="en-US" dirty="0"/>
           </a:p>
@@ -15981,7 +15981,7 @@
           <a:p>
             <a:fld id="{48A87A34-81AB-432B-8DAE-1953F412C126}" type="datetimeFigureOut">
               <a:rPr lang="en-US" dirty="0"/>
-              <a:t>12/7/2015</a:t>
+              <a:t>12/8/2015</a:t>
             </a:fld>
             <a:endParaRPr lang="en-US" dirty="0"/>
           </a:p>
@@ -16225,7 +16225,7 @@
           <a:p>
             <a:fld id="{48A87A34-81AB-432B-8DAE-1953F412C126}" type="datetimeFigureOut">
               <a:rPr lang="en-US" dirty="0"/>
-              <a:t>12/7/2015</a:t>
+              <a:t>12/8/2015</a:t>
             </a:fld>
             <a:endParaRPr lang="en-US" dirty="0"/>
           </a:p>
@@ -16500,7 +16500,7 @@
           <a:p>
             <a:fld id="{48A87A34-81AB-432B-8DAE-1953F412C126}" type="datetimeFigureOut">
               <a:rPr lang="en-US" dirty="0"/>
-              <a:t>12/7/2015</a:t>
+              <a:t>12/8/2015</a:t>
             </a:fld>
             <a:endParaRPr lang="en-US" dirty="0"/>
           </a:p>
@@ -16611,7 +16611,7 @@
           <a:noFill/>
           <a:extLst>
             <a:ext uri="{909E8E84-426E-40dd-AFC4-6F175D3DCCD1}">
-              <a14:hiddenFill xmlns:a14="http://schemas.microsoft.com/office/drawing/2010/main" xmlns="">
+              <a14:hiddenFill xmlns="" xmlns:a14="http://schemas.microsoft.com/office/drawing/2010/main">
                 <a:solidFill>
                   <a:srgbClr val="FFFFFF"/>
                 </a:solidFill>
@@ -16685,7 +16685,7 @@
               </a:ln>
               <a:extLst>
                 <a:ext uri="{91240B29-F687-4f45-9708-019B960494DF}">
-                  <a14:hiddenLine xmlns:a14="http://schemas.microsoft.com/office/drawing/2010/main" xmlns="" w="9525">
+                  <a14:hiddenLine xmlns="" xmlns:a14="http://schemas.microsoft.com/office/drawing/2010/main" w="9525">
                     <a:solidFill>
                       <a:srgbClr val="000000"/>
                     </a:solidFill>
@@ -16775,7 +16775,7 @@
               </a:ln>
               <a:extLst>
                 <a:ext uri="{91240B29-F687-4f45-9708-019B960494DF}">
-                  <a14:hiddenLine xmlns:a14="http://schemas.microsoft.com/office/drawing/2010/main" xmlns="" w="9525">
+                  <a14:hiddenLine xmlns="" xmlns:a14="http://schemas.microsoft.com/office/drawing/2010/main" w="9525">
                     <a:solidFill>
                       <a:srgbClr val="000000"/>
                     </a:solidFill>
@@ -16865,7 +16865,7 @@
               </a:ln>
               <a:extLst>
                 <a:ext uri="{91240B29-F687-4f45-9708-019B960494DF}">
-                  <a14:hiddenLine xmlns:a14="http://schemas.microsoft.com/office/drawing/2010/main" xmlns="" w="9525">
+                  <a14:hiddenLine xmlns="" xmlns:a14="http://schemas.microsoft.com/office/drawing/2010/main" w="9525">
                     <a:solidFill>
                       <a:srgbClr val="000000"/>
                     </a:solidFill>
@@ -16927,7 +16927,7 @@
               </a:ln>
               <a:extLst>
                 <a:ext uri="{91240B29-F687-4f45-9708-019B960494DF}">
-                  <a14:hiddenLine xmlns:a14="http://schemas.microsoft.com/office/drawing/2010/main" xmlns="" w="9525">
+                  <a14:hiddenLine xmlns="" xmlns:a14="http://schemas.microsoft.com/office/drawing/2010/main" w="9525">
                     <a:solidFill>
                       <a:srgbClr val="000000"/>
                     </a:solidFill>
@@ -17017,7 +17017,7 @@
               </a:ln>
               <a:extLst>
                 <a:ext uri="{91240B29-F687-4f45-9708-019B960494DF}">
-                  <a14:hiddenLine xmlns:a14="http://schemas.microsoft.com/office/drawing/2010/main" xmlns="" w="9525">
+                  <a14:hiddenLine xmlns="" xmlns:a14="http://schemas.microsoft.com/office/drawing/2010/main" w="9525">
                     <a:solidFill>
                       <a:srgbClr val="000000"/>
                     </a:solidFill>
@@ -17079,7 +17079,7 @@
               </a:ln>
               <a:extLst>
                 <a:ext uri="{91240B29-F687-4f45-9708-019B960494DF}">
-                  <a14:hiddenLine xmlns:a14="http://schemas.microsoft.com/office/drawing/2010/main" xmlns="" w="9525">
+                  <a14:hiddenLine xmlns="" xmlns:a14="http://schemas.microsoft.com/office/drawing/2010/main" w="9525">
                     <a:solidFill>
                       <a:srgbClr val="000000"/>
                     </a:solidFill>
@@ -17141,7 +17141,7 @@
               </a:ln>
               <a:extLst>
                 <a:ext uri="{91240B29-F687-4f45-9708-019B960494DF}">
-                  <a14:hiddenLine xmlns:a14="http://schemas.microsoft.com/office/drawing/2010/main" xmlns="" w="9525">
+                  <a14:hiddenLine xmlns="" xmlns:a14="http://schemas.microsoft.com/office/drawing/2010/main" w="9525">
                     <a:solidFill>
                       <a:srgbClr val="000000"/>
                     </a:solidFill>
@@ -17231,7 +17231,7 @@
               </a:ln>
               <a:extLst>
                 <a:ext uri="{91240B29-F687-4f45-9708-019B960494DF}">
-                  <a14:hiddenLine xmlns:a14="http://schemas.microsoft.com/office/drawing/2010/main" xmlns="" w="9525">
+                  <a14:hiddenLine xmlns="" xmlns:a14="http://schemas.microsoft.com/office/drawing/2010/main" w="9525">
                     <a:solidFill>
                       <a:srgbClr val="000000"/>
                     </a:solidFill>
@@ -17321,7 +17321,7 @@
               </a:ln>
               <a:extLst>
                 <a:ext uri="{91240B29-F687-4f45-9708-019B960494DF}">
-                  <a14:hiddenLine xmlns:a14="http://schemas.microsoft.com/office/drawing/2010/main" xmlns="" w="9525">
+                  <a14:hiddenLine xmlns="" xmlns:a14="http://schemas.microsoft.com/office/drawing/2010/main" w="9525">
                     <a:solidFill>
                       <a:srgbClr val="000000"/>
                     </a:solidFill>
@@ -17383,7 +17383,7 @@
               </a:ln>
               <a:extLst>
                 <a:ext uri="{91240B29-F687-4f45-9708-019B960494DF}">
-                  <a14:hiddenLine xmlns:a14="http://schemas.microsoft.com/office/drawing/2010/main" xmlns="" w="9525">
+                  <a14:hiddenLine xmlns="" xmlns:a14="http://schemas.microsoft.com/office/drawing/2010/main" w="9525">
                     <a:solidFill>
                       <a:srgbClr val="000000"/>
                     </a:solidFill>
@@ -17493,7 +17493,7 @@
               </a:ln>
               <a:extLst>
                 <a:ext uri="{91240B29-F687-4f45-9708-019B960494DF}">
-                  <a14:hiddenLine xmlns:a14="http://schemas.microsoft.com/office/drawing/2010/main" xmlns="" w="9525">
+                  <a14:hiddenLine xmlns="" xmlns:a14="http://schemas.microsoft.com/office/drawing/2010/main" w="9525">
                     <a:solidFill>
                       <a:srgbClr val="000000"/>
                     </a:solidFill>
@@ -17577,7 +17577,7 @@
               </a:ln>
               <a:extLst>
                 <a:ext uri="{91240B29-F687-4f45-9708-019B960494DF}">
-                  <a14:hiddenLine xmlns:a14="http://schemas.microsoft.com/office/drawing/2010/main" xmlns="" w="9525">
+                  <a14:hiddenLine xmlns="" xmlns:a14="http://schemas.microsoft.com/office/drawing/2010/main" w="9525">
                     <a:solidFill>
                       <a:srgbClr val="000000"/>
                     </a:solidFill>
@@ -17639,7 +17639,7 @@
               </a:ln>
               <a:extLst>
                 <a:ext uri="{91240B29-F687-4f45-9708-019B960494DF}">
-                  <a14:hiddenLine xmlns:a14="http://schemas.microsoft.com/office/drawing/2010/main" xmlns="" w="9525">
+                  <a14:hiddenLine xmlns="" xmlns:a14="http://schemas.microsoft.com/office/drawing/2010/main" w="9525">
                     <a:solidFill>
                       <a:srgbClr val="000000"/>
                     </a:solidFill>
@@ -17701,7 +17701,7 @@
               </a:ln>
               <a:extLst>
                 <a:ext uri="{91240B29-F687-4f45-9708-019B960494DF}">
-                  <a14:hiddenLine xmlns:a14="http://schemas.microsoft.com/office/drawing/2010/main" xmlns="" w="9525">
+                  <a14:hiddenLine xmlns="" xmlns:a14="http://schemas.microsoft.com/office/drawing/2010/main" w="9525">
                     <a:solidFill>
                       <a:srgbClr val="000000"/>
                     </a:solidFill>
@@ -17791,7 +17791,7 @@
               </a:ln>
               <a:extLst>
                 <a:ext uri="{91240B29-F687-4f45-9708-019B960494DF}">
-                  <a14:hiddenLine xmlns:a14="http://schemas.microsoft.com/office/drawing/2010/main" xmlns="" w="9525">
+                  <a14:hiddenLine xmlns="" xmlns:a14="http://schemas.microsoft.com/office/drawing/2010/main" w="9525">
                     <a:solidFill>
                       <a:srgbClr val="000000"/>
                     </a:solidFill>
@@ -17825,7 +17825,7 @@
               </a:ln>
               <a:extLst>
                 <a:ext uri="{91240B29-F687-4f45-9708-019B960494DF}">
-                  <a14:hiddenLine xmlns:a14="http://schemas.microsoft.com/office/drawing/2010/main" xmlns="" w="9525">
+                  <a14:hiddenLine xmlns="" xmlns:a14="http://schemas.microsoft.com/office/drawing/2010/main" w="9525">
                     <a:solidFill>
                       <a:srgbClr val="000000"/>
                     </a:solidFill>
@@ -17890,7 +17890,7 @@
               </a:ln>
               <a:extLst>
                 <a:ext uri="{91240B29-F687-4f45-9708-019B960494DF}">
-                  <a14:hiddenLine xmlns:a14="http://schemas.microsoft.com/office/drawing/2010/main" xmlns="" w="9525">
+                  <a14:hiddenLine xmlns="" xmlns:a14="http://schemas.microsoft.com/office/drawing/2010/main" w="9525">
                     <a:solidFill>
                       <a:srgbClr val="000000"/>
                     </a:solidFill>
@@ -17980,7 +17980,7 @@
               </a:ln>
               <a:extLst>
                 <a:ext uri="{91240B29-F687-4f45-9708-019B960494DF}">
-                  <a14:hiddenLine xmlns:a14="http://schemas.microsoft.com/office/drawing/2010/main" xmlns="" w="9525">
+                  <a14:hiddenLine xmlns="" xmlns:a14="http://schemas.microsoft.com/office/drawing/2010/main" w="9525">
                     <a:solidFill>
                       <a:srgbClr val="000000"/>
                     </a:solidFill>
@@ -18042,7 +18042,7 @@
               </a:ln>
               <a:extLst>
                 <a:ext uri="{91240B29-F687-4f45-9708-019B960494DF}">
-                  <a14:hiddenLine xmlns:a14="http://schemas.microsoft.com/office/drawing/2010/main" xmlns="" w="9525">
+                  <a14:hiddenLine xmlns="" xmlns:a14="http://schemas.microsoft.com/office/drawing/2010/main" w="9525">
                     <a:solidFill>
                       <a:srgbClr val="000000"/>
                     </a:solidFill>
@@ -18132,7 +18132,7 @@
               </a:ln>
               <a:extLst>
                 <a:ext uri="{91240B29-F687-4f45-9708-019B960494DF}">
-                  <a14:hiddenLine xmlns:a14="http://schemas.microsoft.com/office/drawing/2010/main" xmlns="" w="9525">
+                  <a14:hiddenLine xmlns="" xmlns:a14="http://schemas.microsoft.com/office/drawing/2010/main" w="9525">
                     <a:solidFill>
                       <a:srgbClr val="000000"/>
                     </a:solidFill>
@@ -18197,7 +18197,7 @@
               </a:ln>
               <a:extLst>
                 <a:ext uri="{91240B29-F687-4f45-9708-019B960494DF}">
-                  <a14:hiddenLine xmlns:a14="http://schemas.microsoft.com/office/drawing/2010/main" xmlns="" w="9525">
+                  <a14:hiddenLine xmlns="" xmlns:a14="http://schemas.microsoft.com/office/drawing/2010/main" w="9525">
                     <a:solidFill>
                       <a:srgbClr val="000000"/>
                     </a:solidFill>
@@ -18259,7 +18259,7 @@
               </a:ln>
               <a:extLst>
                 <a:ext uri="{91240B29-F687-4f45-9708-019B960494DF}">
-                  <a14:hiddenLine xmlns:a14="http://schemas.microsoft.com/office/drawing/2010/main" xmlns="" w="9525">
+                  <a14:hiddenLine xmlns="" xmlns:a14="http://schemas.microsoft.com/office/drawing/2010/main" w="9525">
                     <a:solidFill>
                       <a:srgbClr val="000000"/>
                     </a:solidFill>
@@ -18349,7 +18349,7 @@
               </a:ln>
               <a:extLst>
                 <a:ext uri="{91240B29-F687-4f45-9708-019B960494DF}">
-                  <a14:hiddenLine xmlns:a14="http://schemas.microsoft.com/office/drawing/2010/main" xmlns="" w="9525">
+                  <a14:hiddenLine xmlns="" xmlns:a14="http://schemas.microsoft.com/office/drawing/2010/main" w="9525">
                     <a:solidFill>
                       <a:srgbClr val="000000"/>
                     </a:solidFill>
@@ -18439,7 +18439,7 @@
               </a:ln>
               <a:extLst>
                 <a:ext uri="{91240B29-F687-4f45-9708-019B960494DF}">
-                  <a14:hiddenLine xmlns:a14="http://schemas.microsoft.com/office/drawing/2010/main" xmlns="" w="9525">
+                  <a14:hiddenLine xmlns="" xmlns:a14="http://schemas.microsoft.com/office/drawing/2010/main" w="9525">
                     <a:solidFill>
                       <a:srgbClr val="000000"/>
                     </a:solidFill>
@@ -18504,7 +18504,7 @@
               </a:ln>
               <a:extLst>
                 <a:ext uri="{91240B29-F687-4f45-9708-019B960494DF}">
-                  <a14:hiddenLine xmlns:a14="http://schemas.microsoft.com/office/drawing/2010/main" xmlns="" w="9525">
+                  <a14:hiddenLine xmlns="" xmlns:a14="http://schemas.microsoft.com/office/drawing/2010/main" w="9525">
                     <a:solidFill>
                       <a:srgbClr val="000000"/>
                     </a:solidFill>
@@ -18624,7 +18624,7 @@
               </a:ln>
               <a:extLst>
                 <a:ext uri="{91240B29-F687-4f45-9708-019B960494DF}">
-                  <a14:hiddenLine xmlns:a14="http://schemas.microsoft.com/office/drawing/2010/main" xmlns="" w="9525">
+                  <a14:hiddenLine xmlns="" xmlns:a14="http://schemas.microsoft.com/office/drawing/2010/main" w="9525">
                     <a:solidFill>
                       <a:srgbClr val="000000"/>
                     </a:solidFill>
@@ -18722,7 +18722,7 @@
               </a:ln>
               <a:extLst>
                 <a:ext uri="{91240B29-F687-4f45-9708-019B960494DF}">
-                  <a14:hiddenLine xmlns:a14="http://schemas.microsoft.com/office/drawing/2010/main" xmlns="" w="9525">
+                  <a14:hiddenLine xmlns="" xmlns:a14="http://schemas.microsoft.com/office/drawing/2010/main" w="9525">
                     <a:solidFill>
                       <a:srgbClr val="000000"/>
                     </a:solidFill>
@@ -18837,7 +18837,7 @@
               </a:ln>
               <a:extLst>
                 <a:ext uri="{91240B29-F687-4f45-9708-019B960494DF}">
-                  <a14:hiddenLine xmlns:a14="http://schemas.microsoft.com/office/drawing/2010/main" xmlns="" w="9525">
+                  <a14:hiddenLine xmlns="" xmlns:a14="http://schemas.microsoft.com/office/drawing/2010/main" w="9525">
                     <a:solidFill>
                       <a:srgbClr val="000000"/>
                     </a:solidFill>
@@ -18927,7 +18927,7 @@
               </a:ln>
               <a:extLst>
                 <a:ext uri="{91240B29-F687-4f45-9708-019B960494DF}">
-                  <a14:hiddenLine xmlns:a14="http://schemas.microsoft.com/office/drawing/2010/main" xmlns="" w="9525">
+                  <a14:hiddenLine xmlns="" xmlns:a14="http://schemas.microsoft.com/office/drawing/2010/main" w="9525">
                     <a:solidFill>
                       <a:srgbClr val="000000"/>
                     </a:solidFill>
@@ -18992,7 +18992,7 @@
               </a:ln>
               <a:extLst>
                 <a:ext uri="{91240B29-F687-4f45-9708-019B960494DF}">
-                  <a14:hiddenLine xmlns:a14="http://schemas.microsoft.com/office/drawing/2010/main" xmlns="" w="9525">
+                  <a14:hiddenLine xmlns="" xmlns:a14="http://schemas.microsoft.com/office/drawing/2010/main" w="9525">
                     <a:solidFill>
                       <a:srgbClr val="000000"/>
                     </a:solidFill>
@@ -19082,7 +19082,7 @@
               </a:ln>
               <a:extLst>
                 <a:ext uri="{91240B29-F687-4f45-9708-019B960494DF}">
-                  <a14:hiddenLine xmlns:a14="http://schemas.microsoft.com/office/drawing/2010/main" xmlns="" w="9525">
+                  <a14:hiddenLine xmlns="" xmlns:a14="http://schemas.microsoft.com/office/drawing/2010/main" w="9525">
                     <a:solidFill>
                       <a:srgbClr val="000000"/>
                     </a:solidFill>
@@ -19150,7 +19150,7 @@
               </a:ln>
               <a:extLst>
                 <a:ext uri="{91240B29-F687-4f45-9708-019B960494DF}">
-                  <a14:hiddenLine xmlns:a14="http://schemas.microsoft.com/office/drawing/2010/main" xmlns="" w="9525">
+                  <a14:hiddenLine xmlns="" xmlns:a14="http://schemas.microsoft.com/office/drawing/2010/main" w="9525">
                     <a:solidFill>
                       <a:srgbClr val="000000"/>
                     </a:solidFill>
@@ -19240,7 +19240,7 @@
               </a:ln>
               <a:extLst>
                 <a:ext uri="{91240B29-F687-4f45-9708-019B960494DF}">
-                  <a14:hiddenLine xmlns:a14="http://schemas.microsoft.com/office/drawing/2010/main" xmlns="" w="9525">
+                  <a14:hiddenLine xmlns="" xmlns:a14="http://schemas.microsoft.com/office/drawing/2010/main" w="9525">
                     <a:solidFill>
                       <a:srgbClr val="000000"/>
                     </a:solidFill>
@@ -19308,7 +19308,7 @@
               </a:ln>
               <a:extLst>
                 <a:ext uri="{91240B29-F687-4f45-9708-019B960494DF}">
-                  <a14:hiddenLine xmlns:a14="http://schemas.microsoft.com/office/drawing/2010/main" xmlns="" w="9525">
+                  <a14:hiddenLine xmlns="" xmlns:a14="http://schemas.microsoft.com/office/drawing/2010/main" w="9525">
                     <a:solidFill>
                       <a:srgbClr val="000000"/>
                     </a:solidFill>
@@ -19398,7 +19398,7 @@
               </a:ln>
               <a:extLst>
                 <a:ext uri="{91240B29-F687-4f45-9708-019B960494DF}">
-                  <a14:hiddenLine xmlns:a14="http://schemas.microsoft.com/office/drawing/2010/main" xmlns="" w="9525">
+                  <a14:hiddenLine xmlns="" xmlns:a14="http://schemas.microsoft.com/office/drawing/2010/main" w="9525">
                     <a:solidFill>
                       <a:srgbClr val="000000"/>
                     </a:solidFill>
@@ -19432,7 +19432,7 @@
               </a:ln>
               <a:extLst>
                 <a:ext uri="{91240B29-F687-4f45-9708-019B960494DF}">
-                  <a14:hiddenLine xmlns:a14="http://schemas.microsoft.com/office/drawing/2010/main" xmlns="" w="9525">
+                  <a14:hiddenLine xmlns="" xmlns:a14="http://schemas.microsoft.com/office/drawing/2010/main" w="9525">
                     <a:solidFill>
                       <a:srgbClr val="000000"/>
                     </a:solidFill>
@@ -19573,7 +19573,7 @@
             <a:fld id="{48A87A34-81AB-432B-8DAE-1953F412C126}" type="datetimeFigureOut">
               <a:rPr lang="en-US" dirty="0"/>
               <a:pPr/>
-              <a:t>12/7/2015</a:t>
+              <a:t>12/8/2015</a:t>
             </a:fld>
             <a:endParaRPr lang="en-US" dirty="0"/>
           </a:p>
@@ -20275,7 +20275,7 @@
         </p:spPr>
         <p:txBody>
           <a:bodyPr>
-            <a:normAutofit fontScale="77500" lnSpcReduction="20000"/>
+            <a:normAutofit fontScale="85000" lnSpcReduction="20000"/>
           </a:bodyPr>
           <a:lstStyle/>
           <a:p>
@@ -20631,7 +20631,7 @@
           <a:bodyPr/>
           <a:lstStyle/>
           <a:p>
-            <a:endParaRPr lang="en-IN"/>
+            <a:endParaRPr lang="en-IN" dirty="0"/>
           </a:p>
         </p:txBody>
       </p:sp>
@@ -20768,15 +20768,7 @@
             <a:pPr lvl="2"/>
             <a:r>
               <a:rPr lang="en-IN" dirty="0" smtClean="0"/>
-              <a:t>Heart rate to </a:t>
-            </a:r>
-            <a:r>
-              <a:rPr lang="en-IN" dirty="0" smtClean="0"/>
-              <a:t>detect </a:t>
-            </a:r>
-            <a:r>
-              <a:rPr lang="en-IN" dirty="0" smtClean="0"/>
-              <a:t>spike or fall</a:t>
+              <a:t>Heart rate to detect spike or fall</a:t>
             </a:r>
           </a:p>
           <a:p>
@@ -20882,8 +20874,8 @@
         </p:nvSpPr>
         <p:spPr>
           <a:xfrm>
-            <a:off x="5278902" y="2112208"/>
-            <a:ext cx="1494720" cy="1813320"/>
+            <a:off x="5274222" y="1658510"/>
+            <a:ext cx="1494720" cy="2273373"/>
           </a:xfrm>
           <a:prstGeom prst="rect">
             <a:avLst/>
@@ -20907,7 +20899,12 @@
                 <a:spcPct val="100000"/>
               </a:lnSpc>
             </a:pPr>
-            <a:endParaRPr dirty="0"/>
+            <a:endParaRPr lang="en-US" sz="1200" b="1" dirty="0" smtClean="0">
+              <a:solidFill>
+                <a:srgbClr val="000000"/>
+              </a:solidFill>
+              <a:latin typeface="Calibri"/>
+            </a:endParaRPr>
           </a:p>
           <a:p>
             <a:pPr algn="ctr">
@@ -20915,7 +20912,51 @@
                 <a:spcPct val="100000"/>
               </a:lnSpc>
             </a:pPr>
-            <a:endParaRPr dirty="0"/>
+            <a:endParaRPr lang="en-US" sz="1200" b="1" dirty="0">
+              <a:solidFill>
+                <a:srgbClr val="000000"/>
+              </a:solidFill>
+              <a:latin typeface="Calibri"/>
+            </a:endParaRPr>
+          </a:p>
+          <a:p>
+            <a:pPr algn="ctr">
+              <a:lnSpc>
+                <a:spcPct val="100000"/>
+              </a:lnSpc>
+            </a:pPr>
+            <a:endParaRPr lang="en-US" sz="1200" b="1" dirty="0" smtClean="0">
+              <a:solidFill>
+                <a:srgbClr val="000000"/>
+              </a:solidFill>
+              <a:latin typeface="Calibri"/>
+            </a:endParaRPr>
+          </a:p>
+          <a:p>
+            <a:pPr algn="ctr">
+              <a:lnSpc>
+                <a:spcPct val="100000"/>
+              </a:lnSpc>
+            </a:pPr>
+            <a:endParaRPr lang="en-US" sz="1200" b="1" dirty="0">
+              <a:solidFill>
+                <a:srgbClr val="000000"/>
+              </a:solidFill>
+              <a:latin typeface="Calibri"/>
+            </a:endParaRPr>
+          </a:p>
+          <a:p>
+            <a:pPr algn="ctr">
+              <a:lnSpc>
+                <a:spcPct val="100000"/>
+              </a:lnSpc>
+            </a:pPr>
+            <a:endParaRPr lang="en-US" sz="1200" b="1" dirty="0" smtClean="0">
+              <a:solidFill>
+                <a:srgbClr val="000000"/>
+              </a:solidFill>
+              <a:latin typeface="Calibri"/>
+            </a:endParaRPr>
           </a:p>
           <a:p>
             <a:pPr algn="ctr">
@@ -20924,7 +20965,7 @@
               </a:lnSpc>
             </a:pPr>
             <a:r>
-              <a:rPr lang="en-US" sz="1200" b="1" dirty="0">
+              <a:rPr lang="en-US" sz="1200" b="1" dirty="0" smtClean="0">
                 <a:solidFill>
                   <a:srgbClr val="000000"/>
                 </a:solidFill>
@@ -20933,7 +20974,7 @@
               <a:t>MSP-430EXPFR6989</a:t>
             </a:r>
             <a:r>
-              <a:rPr lang="en-US" sz="1600" b="1" dirty="0">
+              <a:rPr lang="en-US" sz="1600" b="1" dirty="0" smtClean="0">
                 <a:solidFill>
                   <a:srgbClr val="000000"/>
                 </a:solidFill>
@@ -21049,7 +21090,7 @@
         <p:spPr>
           <a:xfrm>
             <a:off x="3221502" y="2737168"/>
-            <a:ext cx="1494720" cy="456840"/>
+            <a:ext cx="1494720" cy="548280"/>
           </a:xfrm>
           <a:prstGeom prst="rect">
             <a:avLst/>
@@ -21074,7 +21115,7 @@
               </a:lnSpc>
             </a:pPr>
             <a:r>
-              <a:rPr lang="en-US" sz="1400" b="1" dirty="0">
+              <a:rPr lang="en-US" sz="1400" b="1" dirty="0" smtClean="0">
                 <a:solidFill>
                   <a:srgbClr val="000000"/>
                 </a:solidFill>
@@ -21082,7 +21123,40 @@
               </a:rPr>
               <a:t>Gyro</a:t>
             </a:r>
-            <a:endParaRPr b="1" dirty="0"/>
+          </a:p>
+          <a:p>
+            <a:pPr algn="ctr">
+              <a:lnSpc>
+                <a:spcPct val="100000"/>
+              </a:lnSpc>
+            </a:pPr>
+            <a:r>
+              <a:rPr lang="en-US" sz="1400" b="1" dirty="0" smtClean="0">
+                <a:solidFill>
+                  <a:srgbClr val="000000"/>
+                </a:solidFill>
+                <a:latin typeface="Calibri"/>
+              </a:rPr>
+              <a:t>LSM9DS0</a:t>
+            </a:r>
+            <a:endParaRPr lang="en-US" sz="1400" b="1" dirty="0" smtClean="0">
+              <a:solidFill>
+                <a:srgbClr val="000000"/>
+              </a:solidFill>
+              <a:latin typeface="Calibri"/>
+            </a:endParaRPr>
+          </a:p>
+          <a:p>
+            <a:pPr algn="ctr">
+              <a:lnSpc>
+                <a:spcPct val="100000"/>
+              </a:lnSpc>
+            </a:pPr>
+            <a:endParaRPr b="1" dirty="0">
+              <a:solidFill>
+                <a:schemeClr val="bg1"/>
+              </a:solidFill>
+            </a:endParaRPr>
           </a:p>
         </p:txBody>
       </p:sp>
@@ -21095,7 +21169,7 @@
         <p:spPr>
           <a:xfrm>
             <a:off x="3221502" y="3377248"/>
-            <a:ext cx="1494720" cy="456840"/>
+            <a:ext cx="1494720" cy="547920"/>
           </a:xfrm>
           <a:prstGeom prst="rect">
             <a:avLst/>
@@ -21120,7 +21194,23 @@
               </a:lnSpc>
             </a:pPr>
             <a:r>
-              <a:rPr lang="en-US" sz="1400" b="1" dirty="0">
+              <a:rPr lang="en-US" sz="1400" b="1" dirty="0" smtClean="0">
+                <a:solidFill>
+                  <a:srgbClr val="000000"/>
+                </a:solidFill>
+                <a:latin typeface="Calibri"/>
+              </a:rPr>
+              <a:t>4*3 matrix</a:t>
+            </a:r>
+          </a:p>
+          <a:p>
+            <a:pPr algn="ctr">
+              <a:lnSpc>
+                <a:spcPct val="100000"/>
+              </a:lnSpc>
+            </a:pPr>
+            <a:r>
+              <a:rPr lang="en-US" sz="1400" b="1" dirty="0" smtClean="0">
                 <a:solidFill>
                   <a:srgbClr val="000000"/>
                 </a:solidFill>
@@ -21189,7 +21279,7 @@
         <p:spPr>
           <a:xfrm>
             <a:off x="7505502" y="2737168"/>
-            <a:ext cx="1494720" cy="548280"/>
+            <a:ext cx="1494720" cy="731160"/>
           </a:xfrm>
           <a:prstGeom prst="rect">
             <a:avLst/>
@@ -21214,7 +21304,47 @@
               </a:lnSpc>
             </a:pPr>
             <a:r>
-              <a:rPr lang="en-US" sz="1400" b="1" dirty="0">
+              <a:rPr lang="en-US" sz="1400" b="1" dirty="0" err="1" smtClean="0">
+                <a:solidFill>
+                  <a:srgbClr val="000000"/>
+                </a:solidFill>
+                <a:latin typeface="Calibri"/>
+              </a:rPr>
+              <a:t>Adafruit</a:t>
+            </a:r>
+            <a:r>
+              <a:rPr lang="en-US" sz="1400" b="1" dirty="0" smtClean="0">
+                <a:solidFill>
+                  <a:srgbClr val="000000"/>
+                </a:solidFill>
+                <a:latin typeface="Calibri"/>
+              </a:rPr>
+              <a:t> </a:t>
+            </a:r>
+            <a:r>
+              <a:rPr lang="en-US" sz="1400" b="1" dirty="0" err="1" smtClean="0">
+                <a:solidFill>
+                  <a:srgbClr val="000000"/>
+                </a:solidFill>
+                <a:latin typeface="Calibri"/>
+              </a:rPr>
+              <a:t>fona</a:t>
+            </a:r>
+            <a:endParaRPr lang="en-US" sz="1400" b="1" dirty="0" smtClean="0">
+              <a:solidFill>
+                <a:srgbClr val="000000"/>
+              </a:solidFill>
+              <a:latin typeface="Calibri"/>
+            </a:endParaRPr>
+          </a:p>
+          <a:p>
+            <a:pPr algn="ctr">
+              <a:lnSpc>
+                <a:spcPct val="100000"/>
+              </a:lnSpc>
+            </a:pPr>
+            <a:r>
+              <a:rPr lang="en-US" sz="1400" b="1" dirty="0" smtClean="0">
                 <a:solidFill>
                   <a:srgbClr val="000000"/>
                 </a:solidFill>
@@ -21443,9 +21573,9 @@
           <p:nvPr/>
         </p:nvSpPr>
         <p:spPr>
-          <a:xfrm flipV="1">
-            <a:off x="8237022" y="3285808"/>
-            <a:ext cx="360" cy="547920"/>
+          <a:xfrm flipH="1" flipV="1">
+            <a:off x="8281555" y="3468327"/>
+            <a:ext cx="2587" cy="327835"/>
           </a:xfrm>
           <a:prstGeom prst="straightConnector1">
             <a:avLst/>
@@ -22117,6 +22247,13 @@
   <p:clrMapOvr>
     <a:masterClrMapping/>
   </p:clrMapOvr>
+  <p:timing>
+    <p:tnLst>
+      <p:par>
+        <p:cTn id="1" dur="indefinite" restart="never" nodeType="tmRoot"/>
+      </p:par>
+    </p:tnLst>
+  </p:timing>
 </p:sld>
 </file>
 
@@ -22223,7 +22360,6 @@
               <a:rPr lang="en-IN" dirty="0" smtClean="0"/>
               <a:t> – 3D design</a:t>
             </a:r>
-            <a:endParaRPr lang="en-IN" dirty="0" smtClean="0"/>
           </a:p>
           <a:p>
             <a:r>
